--- a/03 msgraphpclient.pptx
+++ b/03 msgraphpclient.pptx
@@ -275,7 +275,7 @@
               <a:rPr lang="en-US" smtClean="0">
                 <a:latin typeface="Segoe UI" pitchFamily="34" charset="0"/>
               </a:rPr>
-              <a:t>12/19/18 2:17 PM</a:t>
+              <a:t>12/20/18 1:02 PM</a:t>
             </a:fld>
             <a:endParaRPr lang="en-US" dirty="0">
               <a:latin typeface="Segoe UI" pitchFamily="34" charset="0"/>
@@ -569,7 +569,7 @@
           <a:p>
             <a:fld id="{D18B56EA-E28F-4F92-9F16-7A6F2501B303}" type="datetime8">
               <a:rPr lang="en-US" smtClean="0"/>
-              <a:t>12/19/18 2:17 PM</a:t>
+              <a:t>12/20/18 1:02 PM</a:t>
             </a:fld>
             <a:endParaRPr lang="en-US" dirty="0"/>
           </a:p>
@@ -952,7 +952,7 @@
           <a:p>
             <a:fld id="{D18B56EA-E28F-4F92-9F16-7A6F2501B303}" type="datetime8">
               <a:rPr lang="en-US" smtClean="0"/>
-              <a:t>12/19/18 2:19 PM</a:t>
+              <a:t>12/20/18 1:02 PM</a:t>
             </a:fld>
             <a:endParaRPr lang="en-US" dirty="0"/>
           </a:p>
@@ -1133,7 +1133,7 @@
           <a:p>
             <a:fld id="{D18B56EA-E28F-4F92-9F16-7A6F2501B303}" type="datetime8">
               <a:rPr lang="en-US" smtClean="0"/>
-              <a:t>12/19/18 2:17 PM</a:t>
+              <a:t>12/20/18 1:02 PM</a:t>
             </a:fld>
             <a:endParaRPr lang="en-US" dirty="0"/>
           </a:p>
@@ -1314,7 +1314,7 @@
           <a:p>
             <a:fld id="{D18B56EA-E28F-4F92-9F16-7A6F2501B303}" type="datetime8">
               <a:rPr lang="en-US" smtClean="0"/>
-              <a:t>12/19/18 2:17 PM</a:t>
+              <a:t>12/20/18 1:02 PM</a:t>
             </a:fld>
             <a:endParaRPr lang="en-US" dirty="0"/>
           </a:p>
@@ -1495,7 +1495,7 @@
           <a:p>
             <a:fld id="{D18B56EA-E28F-4F92-9F16-7A6F2501B303}" type="datetime8">
               <a:rPr lang="en-US" smtClean="0"/>
-              <a:t>12/19/18 2:19 PM</a:t>
+              <a:t>12/20/18 1:02 PM</a:t>
             </a:fld>
             <a:endParaRPr lang="en-US" dirty="0"/>
           </a:p>
@@ -1768,7 +1768,7 @@
                 <a:tabLst/>
                 <a:defRPr/>
               </a:pPr>
-              <a:t>12/19/18</a:t>
+              <a:t>12/20/18</a:t>
             </a:fld>
             <a:endParaRPr kumimoji="0" lang="en-US" sz="1800" b="0" i="0" u="none" strike="noStrike" kern="0" cap="none" spc="0" normalizeH="0" baseline="0" noProof="0" dirty="0">
               <a:ln>
@@ -2015,7 +2015,7 @@
           <a:p>
             <a:fld id="{D18B56EA-E28F-4F92-9F16-7A6F2501B303}" type="datetime8">
               <a:rPr lang="en-US" smtClean="0"/>
-              <a:t>12/19/18 2:17 PM</a:t>
+              <a:t>12/20/18 1:02 PM</a:t>
             </a:fld>
             <a:endParaRPr lang="en-US" dirty="0"/>
           </a:p>
@@ -2196,7 +2196,7 @@
           <a:p>
             <a:fld id="{D18B56EA-E28F-4F92-9F16-7A6F2501B303}" type="datetime8">
               <a:rPr lang="en-US" smtClean="0"/>
-              <a:t>12/19/18 2:17 PM</a:t>
+              <a:t>12/20/18 1:02 PM</a:t>
             </a:fld>
             <a:endParaRPr lang="en-US" dirty="0"/>
           </a:p>
@@ -2377,7 +2377,7 @@
           <a:p>
             <a:fld id="{D18B56EA-E28F-4F92-9F16-7A6F2501B303}" type="datetime8">
               <a:rPr lang="en-US" smtClean="0"/>
-              <a:t>12/19/18 2:17 PM</a:t>
+              <a:t>12/20/18 1:02 PM</a:t>
             </a:fld>
             <a:endParaRPr lang="en-US" dirty="0"/>
           </a:p>
@@ -2558,7 +2558,7 @@
           <a:p>
             <a:fld id="{D18B56EA-E28F-4F92-9F16-7A6F2501B303}" type="datetime8">
               <a:rPr lang="en-US" smtClean="0"/>
-              <a:t>12/19/18 2:17 PM</a:t>
+              <a:t>12/20/18 1:02 PM</a:t>
             </a:fld>
             <a:endParaRPr lang="en-US" dirty="0"/>
           </a:p>
@@ -2739,7 +2739,7 @@
           <a:p>
             <a:fld id="{D18B56EA-E28F-4F92-9F16-7A6F2501B303}" type="datetime8">
               <a:rPr lang="en-US" smtClean="0"/>
-              <a:t>12/19/18 2:20 PM</a:t>
+              <a:t>12/20/18 1:02 PM</a:t>
             </a:fld>
             <a:endParaRPr lang="en-US" dirty="0"/>
           </a:p>
@@ -2920,7 +2920,7 @@
           <a:p>
             <a:fld id="{D18B56EA-E28F-4F92-9F16-7A6F2501B303}" type="datetime8">
               <a:rPr lang="en-US" smtClean="0"/>
-              <a:t>12/19/18 2:21 PM</a:t>
+              <a:t>12/20/18 1:02 PM</a:t>
             </a:fld>
             <a:endParaRPr lang="en-US" dirty="0"/>
           </a:p>
@@ -7620,8 +7620,8 @@
 </file>
 
 <file path=ppt/slideLayouts/slideLayout26.xml><?xml version="1.0" encoding="utf-8"?>
-<p:sldLayout xmlns:a="http://schemas.openxmlformats.org/drawingml/2006/main" xmlns:r="http://schemas.openxmlformats.org/officeDocument/2006/relationships" xmlns:p="http://schemas.openxmlformats.org/presentationml/2006/main" userDrawn="1">
-  <p:cSld name="Developer Code Layout">
+<p:sldLayout xmlns:a="http://schemas.openxmlformats.org/drawingml/2006/main" xmlns:r="http://schemas.openxmlformats.org/officeDocument/2006/relationships" xmlns:p="http://schemas.openxmlformats.org/presentationml/2006/main" preserve="1" userDrawn="1">
+  <p:cSld name="1_Developer Code Layout">
     <p:spTree>
       <p:nvGrpSpPr>
         <p:cNvPr id="1" name=""/>
@@ -7646,27 +7646,31 @@
             <p:ph type="title" hasCustomPrompt="1"/>
           </p:nvPr>
         </p:nvSpPr>
-        <p:spPr/>
+        <p:spPr>
+          <a:xfrm>
+            <a:off x="464400" y="633600"/>
+            <a:ext cx="11575200" cy="410369"/>
+          </a:xfrm>
+        </p:spPr>
         <p:txBody>
-          <a:bodyPr/>
+          <a:bodyPr vert="horz" wrap="square" lIns="0" tIns="0" rIns="0" bIns="0" rtlCol="0" anchor="t">
+            <a:spAutoFit/>
+          </a:bodyPr>
           <a:lstStyle>
             <a:lvl1pPr>
-              <a:defRPr>
-                <a:gradFill>
-                  <a:gsLst>
-                    <a:gs pos="1250">
-                      <a:schemeClr val="tx2"/>
-                    </a:gs>
-                    <a:gs pos="100000">
-                      <a:schemeClr val="tx2"/>
-                    </a:gs>
-                  </a:gsLst>
-                  <a:lin ang="5400000" scaled="0"/>
-                </a:gradFill>
+              <a:defRPr lang="en-US" sz="2800" dirty="0">
+                <a:solidFill>
+                  <a:srgbClr val="2F2F2F"/>
+                </a:solidFill>
               </a:defRPr>
             </a:lvl1pPr>
           </a:lstStyle>
           <a:p>
+            <a:pPr lvl="0">
+              <a:lnSpc>
+                <a:spcPts val="3200"/>
+              </a:lnSpc>
+            </a:pPr>
             <a:r>
               <a:rPr lang="en-US" dirty="0"/>
               <a:t>Slide for Developer Code</a:t>
@@ -7759,8 +7763,8 @@
         </p:nvSpPr>
         <p:spPr>
           <a:xfrm>
-            <a:off x="528849" y="1476622"/>
-            <a:ext cx="11378776" cy="2360774"/>
+            <a:off x="464400" y="1178952"/>
+            <a:ext cx="11575200" cy="2658444"/>
           </a:xfrm>
         </p:spPr>
         <p:txBody>
@@ -7875,45 +7879,44 @@
           <a:p>
             <a:pPr lvl="0"/>
             <a:r>
-              <a:rPr lang="en-US"/>
+              <a:rPr lang="en-US" dirty="0"/>
               <a:t>Click to edit Master text styles</a:t>
             </a:r>
           </a:p>
           <a:p>
             <a:pPr lvl="1"/>
             <a:r>
-              <a:rPr lang="en-US"/>
+              <a:rPr lang="en-US" dirty="0"/>
               <a:t>Second level</a:t>
             </a:r>
           </a:p>
           <a:p>
             <a:pPr lvl="2"/>
             <a:r>
-              <a:rPr lang="en-US"/>
+              <a:rPr lang="en-US" dirty="0"/>
               <a:t>Third level</a:t>
             </a:r>
           </a:p>
           <a:p>
             <a:pPr lvl="3"/>
             <a:r>
-              <a:rPr lang="en-US"/>
+              <a:rPr lang="en-US" dirty="0"/>
               <a:t>Fourth level</a:t>
             </a:r>
           </a:p>
           <a:p>
             <a:pPr lvl="4"/>
             <a:r>
-              <a:rPr lang="en-US"/>
+              <a:rPr lang="en-US" dirty="0"/>
               <a:t>Fifth level</a:t>
             </a:r>
-            <a:endParaRPr lang="en-US" dirty="0"/>
           </a:p>
         </p:txBody>
       </p:sp>
     </p:spTree>
     <p:extLst>
       <p:ext uri="{BB962C8B-B14F-4D97-AF65-F5344CB8AC3E}">
-        <p14:creationId xmlns:p14="http://schemas.microsoft.com/office/powerpoint/2010/main" val="2517332202"/>
+        <p14:creationId xmlns:p14="http://schemas.microsoft.com/office/powerpoint/2010/main" val="3307893055"/>
       </p:ext>
     </p:extLst>
   </p:cSld>
@@ -7927,8 +7930,8 @@
 </file>
 
 <file path=ppt/slideLayouts/slideLayout27.xml><?xml version="1.0" encoding="utf-8"?>
-<p:sldLayout xmlns:a="http://schemas.openxmlformats.org/drawingml/2006/main" xmlns:r="http://schemas.openxmlformats.org/officeDocument/2006/relationships" xmlns:p="http://schemas.openxmlformats.org/presentationml/2006/main" userDrawn="1">
-  <p:cSld name="Title &amp; 2-color Non-bulleted text">
+<p:sldLayout xmlns:a="http://schemas.openxmlformats.org/drawingml/2006/main" xmlns:r="http://schemas.openxmlformats.org/officeDocument/2006/relationships" xmlns:p="http://schemas.openxmlformats.org/presentationml/2006/main" preserve="1" userDrawn="1">
+  <p:cSld name="1_Title &amp; 2-color Non-bulleted text">
     <p:spTree>
       <p:nvGrpSpPr>
         <p:cNvPr id="1" name=""/>
@@ -7943,36 +7946,6 @@
           <a:chExt cx="0" cy="0"/>
         </a:xfrm>
       </p:grpSpPr>
-      <p:pic>
-        <p:nvPicPr>
-          <p:cNvPr id="7" name="Picture 6"/>
-          <p:cNvPicPr>
-            <a:picLocks noChangeAspect="1"/>
-          </p:cNvPicPr>
-          <p:nvPr userDrawn="1"/>
-        </p:nvPicPr>
-        <p:blipFill>
-          <a:blip r:embed="rId2" cstate="screen">
-            <a:extLst>
-              <a:ext uri="{28A0092B-C50C-407E-A947-70E740481C1C}">
-                <a14:useLocalDpi xmlns:a14="http://schemas.microsoft.com/office/drawing/2010/main"/>
-              </a:ext>
-            </a:extLst>
-          </a:blip>
-          <a:stretch>
-            <a:fillRect/>
-          </a:stretch>
-        </p:blipFill>
-        <p:spPr>
-          <a:xfrm>
-            <a:off x="10933639" y="6533467"/>
-            <a:ext cx="1501954" cy="477297"/>
-          </a:xfrm>
-          <a:prstGeom prst="rect">
-            <a:avLst/>
-          </a:prstGeom>
-        </p:spPr>
-      </p:pic>
       <p:sp>
         <p:nvSpPr>
           <p:cNvPr id="2" name="Title 1"/>
@@ -7983,16 +7956,35 @@
             <p:ph type="title"/>
           </p:nvPr>
         </p:nvSpPr>
-        <p:spPr/>
+        <p:spPr>
+          <a:xfrm>
+            <a:off x="464400" y="633600"/>
+            <a:ext cx="11574000" cy="410369"/>
+          </a:xfrm>
+        </p:spPr>
         <p:txBody>
-          <a:bodyPr/>
-          <a:lstStyle/>
-          <a:p>
-            <a:r>
-              <a:rPr lang="en-US"/>
+          <a:bodyPr vert="horz" wrap="square" lIns="0" tIns="0" rIns="0" bIns="0" rtlCol="0" anchor="t">
+            <a:spAutoFit/>
+          </a:bodyPr>
+          <a:lstStyle>
+            <a:lvl1pPr>
+              <a:defRPr lang="en-US" sz="2800" dirty="0">
+                <a:solidFill>
+                  <a:srgbClr val="2F2F2F"/>
+                </a:solidFill>
+              </a:defRPr>
+            </a:lvl1pPr>
+          </a:lstStyle>
+          <a:p>
+            <a:pPr lvl="0">
+              <a:lnSpc>
+                <a:spcPts val="3200"/>
+              </a:lnSpc>
+            </a:pPr>
+            <a:r>
+              <a:rPr lang="en-US" dirty="0"/>
               <a:t>Click to edit Master title style</a:t>
             </a:r>
-            <a:endParaRPr lang="en-US" dirty="0"/>
           </a:p>
         </p:txBody>
       </p:sp>
@@ -8008,8 +8000,8 @@
         </p:nvSpPr>
         <p:spPr>
           <a:xfrm>
-            <a:off x="274638" y="1212850"/>
-            <a:ext cx="11887200" cy="1889748"/>
+            <a:off x="464400" y="1212850"/>
+            <a:ext cx="11574000" cy="1346522"/>
           </a:xfrm>
         </p:spPr>
         <p:txBody>
@@ -8017,7 +8009,7 @@
           <a:lstStyle>
             <a:lvl1pPr marL="0" indent="0">
               <a:buNone/>
-              <a:defRPr>
+              <a:defRPr sz="2400">
                 <a:solidFill>
                   <a:schemeClr val="tx2"/>
                 </a:solidFill>
@@ -8026,63 +8018,62 @@
             <a:lvl2pPr marL="0" indent="0">
               <a:buFontTx/>
               <a:buNone/>
-              <a:defRPr sz="2000"/>
+              <a:defRPr sz="1400"/>
             </a:lvl2pPr>
             <a:lvl3pPr marL="228600" indent="0">
               <a:buNone/>
-              <a:defRPr sz="1800"/>
+              <a:defRPr sz="1200"/>
             </a:lvl3pPr>
             <a:lvl4pPr marL="457200" indent="0">
               <a:buNone/>
-              <a:defRPr sz="1600"/>
+              <a:defRPr sz="1100"/>
             </a:lvl4pPr>
             <a:lvl5pPr marL="685800" indent="0">
               <a:buNone/>
-              <a:defRPr sz="1400"/>
+              <a:defRPr sz="1050"/>
             </a:lvl5pPr>
           </a:lstStyle>
           <a:p>
             <a:pPr lvl="0"/>
             <a:r>
-              <a:rPr lang="en-US"/>
+              <a:rPr lang="en-US" dirty="0"/>
               <a:t>Edit Master text styles</a:t>
             </a:r>
           </a:p>
           <a:p>
             <a:pPr lvl="1"/>
             <a:r>
-              <a:rPr lang="en-US"/>
+              <a:rPr lang="en-US" dirty="0"/>
               <a:t>Second level</a:t>
             </a:r>
           </a:p>
           <a:p>
             <a:pPr lvl="2"/>
             <a:r>
-              <a:rPr lang="en-US"/>
+              <a:rPr lang="en-US" dirty="0"/>
               <a:t>Third level</a:t>
             </a:r>
           </a:p>
           <a:p>
             <a:pPr lvl="3"/>
             <a:r>
-              <a:rPr lang="en-US"/>
+              <a:rPr lang="en-US" dirty="0"/>
               <a:t>Fourth level</a:t>
             </a:r>
           </a:p>
           <a:p>
             <a:pPr lvl="4"/>
             <a:r>
-              <a:rPr lang="en-US"/>
+              <a:rPr lang="en-US" dirty="0"/>
               <a:t>Fifth level</a:t>
             </a:r>
-            <a:endParaRPr lang="en-US" dirty="0"/>
           </a:p>
         </p:txBody>
       </p:sp>
     </p:spTree>
     <p:extLst>
       <p:ext uri="{BB962C8B-B14F-4D97-AF65-F5344CB8AC3E}">
-        <p14:creationId xmlns:p14="http://schemas.microsoft.com/office/powerpoint/2010/main" val="3845859015"/>
+        <p14:creationId xmlns:p14="http://schemas.microsoft.com/office/powerpoint/2010/main" val="4172781708"/>
       </p:ext>
     </p:extLst>
   </p:cSld>
@@ -8096,8 +8087,8 @@
 </file>
 
 <file path=ppt/slideLayouts/slideLayout28.xml><?xml version="1.0" encoding="utf-8"?>
-<p:sldLayout xmlns:a="http://schemas.openxmlformats.org/drawingml/2006/main" xmlns:r="http://schemas.openxmlformats.org/officeDocument/2006/relationships" xmlns:p="http://schemas.openxmlformats.org/presentationml/2006/main" userDrawn="1">
-  <p:cSld name="Title and Content">
+<p:sldLayout xmlns:a="http://schemas.openxmlformats.org/drawingml/2006/main" xmlns:r="http://schemas.openxmlformats.org/officeDocument/2006/relationships" xmlns:p="http://schemas.openxmlformats.org/presentationml/2006/main" preserve="1" userDrawn="1">
+  <p:cSld name="1_Title and Content">
     <p:spTree>
       <p:nvGrpSpPr>
         <p:cNvPr id="1" name=""/>
@@ -8124,8 +8115,8 @@
         </p:nvSpPr>
         <p:spPr>
           <a:xfrm>
-            <a:off x="274638" y="1212850"/>
-            <a:ext cx="11887200" cy="2240229"/>
+            <a:off x="464400" y="1212850"/>
+            <a:ext cx="11574000" cy="1566583"/>
           </a:xfrm>
         </p:spPr>
         <p:txBody>
@@ -8133,51 +8124,56 @@
             <a:spAutoFit/>
           </a:bodyPr>
           <a:lstStyle>
+            <a:lvl1pPr>
+              <a:defRPr sz="2400"/>
+            </a:lvl1pPr>
+            <a:lvl2pPr>
+              <a:defRPr sz="1800"/>
+            </a:lvl2pPr>
             <a:lvl3pPr>
-              <a:defRPr sz="2399"/>
+              <a:defRPr sz="1600"/>
             </a:lvl3pPr>
             <a:lvl4pPr>
-              <a:defRPr sz="1999"/>
+              <a:defRPr sz="1400"/>
             </a:lvl4pPr>
             <a:lvl5pPr>
-              <a:defRPr sz="1999"/>
+              <a:defRPr sz="1400"/>
             </a:lvl5pPr>
           </a:lstStyle>
           <a:p>
             <a:pPr lvl="0"/>
             <a:r>
-              <a:rPr lang="en-US"/>
+              <a:rPr lang="en-US" dirty="0"/>
               <a:t>Edit Master text styles</a:t>
             </a:r>
           </a:p>
           <a:p>
             <a:pPr lvl="1"/>
             <a:r>
-              <a:rPr lang="en-US"/>
+              <a:rPr lang="en-US" dirty="0"/>
               <a:t>Second level</a:t>
             </a:r>
           </a:p>
           <a:p>
             <a:pPr lvl="2"/>
             <a:r>
-              <a:rPr lang="en-US"/>
+              <a:rPr lang="en-US" dirty="0"/>
               <a:t>Third level</a:t>
             </a:r>
           </a:p>
           <a:p>
             <a:pPr lvl="3"/>
             <a:r>
-              <a:rPr lang="en-US"/>
+              <a:rPr lang="en-US" dirty="0"/>
               <a:t>Fourth level</a:t>
             </a:r>
           </a:p>
           <a:p>
             <a:pPr lvl="4"/>
             <a:r>
-              <a:rPr lang="en-US"/>
+              <a:rPr lang="en-US" dirty="0"/>
               <a:t>Fifth level</a:t>
             </a:r>
-            <a:endParaRPr lang="en-US" dirty="0"/>
           </a:p>
         </p:txBody>
       </p:sp>
@@ -8191,13 +8187,33 @@
             <p:ph type="title"/>
           </p:nvPr>
         </p:nvSpPr>
-        <p:spPr/>
+        <p:spPr>
+          <a:xfrm>
+            <a:off x="464400" y="633600"/>
+            <a:ext cx="11574000" cy="410369"/>
+          </a:xfrm>
+        </p:spPr>
         <p:txBody>
-          <a:bodyPr/>
-          <a:lstStyle/>
-          <a:p>
-            <a:r>
-              <a:rPr lang="en-US"/>
+          <a:bodyPr vert="horz" wrap="square" lIns="0" tIns="0" rIns="0" bIns="0" rtlCol="0" anchor="t">
+            <a:spAutoFit/>
+          </a:bodyPr>
+          <a:lstStyle>
+            <a:lvl1pPr>
+              <a:defRPr lang="en-US" sz="2800">
+                <a:solidFill>
+                  <a:srgbClr val="2F2F2F"/>
+                </a:solidFill>
+              </a:defRPr>
+            </a:lvl1pPr>
+          </a:lstStyle>
+          <a:p>
+            <a:pPr lvl="0">
+              <a:lnSpc>
+                <a:spcPts val="3200"/>
+              </a:lnSpc>
+            </a:pPr>
+            <a:r>
+              <a:rPr lang="en-US" dirty="0"/>
               <a:t>Click to edit Master title style</a:t>
             </a:r>
           </a:p>
@@ -8206,7 +8222,7 @@
     </p:spTree>
     <p:extLst>
       <p:ext uri="{BB962C8B-B14F-4D97-AF65-F5344CB8AC3E}">
-        <p14:creationId xmlns:p14="http://schemas.microsoft.com/office/powerpoint/2010/main" val="3733558018"/>
+        <p14:creationId xmlns:p14="http://schemas.microsoft.com/office/powerpoint/2010/main" val="580990431"/>
       </p:ext>
     </p:extLst>
   </p:cSld>
@@ -15115,9 +15131,9 @@
     <p:sldLayoutId id="2147484545" r:id="rId23"/>
     <p:sldLayoutId id="2147484546" r:id="rId24"/>
     <p:sldLayoutId id="2147484299" r:id="rId25"/>
-    <p:sldLayoutId id="2147484552" r:id="rId26"/>
-    <p:sldLayoutId id="2147484556" r:id="rId27"/>
-    <p:sldLayoutId id="2147484558" r:id="rId28"/>
+    <p:sldLayoutId id="2147484559" r:id="rId26"/>
+    <p:sldLayoutId id="2147484560" r:id="rId27"/>
+    <p:sldLayoutId id="2147484561" r:id="rId28"/>
   </p:sldLayoutIdLst>
   <p:transition>
     <p:fade/>
@@ -15723,8 +15739,8 @@
         </p:nvSpPr>
         <p:spPr>
           <a:xfrm>
-            <a:off x="274638" y="1212850"/>
-            <a:ext cx="11887200" cy="5435334"/>
+            <a:off x="464400" y="1212850"/>
+            <a:ext cx="11574000" cy="4431983"/>
           </a:xfrm>
         </p:spPr>
         <p:txBody>
@@ -15732,303 +15748,146 @@
           <a:lstStyle/>
           <a:p>
             <a:r>
-              <a:rPr lang="en-US" sz="2800" b="1" dirty="0" err="1"/>
-              <a:t>MSGraphClient</a:t>
-            </a:r>
-            <a:r>
-              <a:rPr lang="en-US" sz="2800" dirty="0"/>
-              <a:t>: SharePoint Framework’s Microsoft Graph Client</a:t>
-            </a:r>
-          </a:p>
-          <a:p>
-            <a:r>
-              <a:rPr lang="en-US" sz="2800" dirty="0"/>
-              <a:t>Abstracts the token acquisition from the SharePoint Framework’s support for Azure AD</a:t>
-            </a:r>
-          </a:p>
-          <a:p>
-            <a:r>
-              <a:rPr lang="en-US" sz="2800" dirty="0"/>
-              <a:t>Wraps the Microsoft Graph JavaScript SDK and initializes it with one line that returns a promise</a:t>
-            </a:r>
-            <a:endParaRPr lang="en-US" dirty="0"/>
-          </a:p>
-          <a:p>
-            <a:endParaRPr lang="en-US" dirty="0"/>
-          </a:p>
-          <a:p>
-            <a:pPr marL="0" indent="0">
-              <a:lnSpc>
-                <a:spcPct val="95000"/>
-              </a:lnSpc>
-              <a:buNone/>
-            </a:pPr>
-            <a:r>
-              <a:rPr lang="en-US" sz="2400" dirty="0" err="1">
-                <a:gradFill>
-                  <a:gsLst>
-                    <a:gs pos="1250">
-                      <a:srgbClr val="000000"/>
-                    </a:gs>
-                    <a:gs pos="100000">
-                      <a:srgbClr val="000000"/>
-                    </a:gs>
-                  </a:gsLst>
-                  <a:lin ang="5400000" scaled="0"/>
-                </a:gradFill>
-                <a:latin typeface="Courier New" panose="02070309020205020404" pitchFamily="49" charset="0"/>
-                <a:cs typeface="Courier New" panose="02070309020205020404" pitchFamily="49" charset="0"/>
-              </a:rPr>
-              <a:t>this.context.msGraphClientFactory</a:t>
-            </a:r>
-            <a:endParaRPr lang="en-US" sz="2400" dirty="0">
-              <a:gradFill>
-                <a:gsLst>
-                  <a:gs pos="1250">
-                    <a:srgbClr val="000000"/>
-                  </a:gs>
-                  <a:gs pos="100000">
-                    <a:srgbClr val="000000"/>
-                  </a:gs>
-                </a:gsLst>
-                <a:lin ang="5400000" scaled="0"/>
-              </a:gradFill>
-              <a:latin typeface="Courier New" panose="02070309020205020404" pitchFamily="49" charset="0"/>
-              <a:cs typeface="Courier New" panose="02070309020205020404" pitchFamily="49" charset="0"/>
-            </a:endParaRPr>
-          </a:p>
-          <a:p>
-            <a:pPr marL="0" indent="0">
-              <a:lnSpc>
-                <a:spcPct val="95000"/>
-              </a:lnSpc>
-              <a:buNone/>
-            </a:pPr>
-            <a:r>
-              <a:rPr lang="en-US" sz="2400" dirty="0">
-                <a:gradFill>
-                  <a:gsLst>
-                    <a:gs pos="1250">
-                      <a:srgbClr val="000000"/>
-                    </a:gs>
-                    <a:gs pos="100000">
-                      <a:srgbClr val="000000"/>
-                    </a:gs>
-                  </a:gsLst>
-                  <a:lin ang="5400000" scaled="0"/>
-                </a:gradFill>
-                <a:latin typeface="Courier New" panose="02070309020205020404" pitchFamily="49" charset="0"/>
-                <a:cs typeface="Courier New" panose="02070309020205020404" pitchFamily="49" charset="0"/>
-              </a:rPr>
-              <a:t>     .</a:t>
-            </a:r>
-            <a:r>
-              <a:rPr lang="en-US" sz="2400" dirty="0" err="1">
-                <a:gradFill>
-                  <a:gsLst>
-                    <a:gs pos="1250">
-                      <a:srgbClr val="000000"/>
-                    </a:gs>
-                    <a:gs pos="100000">
-                      <a:srgbClr val="000000"/>
-                    </a:gs>
-                  </a:gsLst>
-                  <a:lin ang="5400000" scaled="0"/>
-                </a:gradFill>
-                <a:latin typeface="Courier New" panose="02070309020205020404" pitchFamily="49" charset="0"/>
-                <a:cs typeface="Courier New" panose="02070309020205020404" pitchFamily="49" charset="0"/>
-              </a:rPr>
-              <a:t>getClient</a:t>
-            </a:r>
-            <a:r>
-              <a:rPr lang="en-US" sz="2400" dirty="0">
-                <a:gradFill>
-                  <a:gsLst>
-                    <a:gs pos="1250">
-                      <a:srgbClr val="000000"/>
-                    </a:gs>
-                    <a:gs pos="100000">
-                      <a:srgbClr val="000000"/>
-                    </a:gs>
-                  </a:gsLst>
-                  <a:lin ang="5400000" scaled="0"/>
-                </a:gradFill>
-                <a:latin typeface="Courier New" panose="02070309020205020404" pitchFamily="49" charset="0"/>
-                <a:cs typeface="Courier New" panose="02070309020205020404" pitchFamily="49" charset="0"/>
-              </a:rPr>
-              <a:t>()</a:t>
-            </a:r>
-          </a:p>
-          <a:p>
-            <a:pPr marL="0" indent="0">
-              <a:lnSpc>
-                <a:spcPct val="95000"/>
-              </a:lnSpc>
-              <a:buNone/>
-            </a:pPr>
-            <a:r>
-              <a:rPr lang="en-US" sz="2400" dirty="0">
-                <a:gradFill>
-                  <a:gsLst>
-                    <a:gs pos="1250">
-                      <a:srgbClr val="000000"/>
-                    </a:gs>
-                    <a:gs pos="100000">
-                      <a:srgbClr val="000000"/>
-                    </a:gs>
-                  </a:gsLst>
-                  <a:lin ang="5400000" scaled="0"/>
-                </a:gradFill>
-                <a:latin typeface="Courier New" panose="02070309020205020404" pitchFamily="49" charset="0"/>
-                <a:cs typeface="Courier New" panose="02070309020205020404" pitchFamily="49" charset="0"/>
-              </a:rPr>
-              <a:t>     .then((client: </a:t>
-            </a:r>
-            <a:r>
-              <a:rPr lang="en-US" sz="2400" dirty="0" err="1">
-                <a:gradFill>
-                  <a:gsLst>
-                    <a:gs pos="1250">
-                      <a:srgbClr val="000000"/>
-                    </a:gs>
-                    <a:gs pos="100000">
-                      <a:srgbClr val="000000"/>
-                    </a:gs>
-                  </a:gsLst>
-                  <a:lin ang="5400000" scaled="0"/>
-                </a:gradFill>
+              <a:rPr lang="en-US" b="1" dirty="0" err="1">
                 <a:latin typeface="Courier New" panose="02070309020205020404" pitchFamily="49" charset="0"/>
                 <a:cs typeface="Courier New" panose="02070309020205020404" pitchFamily="49" charset="0"/>
               </a:rPr>
               <a:t>MSGraphClient</a:t>
             </a:r>
             <a:r>
-              <a:rPr lang="en-US" sz="2400" dirty="0">
-                <a:gradFill>
-                  <a:gsLst>
-                    <a:gs pos="1250">
-                      <a:srgbClr val="000000"/>
-                    </a:gs>
-                    <a:gs pos="100000">
-                      <a:srgbClr val="000000"/>
-                    </a:gs>
-                  </a:gsLst>
-                  <a:lin ang="5400000" scaled="0"/>
-                </a:gradFill>
-                <a:latin typeface="Courier New" panose="02070309020205020404" pitchFamily="49" charset="0"/>
-                <a:cs typeface="Courier New" panose="02070309020205020404" pitchFamily="49" charset="0"/>
+              <a:rPr lang="en-US" dirty="0"/>
+              <a:t>: SharePoint Framework’s Microsoft Graph Client</a:t>
+            </a:r>
+          </a:p>
+          <a:p>
+            <a:r>
+              <a:rPr lang="en-US" dirty="0"/>
+              <a:t>Abstracts the token acquisition from the SharePoint Framework’s support for Azure AD</a:t>
+            </a:r>
+          </a:p>
+          <a:p>
+            <a:r>
+              <a:rPr lang="en-US" dirty="0"/>
+              <a:t>Wraps the Microsoft Graph JavaScript SDK and initializes it with one line that returns a promise</a:t>
+            </a:r>
+          </a:p>
+          <a:p>
+            <a:endParaRPr lang="en-US" dirty="0"/>
+          </a:p>
+          <a:p>
+            <a:pPr marL="0" indent="0">
+              <a:buNone/>
+            </a:pPr>
+            <a:r>
+              <a:rPr lang="en-US" sz="2000" dirty="0" err="1">
+                <a:latin typeface="Consolas" panose="020B0609020204030204" pitchFamily="49" charset="0"/>
+                <a:cs typeface="Consolas" panose="020B0609020204030204" pitchFamily="49" charset="0"/>
+              </a:rPr>
+              <a:t>this.context.msGraphClientFactory</a:t>
+            </a:r>
+            <a:endParaRPr lang="en-US" sz="2000" dirty="0">
+              <a:latin typeface="Consolas" panose="020B0609020204030204" pitchFamily="49" charset="0"/>
+              <a:cs typeface="Consolas" panose="020B0609020204030204" pitchFamily="49" charset="0"/>
+            </a:endParaRPr>
+          </a:p>
+          <a:p>
+            <a:pPr marL="0" indent="0">
+              <a:buNone/>
+            </a:pPr>
+            <a:r>
+              <a:rPr lang="en-US" sz="2000" dirty="0">
+                <a:latin typeface="Consolas" panose="020B0609020204030204" pitchFamily="49" charset="0"/>
+                <a:cs typeface="Consolas" panose="020B0609020204030204" pitchFamily="49" charset="0"/>
+              </a:rPr>
+              <a:t>     .</a:t>
+            </a:r>
+            <a:r>
+              <a:rPr lang="en-US" sz="2000" dirty="0" err="1">
+                <a:latin typeface="Consolas" panose="020B0609020204030204" pitchFamily="49" charset="0"/>
+                <a:cs typeface="Consolas" panose="020B0609020204030204" pitchFamily="49" charset="0"/>
+              </a:rPr>
+              <a:t>getClient</a:t>
+            </a:r>
+            <a:r>
+              <a:rPr lang="en-US" sz="2000" dirty="0">
+                <a:latin typeface="Consolas" panose="020B0609020204030204" pitchFamily="49" charset="0"/>
+                <a:cs typeface="Consolas" panose="020B0609020204030204" pitchFamily="49" charset="0"/>
+              </a:rPr>
+              <a:t>()</a:t>
+            </a:r>
+          </a:p>
+          <a:p>
+            <a:pPr marL="0" indent="0">
+              <a:buNone/>
+            </a:pPr>
+            <a:r>
+              <a:rPr lang="en-US" sz="2000" dirty="0">
+                <a:latin typeface="Consolas" panose="020B0609020204030204" pitchFamily="49" charset="0"/>
+                <a:cs typeface="Consolas" panose="020B0609020204030204" pitchFamily="49" charset="0"/>
+              </a:rPr>
+              <a:t>     .then((client: </a:t>
+            </a:r>
+            <a:r>
+              <a:rPr lang="en-US" sz="2000" dirty="0" err="1">
+                <a:latin typeface="Consolas" panose="020B0609020204030204" pitchFamily="49" charset="0"/>
+                <a:cs typeface="Consolas" panose="020B0609020204030204" pitchFamily="49" charset="0"/>
+              </a:rPr>
+              <a:t>MSGraphClient</a:t>
+            </a:r>
+            <a:r>
+              <a:rPr lang="en-US" sz="2000" dirty="0">
+                <a:latin typeface="Consolas" panose="020B0609020204030204" pitchFamily="49" charset="0"/>
+                <a:cs typeface="Consolas" panose="020B0609020204030204" pitchFamily="49" charset="0"/>
               </a:rPr>
               <a:t>): void =&gt; {</a:t>
             </a:r>
           </a:p>
           <a:p>
             <a:pPr marL="0" indent="0">
-              <a:lnSpc>
-                <a:spcPct val="95000"/>
-              </a:lnSpc>
               <a:buNone/>
             </a:pPr>
             <a:r>
-              <a:rPr lang="en-US" sz="2400" dirty="0">
-                <a:gradFill>
-                  <a:gsLst>
-                    <a:gs pos="1250">
-                      <a:srgbClr val="000000"/>
-                    </a:gs>
-                    <a:gs pos="100000">
-                      <a:srgbClr val="000000"/>
-                    </a:gs>
-                  </a:gsLst>
-                  <a:lin ang="5400000" scaled="0"/>
-                </a:gradFill>
-                <a:latin typeface="Courier New" panose="02070309020205020404" pitchFamily="49" charset="0"/>
-                <a:cs typeface="Courier New" panose="02070309020205020404" pitchFamily="49" charset="0"/>
+              <a:rPr lang="en-US" sz="2000" dirty="0">
+                <a:latin typeface="Consolas" panose="020B0609020204030204" pitchFamily="49" charset="0"/>
+                <a:cs typeface="Consolas" panose="020B0609020204030204" pitchFamily="49" charset="0"/>
               </a:rPr>
-              <a:t>       </a:t>
-            </a:r>
-            <a:r>
-              <a:rPr lang="en-US" sz="2400" i="1" dirty="0">
-                <a:gradFill>
-                  <a:gsLst>
-                    <a:gs pos="1250">
-                      <a:srgbClr val="000000"/>
-                    </a:gs>
-                    <a:gs pos="100000">
-                      <a:srgbClr val="000000"/>
-                    </a:gs>
-                  </a:gsLst>
-                  <a:lin ang="5400000" scaled="0"/>
-                </a:gradFill>
-                <a:latin typeface="Courier New" panose="02070309020205020404" pitchFamily="49" charset="0"/>
-                <a:cs typeface="Courier New" panose="02070309020205020404" pitchFamily="49" charset="0"/>
-              </a:rPr>
-              <a:t>// use </a:t>
-            </a:r>
-            <a:r>
-              <a:rPr lang="en-US" sz="2400" i="1" dirty="0" err="1">
-                <a:gradFill>
-                  <a:gsLst>
-                    <a:gs pos="1250">
-                      <a:srgbClr val="000000"/>
-                    </a:gs>
-                    <a:gs pos="100000">
-                      <a:srgbClr val="000000"/>
-                    </a:gs>
-                  </a:gsLst>
-                  <a:lin ang="5400000" scaled="0"/>
-                </a:gradFill>
-                <a:latin typeface="Courier New" panose="02070309020205020404" pitchFamily="49" charset="0"/>
-                <a:cs typeface="Courier New" panose="02070309020205020404" pitchFamily="49" charset="0"/>
+              <a:t>       // use </a:t>
+            </a:r>
+            <a:r>
+              <a:rPr lang="en-US" sz="2000" dirty="0" err="1">
+                <a:latin typeface="Consolas" panose="020B0609020204030204" pitchFamily="49" charset="0"/>
+                <a:cs typeface="Consolas" panose="020B0609020204030204" pitchFamily="49" charset="0"/>
               </a:rPr>
               <a:t>MSGraphClient</a:t>
             </a:r>
             <a:r>
-              <a:rPr lang="en-US" sz="2400" i="1" dirty="0">
-                <a:gradFill>
-                  <a:gsLst>
-                    <a:gs pos="1250">
-                      <a:srgbClr val="000000"/>
-                    </a:gs>
-                    <a:gs pos="100000">
-                      <a:srgbClr val="000000"/>
-                    </a:gs>
-                  </a:gsLst>
-                  <a:lin ang="5400000" scaled="0"/>
-                </a:gradFill>
-                <a:latin typeface="Courier New" panose="02070309020205020404" pitchFamily="49" charset="0"/>
-                <a:cs typeface="Courier New" panose="02070309020205020404" pitchFamily="49" charset="0"/>
+              <a:rPr lang="en-US" sz="2000" dirty="0">
+                <a:latin typeface="Consolas" panose="020B0609020204030204" pitchFamily="49" charset="0"/>
+                <a:cs typeface="Consolas" panose="020B0609020204030204" pitchFamily="49" charset="0"/>
               </a:rPr>
               <a:t> here</a:t>
             </a:r>
           </a:p>
           <a:p>
             <a:pPr marL="0" indent="0">
-              <a:lnSpc>
-                <a:spcPct val="95000"/>
-              </a:lnSpc>
               <a:buNone/>
             </a:pPr>
             <a:r>
-              <a:rPr lang="en-US" sz="2400" dirty="0">
-                <a:gradFill>
-                  <a:gsLst>
-                    <a:gs pos="1250">
-                      <a:srgbClr val="000000"/>
-                    </a:gs>
-                    <a:gs pos="100000">
-                      <a:srgbClr val="000000"/>
-                    </a:gs>
-                  </a:gsLst>
-                  <a:lin ang="5400000" scaled="0"/>
-                </a:gradFill>
-                <a:latin typeface="Courier New" panose="02070309020205020404" pitchFamily="49" charset="0"/>
-                <a:cs typeface="Courier New" panose="02070309020205020404" pitchFamily="49" charset="0"/>
+              <a:rPr lang="en-US" sz="2000" dirty="0">
+                <a:latin typeface="Consolas" panose="020B0609020204030204" pitchFamily="49" charset="0"/>
+                <a:cs typeface="Consolas" panose="020B0609020204030204" pitchFamily="49" charset="0"/>
               </a:rPr>
               <a:t>     });</a:t>
             </a:r>
           </a:p>
           <a:p>
-            <a:endParaRPr lang="en-US" sz="2400" dirty="0"/>
+            <a:pPr marL="0" indent="0">
+              <a:buNone/>
+            </a:pPr>
+            <a:endParaRPr lang="en-US" sz="2000" dirty="0">
+              <a:latin typeface="Consolas" panose="020B0609020204030204" pitchFamily="49" charset="0"/>
+              <a:cs typeface="Consolas" panose="020B0609020204030204" pitchFamily="49" charset="0"/>
+            </a:endParaRPr>
           </a:p>
         </p:txBody>
       </p:sp>
@@ -16054,7 +15913,7 @@
           <a:lstStyle/>
           <a:p>
             <a:r>
-              <a:rPr lang="en-US" sz="3600" dirty="0"/>
+              <a:rPr lang="en-US" dirty="0"/>
               <a:t>SharePoint Framework Includes a Microsoft Graph Client</a:t>
             </a:r>
           </a:p>
@@ -16141,12 +16000,7 @@
             <p:ph type="body" sz="quarter" idx="10"/>
           </p:nvPr>
         </p:nvSpPr>
-        <p:spPr>
-          <a:xfrm>
-            <a:off x="528849" y="1476622"/>
-            <a:ext cx="11378776" cy="5466112"/>
-          </a:xfrm>
-        </p:spPr>
+        <p:spPr/>
         <p:txBody>
           <a:bodyPr/>
           <a:lstStyle/>
@@ -16494,12 +16348,7 @@
             <p:ph type="body" sz="quarter" idx="10"/>
           </p:nvPr>
         </p:nvSpPr>
-        <p:spPr>
-          <a:xfrm>
-            <a:off x="274638" y="1212850"/>
-            <a:ext cx="11887200" cy="3791807"/>
-          </a:xfrm>
-        </p:spPr>
+        <p:spPr/>
         <p:txBody>
           <a:bodyPr/>
           <a:lstStyle/>
@@ -16578,7 +16427,7 @@
           <a:lstStyle/>
           <a:p>
             <a:r>
-              <a:rPr lang="en-US" sz="4000" dirty="0"/>
+              <a:rPr lang="en-US" dirty="0"/>
               <a:t>Add SharePoint Package to SharePoint App Catalog</a:t>
             </a:r>
           </a:p>
@@ -16606,7 +16455,7 @@
         </p:blipFill>
         <p:spPr>
           <a:xfrm>
-            <a:off x="6393023" y="3214124"/>
+            <a:off x="5310983" y="2680724"/>
             <a:ext cx="5800563" cy="3353880"/>
           </a:xfrm>
           <a:prstGeom prst="rect">
@@ -16649,10 +16498,10 @@
       </p:grpSpPr>
       <p:sp>
         <p:nvSpPr>
-          <p:cNvPr id="4" name="Text Placeholder 3">
+          <p:cNvPr id="8" name="Text Placeholder 7">
             <a:extLst>
               <a:ext uri="{FF2B5EF4-FFF2-40B4-BE49-F238E27FC236}">
-                <a16:creationId xmlns:a16="http://schemas.microsoft.com/office/drawing/2014/main" id="{6D8C2EB1-505A-E94F-8B4D-A3C239C80C12}"/>
+                <a16:creationId xmlns:a16="http://schemas.microsoft.com/office/drawing/2014/main" id="{DB710E23-8B87-BF4C-B9C3-BAFC6033802F}"/>
               </a:ext>
             </a:extLst>
           </p:cNvPr>
@@ -16694,7 +16543,7 @@
           <a:lstStyle/>
           <a:p>
             <a:r>
-              <a:rPr lang="en-US" sz="3200" dirty="0"/>
+              <a:rPr lang="en-US" dirty="0"/>
               <a:t>Approve / Reject with SharePoint Online API Management Page</a:t>
             </a:r>
           </a:p>
@@ -29380,7 +29229,12 @@
             <p:ph type="body" sz="quarter" idx="10"/>
           </p:nvPr>
         </p:nvSpPr>
-        <p:spPr/>
+        <p:spPr>
+          <a:xfrm>
+            <a:off x="464400" y="1212850"/>
+            <a:ext cx="11574000" cy="1938992"/>
+          </a:xfrm>
+        </p:spPr>
         <p:txBody>
           <a:bodyPr/>
           <a:lstStyle/>
@@ -29398,8 +29252,6 @@
               <a:rPr lang="en-US" dirty="0"/>
               <a:t>Client-side solutions can leverage the JavaScript SDK</a:t>
             </a:r>
-          </a:p>
-          <a:p>
             <a:endParaRPr lang="en-US" dirty="0">
               <a:hlinkClick r:id="rId3"/>
             </a:endParaRPr>
@@ -29530,8 +29382,8 @@
         </p:nvSpPr>
         <p:spPr>
           <a:xfrm>
-            <a:off x="528849" y="1476622"/>
-            <a:ext cx="11378776" cy="5549211"/>
+            <a:off x="464400" y="1178952"/>
+            <a:ext cx="11575200" cy="4016484"/>
           </a:xfrm>
         </p:spPr>
         <p:txBody>
@@ -29539,108 +29391,108 @@
           <a:lstStyle/>
           <a:p>
             <a:r>
-              <a:rPr lang="en-US" sz="2800" dirty="0" err="1"/>
+              <a:rPr lang="en-US" sz="2000" dirty="0" err="1"/>
               <a:t>var</a:t>
             </a:r>
             <a:r>
-              <a:rPr lang="en-US" sz="2800" dirty="0"/>
+              <a:rPr lang="en-US" sz="2000" dirty="0"/>
               <a:t> client = </a:t>
             </a:r>
             <a:r>
-              <a:rPr lang="en-US" sz="2800" dirty="0" err="1"/>
+              <a:rPr lang="en-US" sz="2000" dirty="0" err="1"/>
               <a:t>MicrosoftGraph.Client.init</a:t>
             </a:r>
             <a:r>
-              <a:rPr lang="en-US" sz="2800" dirty="0"/>
+              <a:rPr lang="en-US" sz="2000" dirty="0"/>
               <a:t>({</a:t>
             </a:r>
           </a:p>
           <a:p>
             <a:r>
-              <a:rPr lang="en-US" sz="2800" dirty="0"/>
+              <a:rPr lang="en-US" sz="2000" dirty="0"/>
               <a:t>  </a:t>
             </a:r>
             <a:r>
-              <a:rPr lang="en-US" sz="2800" dirty="0" err="1"/>
+              <a:rPr lang="en-US" sz="2000" dirty="0" err="1"/>
               <a:t>authProvider</a:t>
             </a:r>
             <a:r>
-              <a:rPr lang="en-US" sz="2800" dirty="0"/>
+              <a:rPr lang="en-US" sz="2000" dirty="0"/>
               <a:t>: (done) =&gt; {</a:t>
             </a:r>
           </a:p>
           <a:p>
             <a:r>
-              <a:rPr lang="en-US" sz="2800" dirty="0"/>
+              <a:rPr lang="en-US" sz="2000" dirty="0"/>
               <a:t>    done(null, </a:t>
             </a:r>
             <a:r>
-              <a:rPr lang="en-US" sz="2800" dirty="0" err="1"/>
+              <a:rPr lang="en-US" sz="2000" dirty="0" err="1"/>
               <a:t>access_token</a:t>
             </a:r>
             <a:r>
-              <a:rPr lang="en-US" sz="2800" dirty="0"/>
+              <a:rPr lang="en-US" sz="2000" dirty="0"/>
               <a:t>);</a:t>
             </a:r>
           </a:p>
           <a:p>
             <a:r>
-              <a:rPr lang="en-US" sz="2800" dirty="0"/>
+              <a:rPr lang="en-US" sz="2000" dirty="0"/>
               <a:t>  }</a:t>
             </a:r>
           </a:p>
           <a:p>
             <a:r>
-              <a:rPr lang="en-US" sz="2800" dirty="0"/>
+              <a:rPr lang="en-US" sz="2000" dirty="0"/>
               <a:t>});</a:t>
             </a:r>
           </a:p>
           <a:p>
-            <a:endParaRPr lang="en-US" sz="2800" dirty="0"/>
-          </a:p>
-          <a:p>
-            <a:r>
-              <a:rPr lang="en-US" sz="2800" dirty="0"/>
+            <a:endParaRPr lang="en-US" sz="2000" dirty="0"/>
+          </a:p>
+          <a:p>
+            <a:r>
+              <a:rPr lang="en-US" sz="2000" dirty="0"/>
               <a:t>client</a:t>
             </a:r>
           </a:p>
           <a:p>
             <a:r>
-              <a:rPr lang="en-US" sz="2800" dirty="0"/>
+              <a:rPr lang="en-US" sz="2000" dirty="0"/>
               <a:t>  .</a:t>
             </a:r>
             <a:r>
-              <a:rPr lang="en-US" sz="2800" dirty="0" err="1"/>
+              <a:rPr lang="en-US" sz="2000" dirty="0" err="1"/>
               <a:t>api</a:t>
             </a:r>
             <a:r>
-              <a:rPr lang="en-US" sz="2800" dirty="0"/>
+              <a:rPr lang="en-US" sz="2000" dirty="0"/>
               <a:t>('/me')</a:t>
             </a:r>
           </a:p>
           <a:p>
             <a:r>
-              <a:rPr lang="en-US" sz="2800" dirty="0"/>
+              <a:rPr lang="en-US" sz="2000" dirty="0"/>
               <a:t>  .get((err, res) =&gt; {</a:t>
             </a:r>
           </a:p>
           <a:p>
             <a:r>
-              <a:rPr lang="en-US" sz="2800" dirty="0"/>
+              <a:rPr lang="en-US" sz="2000" dirty="0"/>
               <a:t>    </a:t>
             </a:r>
             <a:r>
-              <a:rPr lang="en-US" sz="2800" dirty="0" err="1"/>
+              <a:rPr lang="en-US" sz="2000" dirty="0" err="1"/>
               <a:t>console.log</a:t>
             </a:r>
             <a:r>
-              <a:rPr lang="en-US" sz="2800" dirty="0"/>
+              <a:rPr lang="en-US" sz="2000" dirty="0"/>
               <a:t>(res);</a:t>
             </a:r>
           </a:p>
           <a:p>
             <a:r>
-              <a:rPr lang="en-US" sz="2800" dirty="0"/>
+              <a:rPr lang="en-US" sz="2000" dirty="0"/>
               <a:t>  });</a:t>
             </a:r>
           </a:p>
@@ -29695,7 +29547,12 @@
             <p:ph type="body" sz="quarter" idx="10"/>
           </p:nvPr>
         </p:nvSpPr>
-        <p:spPr/>
+        <p:spPr>
+          <a:xfrm>
+            <a:off x="464400" y="1212850"/>
+            <a:ext cx="11574000" cy="1966692"/>
+          </a:xfrm>
+        </p:spPr>
         <p:txBody>
           <a:bodyPr/>
           <a:lstStyle/>
@@ -29713,9 +29570,6 @@
               <a:rPr lang="en-US" dirty="0"/>
               <a:t>TypeScript type declarations introduce strong types and documentation to client-side projects</a:t>
             </a:r>
-          </a:p>
-          <a:p>
-            <a:endParaRPr lang="en-US" dirty="0"/>
           </a:p>
           <a:p>
             <a:pPr lvl="1"/>
@@ -29754,7 +29608,7 @@
           <a:lstStyle/>
           <a:p>
             <a:r>
-              <a:rPr lang="en-US" sz="4400" dirty="0"/>
+              <a:rPr lang="en-US" dirty="0"/>
               <a:t>Microsoft Graph TypeScript Type Declarations</a:t>
             </a:r>
           </a:p>
@@ -29815,7 +29669,7 @@
           <a:lstStyle/>
           <a:p>
             <a:r>
-              <a:rPr lang="en-US" sz="4400" dirty="0"/>
+              <a:rPr lang="en-US" dirty="0"/>
               <a:t>Microsoft Graph TypeScript Type Declarations</a:t>
             </a:r>
           </a:p>
@@ -29839,8 +29693,8 @@
         </p:nvSpPr>
         <p:spPr>
           <a:xfrm>
-            <a:off x="528849" y="1476622"/>
-            <a:ext cx="11378776" cy="4724370"/>
+            <a:off x="464400" y="1178952"/>
+            <a:ext cx="11575200" cy="4724370"/>
           </a:xfrm>
         </p:spPr>
         <p:txBody>

--- a/03 msgraphpclient.pptx
+++ b/03 msgraphpclient.pptx
@@ -11,8 +11,8 @@
     <p:handoutMasterId r:id="rId22"/>
   </p:handoutMasterIdLst>
   <p:sldIdLst>
-    <p:sldId id="257" r:id="rId3"/>
-    <p:sldId id="263" r:id="rId4"/>
+    <p:sldId id="1575" r:id="rId3"/>
+    <p:sldId id="1576" r:id="rId4"/>
     <p:sldId id="1690" r:id="rId5"/>
     <p:sldId id="1698" r:id="rId6"/>
     <p:sldId id="1662" r:id="rId7"/>
@@ -24,11 +24,11 @@
     <p:sldId id="1702" r:id="rId13"/>
     <p:sldId id="1703" r:id="rId14"/>
     <p:sldId id="1704" r:id="rId15"/>
-    <p:sldId id="265" r:id="rId16"/>
-    <p:sldId id="283" r:id="rId17"/>
-    <p:sldId id="279" r:id="rId18"/>
-    <p:sldId id="261" r:id="rId19"/>
-    <p:sldId id="260" r:id="rId20"/>
+    <p:sldId id="1709" r:id="rId16"/>
+    <p:sldId id="1710" r:id="rId17"/>
+    <p:sldId id="1711" r:id="rId18"/>
+    <p:sldId id="1712" r:id="rId19"/>
+    <p:sldId id="1713" r:id="rId20"/>
   </p:sldIdLst>
   <p:sldSz cx="12436475" cy="6994525"/>
   <p:notesSz cx="6858000" cy="9144000"/>
@@ -132,11 +132,11 @@
       <p14:sectionLst xmlns:p14="http://schemas.microsoft.com/office/powerpoint/2010/main">
         <p14:section name="intro" id="{E1FBED56-7E21-C94D-8049-451270E8C32A}">
           <p14:sldIdLst>
-            <p14:sldId id="257"/>
-            <p14:sldId id="263"/>
+            <p14:sldId id="1575"/>
+            <p14:sldId id="1576"/>
           </p14:sldIdLst>
         </p14:section>
-        <p14:section name="body" id="{3A7429EF-79F1-A44F-B2E7-33EA665B892A}">
+        <p14:section name="body" id="{3D9C80B2-EAAE-E24F-83D7-5970E147313E}">
           <p14:sldIdLst>
             <p14:sldId id="1690"/>
             <p14:sldId id="1698"/>
@@ -149,15 +149,15 @@
             <p14:sldId id="1702"/>
             <p14:sldId id="1703"/>
             <p14:sldId id="1704"/>
-            <p14:sldId id="265"/>
+            <p14:sldId id="1709"/>
           </p14:sldIdLst>
         </p14:section>
         <p14:section name="outro" id="{E93196B6-EFE2-3242-B776-C77C0FCFFEF1}">
           <p14:sldIdLst>
-            <p14:sldId id="283"/>
-            <p14:sldId id="279"/>
-            <p14:sldId id="261"/>
-            <p14:sldId id="260"/>
+            <p14:sldId id="1710"/>
+            <p14:sldId id="1711"/>
+            <p14:sldId id="1712"/>
+            <p14:sldId id="1713"/>
           </p14:sldIdLst>
         </p14:section>
       </p14:sectionLst>
@@ -238,9 +238,12 @@
             </a:lvl1pPr>
           </a:lstStyle>
           <a:p>
-            <a:endParaRPr lang="en-US" dirty="0">
-              <a:latin typeface="Segoe UI" pitchFamily="34" charset="0"/>
-            </a:endParaRPr>
+            <a:r>
+              <a:rPr lang="en-US" dirty="0">
+                <a:latin typeface="Segoe UI" pitchFamily="34" charset="0"/>
+              </a:rPr>
+              <a:t>SharePoint Framework</a:t>
+            </a:r>
           </a:p>
         </p:txBody>
       </p:sp>
@@ -275,7 +278,7 @@
               <a:rPr lang="en-US" smtClean="0">
                 <a:latin typeface="Segoe UI" pitchFamily="34" charset="0"/>
               </a:rPr>
-              <a:t>12/20/18 1:02 PM</a:t>
+              <a:t>12/20/2018 9:32 PM</a:t>
             </a:fld>
             <a:endParaRPr lang="en-US" dirty="0">
               <a:latin typeface="Segoe UI" pitchFamily="34" charset="0"/>
@@ -435,7 +438,10 @@
             </a:lvl1pPr>
           </a:lstStyle>
           <a:p>
-            <a:endParaRPr lang="en-US" dirty="0"/>
+            <a:r>
+              <a:rPr lang="en-US" dirty="0"/>
+              <a:t>SharePoint Framework</a:t>
+            </a:r>
           </a:p>
         </p:txBody>
       </p:sp>
@@ -569,7 +575,7 @@
           <a:p>
             <a:fld id="{D18B56EA-E28F-4F92-9F16-7A6F2501B303}" type="datetime8">
               <a:rPr lang="en-US" smtClean="0"/>
-              <a:t>12/20/18 1:02 PM</a:t>
+              <a:t>12/20/2018 9:32 PM</a:t>
             </a:fld>
             <a:endParaRPr lang="en-US" dirty="0"/>
           </a:p>
@@ -952,7 +958,7 @@
           <a:p>
             <a:fld id="{D18B56EA-E28F-4F92-9F16-7A6F2501B303}" type="datetime8">
               <a:rPr lang="en-US" smtClean="0"/>
-              <a:t>12/20/18 1:02 PM</a:t>
+              <a:t>12/20/2018 9:32 PM</a:t>
             </a:fld>
             <a:endParaRPr lang="en-US" dirty="0"/>
           </a:p>
@@ -1133,7 +1139,7 @@
           <a:p>
             <a:fld id="{D18B56EA-E28F-4F92-9F16-7A6F2501B303}" type="datetime8">
               <a:rPr lang="en-US" smtClean="0"/>
-              <a:t>12/20/18 1:02 PM</a:t>
+              <a:t>12/20/2018 9:32 PM</a:t>
             </a:fld>
             <a:endParaRPr lang="en-US" dirty="0"/>
           </a:p>
@@ -1314,7 +1320,7 @@
           <a:p>
             <a:fld id="{D18B56EA-E28F-4F92-9F16-7A6F2501B303}" type="datetime8">
               <a:rPr lang="en-US" smtClean="0"/>
-              <a:t>12/20/18 1:02 PM</a:t>
+              <a:t>12/20/2018 9:32 PM</a:t>
             </a:fld>
             <a:endParaRPr lang="en-US" dirty="0"/>
           </a:p>
@@ -1495,7 +1501,7 @@
           <a:p>
             <a:fld id="{D18B56EA-E28F-4F92-9F16-7A6F2501B303}" type="datetime8">
               <a:rPr lang="en-US" smtClean="0"/>
-              <a:t>12/20/18 1:02 PM</a:t>
+              <a:t>12/20/2018 9:32 PM</a:t>
             </a:fld>
             <a:endParaRPr lang="en-US" dirty="0"/>
           </a:p>
@@ -1768,7 +1774,7 @@
                 <a:tabLst/>
                 <a:defRPr/>
               </a:pPr>
-              <a:t>12/20/18</a:t>
+              <a:t>12/20/2018</a:t>
             </a:fld>
             <a:endParaRPr kumimoji="0" lang="en-US" sz="1800" b="0" i="0" u="none" strike="noStrike" kern="0" cap="none" spc="0" normalizeH="0" baseline="0" noProof="0" dirty="0">
               <a:ln>
@@ -2015,7 +2021,7 @@
           <a:p>
             <a:fld id="{D18B56EA-E28F-4F92-9F16-7A6F2501B303}" type="datetime8">
               <a:rPr lang="en-US" smtClean="0"/>
-              <a:t>12/20/18 1:02 PM</a:t>
+              <a:t>12/20/2018 9:32 PM</a:t>
             </a:fld>
             <a:endParaRPr lang="en-US" dirty="0"/>
           </a:p>
@@ -2196,7 +2202,7 @@
           <a:p>
             <a:fld id="{D18B56EA-E28F-4F92-9F16-7A6F2501B303}" type="datetime8">
               <a:rPr lang="en-US" smtClean="0"/>
-              <a:t>12/20/18 1:02 PM</a:t>
+              <a:t>12/20/2018 9:32 PM</a:t>
             </a:fld>
             <a:endParaRPr lang="en-US" dirty="0"/>
           </a:p>
@@ -2377,7 +2383,7 @@
           <a:p>
             <a:fld id="{D18B56EA-E28F-4F92-9F16-7A6F2501B303}" type="datetime8">
               <a:rPr lang="en-US" smtClean="0"/>
-              <a:t>12/20/18 1:02 PM</a:t>
+              <a:t>12/20/2018 9:32 PM</a:t>
             </a:fld>
             <a:endParaRPr lang="en-US" dirty="0"/>
           </a:p>
@@ -2558,7 +2564,7 @@
           <a:p>
             <a:fld id="{D18B56EA-E28F-4F92-9F16-7A6F2501B303}" type="datetime8">
               <a:rPr lang="en-US" smtClean="0"/>
-              <a:t>12/20/18 1:02 PM</a:t>
+              <a:t>12/20/2018 9:32 PM</a:t>
             </a:fld>
             <a:endParaRPr lang="en-US" dirty="0"/>
           </a:p>
@@ -2739,7 +2745,7 @@
           <a:p>
             <a:fld id="{D18B56EA-E28F-4F92-9F16-7A6F2501B303}" type="datetime8">
               <a:rPr lang="en-US" smtClean="0"/>
-              <a:t>12/20/18 1:02 PM</a:t>
+              <a:t>12/20/2018 9:32 PM</a:t>
             </a:fld>
             <a:endParaRPr lang="en-US" dirty="0"/>
           </a:p>
@@ -2920,7 +2926,7 @@
           <a:p>
             <a:fld id="{D18B56EA-E28F-4F92-9F16-7A6F2501B303}" type="datetime8">
               <a:rPr lang="en-US" smtClean="0"/>
-              <a:t>12/20/18 1:02 PM</a:t>
+              <a:t>12/20/2018 9:32 PM</a:t>
             </a:fld>
             <a:endParaRPr lang="en-US" dirty="0"/>
           </a:p>
@@ -7199,7 +7205,7 @@
           <a:lstStyle/>
           <a:p>
             <a:r>
-              <a:rPr lang="en-US"/>
+              <a:rPr lang="en-US" dirty="0"/>
               <a:t>Click icon to add table</a:t>
             </a:r>
           </a:p>
@@ -7620,8 +7626,314 @@
 </file>
 
 <file path=ppt/slideLayouts/slideLayout26.xml><?xml version="1.0" encoding="utf-8"?>
-<p:sldLayout xmlns:a="http://schemas.openxmlformats.org/drawingml/2006/main" xmlns:r="http://schemas.openxmlformats.org/officeDocument/2006/relationships" xmlns:p="http://schemas.openxmlformats.org/presentationml/2006/main" preserve="1" userDrawn="1">
-  <p:cSld name="1_Developer Code Layout">
+<p:sldLayout xmlns:a="http://schemas.openxmlformats.org/drawingml/2006/main" xmlns:r="http://schemas.openxmlformats.org/officeDocument/2006/relationships" xmlns:p="http://schemas.openxmlformats.org/presentationml/2006/main" userDrawn="1">
+  <p:cSld name="Title &amp; 2-color Non-bulleted text">
+    <p:spTree>
+      <p:nvGrpSpPr>
+        <p:cNvPr id="1" name=""/>
+        <p:cNvGrpSpPr/>
+        <p:nvPr/>
+      </p:nvGrpSpPr>
+      <p:grpSpPr>
+        <a:xfrm>
+          <a:off x="0" y="0"/>
+          <a:ext cx="0" cy="0"/>
+          <a:chOff x="0" y="0"/>
+          <a:chExt cx="0" cy="0"/>
+        </a:xfrm>
+      </p:grpSpPr>
+      <p:sp>
+        <p:nvSpPr>
+          <p:cNvPr id="2" name="Title 1"/>
+          <p:cNvSpPr>
+            <a:spLocks noGrp="1"/>
+          </p:cNvSpPr>
+          <p:nvPr>
+            <p:ph type="title"/>
+          </p:nvPr>
+        </p:nvSpPr>
+        <p:spPr>
+          <a:xfrm>
+            <a:off x="464400" y="633600"/>
+            <a:ext cx="11574000" cy="410369"/>
+          </a:xfrm>
+        </p:spPr>
+        <p:txBody>
+          <a:bodyPr vert="horz" wrap="square" lIns="0" tIns="0" rIns="0" bIns="0" rtlCol="0" anchor="t">
+            <a:spAutoFit/>
+          </a:bodyPr>
+          <a:lstStyle>
+            <a:lvl1pPr>
+              <a:defRPr lang="en-US" sz="2800" dirty="0">
+                <a:solidFill>
+                  <a:srgbClr val="2F2F2F"/>
+                </a:solidFill>
+              </a:defRPr>
+            </a:lvl1pPr>
+          </a:lstStyle>
+          <a:p>
+            <a:pPr lvl="0">
+              <a:lnSpc>
+                <a:spcPts val="3200"/>
+              </a:lnSpc>
+            </a:pPr>
+            <a:r>
+              <a:rPr lang="en-US" dirty="0"/>
+              <a:t>Click to edit Master title style</a:t>
+            </a:r>
+          </a:p>
+        </p:txBody>
+      </p:sp>
+      <p:sp>
+        <p:nvSpPr>
+          <p:cNvPr id="6" name="Text Placeholder 5"/>
+          <p:cNvSpPr>
+            <a:spLocks noGrp="1"/>
+          </p:cNvSpPr>
+          <p:nvPr>
+            <p:ph type="body" sz="quarter" idx="10"/>
+          </p:nvPr>
+        </p:nvSpPr>
+        <p:spPr>
+          <a:xfrm>
+            <a:off x="464400" y="1212850"/>
+            <a:ext cx="11574000" cy="1346522"/>
+          </a:xfrm>
+        </p:spPr>
+        <p:txBody>
+          <a:bodyPr/>
+          <a:lstStyle>
+            <a:lvl1pPr marL="0" indent="0">
+              <a:buNone/>
+              <a:defRPr sz="2400">
+                <a:solidFill>
+                  <a:schemeClr val="tx2"/>
+                </a:solidFill>
+              </a:defRPr>
+            </a:lvl1pPr>
+            <a:lvl2pPr marL="0" indent="0">
+              <a:buFontTx/>
+              <a:buNone/>
+              <a:defRPr sz="1400"/>
+            </a:lvl2pPr>
+            <a:lvl3pPr marL="228600" indent="0">
+              <a:buNone/>
+              <a:defRPr sz="1200"/>
+            </a:lvl3pPr>
+            <a:lvl4pPr marL="457200" indent="0">
+              <a:buNone/>
+              <a:defRPr sz="1100"/>
+            </a:lvl4pPr>
+            <a:lvl5pPr marL="685800" indent="0">
+              <a:buNone/>
+              <a:defRPr sz="1050"/>
+            </a:lvl5pPr>
+          </a:lstStyle>
+          <a:p>
+            <a:pPr lvl="0"/>
+            <a:r>
+              <a:rPr lang="en-US" dirty="0"/>
+              <a:t>Edit Master text styles</a:t>
+            </a:r>
+          </a:p>
+          <a:p>
+            <a:pPr lvl="1"/>
+            <a:r>
+              <a:rPr lang="en-US" dirty="0"/>
+              <a:t>Second level</a:t>
+            </a:r>
+          </a:p>
+          <a:p>
+            <a:pPr lvl="2"/>
+            <a:r>
+              <a:rPr lang="en-US" dirty="0"/>
+              <a:t>Third level</a:t>
+            </a:r>
+          </a:p>
+          <a:p>
+            <a:pPr lvl="3"/>
+            <a:r>
+              <a:rPr lang="en-US" dirty="0"/>
+              <a:t>Fourth level</a:t>
+            </a:r>
+          </a:p>
+          <a:p>
+            <a:pPr lvl="4"/>
+            <a:r>
+              <a:rPr lang="en-US" dirty="0"/>
+              <a:t>Fifth level</a:t>
+            </a:r>
+          </a:p>
+        </p:txBody>
+      </p:sp>
+    </p:spTree>
+    <p:extLst>
+      <p:ext uri="{BB962C8B-B14F-4D97-AF65-F5344CB8AC3E}">
+        <p14:creationId xmlns:p14="http://schemas.microsoft.com/office/powerpoint/2010/main" val="3845859015"/>
+      </p:ext>
+    </p:extLst>
+  </p:cSld>
+  <p:clrMapOvr>
+    <a:masterClrMapping/>
+  </p:clrMapOvr>
+  <p:transition>
+    <p:fade/>
+  </p:transition>
+</p:sldLayout>
+</file>
+
+<file path=ppt/slideLayouts/slideLayout27.xml><?xml version="1.0" encoding="utf-8"?>
+<p:sldLayout xmlns:a="http://schemas.openxmlformats.org/drawingml/2006/main" xmlns:r="http://schemas.openxmlformats.org/officeDocument/2006/relationships" xmlns:p="http://schemas.openxmlformats.org/presentationml/2006/main" userDrawn="1">
+  <p:cSld name="Title and Content">
+    <p:spTree>
+      <p:nvGrpSpPr>
+        <p:cNvPr id="1" name=""/>
+        <p:cNvGrpSpPr/>
+        <p:nvPr/>
+      </p:nvGrpSpPr>
+      <p:grpSpPr>
+        <a:xfrm>
+          <a:off x="0" y="0"/>
+          <a:ext cx="0" cy="0"/>
+          <a:chOff x="0" y="0"/>
+          <a:chExt cx="0" cy="0"/>
+        </a:xfrm>
+      </p:grpSpPr>
+      <p:sp>
+        <p:nvSpPr>
+          <p:cNvPr id="4" name="Text Placeholder 3"/>
+          <p:cNvSpPr>
+            <a:spLocks noGrp="1"/>
+          </p:cNvSpPr>
+          <p:nvPr>
+            <p:ph type="body" sz="quarter" idx="10"/>
+          </p:nvPr>
+        </p:nvSpPr>
+        <p:spPr>
+          <a:xfrm>
+            <a:off x="464400" y="1212850"/>
+            <a:ext cx="11574000" cy="1566583"/>
+          </a:xfrm>
+        </p:spPr>
+        <p:txBody>
+          <a:bodyPr>
+            <a:spAutoFit/>
+          </a:bodyPr>
+          <a:lstStyle>
+            <a:lvl1pPr>
+              <a:defRPr sz="2400"/>
+            </a:lvl1pPr>
+            <a:lvl2pPr>
+              <a:defRPr sz="1800"/>
+            </a:lvl2pPr>
+            <a:lvl3pPr>
+              <a:defRPr sz="1600"/>
+            </a:lvl3pPr>
+            <a:lvl4pPr>
+              <a:defRPr sz="1400"/>
+            </a:lvl4pPr>
+            <a:lvl5pPr>
+              <a:defRPr sz="1400"/>
+            </a:lvl5pPr>
+          </a:lstStyle>
+          <a:p>
+            <a:pPr lvl="0"/>
+            <a:r>
+              <a:rPr lang="en-US" dirty="0"/>
+              <a:t>Edit Master text styles</a:t>
+            </a:r>
+          </a:p>
+          <a:p>
+            <a:pPr lvl="1"/>
+            <a:r>
+              <a:rPr lang="en-US" dirty="0"/>
+              <a:t>Second level</a:t>
+            </a:r>
+          </a:p>
+          <a:p>
+            <a:pPr lvl="2"/>
+            <a:r>
+              <a:rPr lang="en-US" dirty="0"/>
+              <a:t>Third level</a:t>
+            </a:r>
+          </a:p>
+          <a:p>
+            <a:pPr lvl="3"/>
+            <a:r>
+              <a:rPr lang="en-US" dirty="0"/>
+              <a:t>Fourth level</a:t>
+            </a:r>
+          </a:p>
+          <a:p>
+            <a:pPr lvl="4"/>
+            <a:r>
+              <a:rPr lang="en-US" dirty="0"/>
+              <a:t>Fifth level</a:t>
+            </a:r>
+          </a:p>
+        </p:txBody>
+      </p:sp>
+      <p:sp>
+        <p:nvSpPr>
+          <p:cNvPr id="6" name="Title 5"/>
+          <p:cNvSpPr>
+            <a:spLocks noGrp="1"/>
+          </p:cNvSpPr>
+          <p:nvPr>
+            <p:ph type="title"/>
+          </p:nvPr>
+        </p:nvSpPr>
+        <p:spPr>
+          <a:xfrm>
+            <a:off x="464400" y="633600"/>
+            <a:ext cx="11574000" cy="410369"/>
+          </a:xfrm>
+        </p:spPr>
+        <p:txBody>
+          <a:bodyPr vert="horz" wrap="square" lIns="0" tIns="0" rIns="0" bIns="0" rtlCol="0" anchor="t">
+            <a:spAutoFit/>
+          </a:bodyPr>
+          <a:lstStyle>
+            <a:lvl1pPr>
+              <a:defRPr lang="en-US" sz="2800">
+                <a:solidFill>
+                  <a:srgbClr val="2F2F2F"/>
+                </a:solidFill>
+              </a:defRPr>
+            </a:lvl1pPr>
+          </a:lstStyle>
+          <a:p>
+            <a:pPr lvl="0">
+              <a:lnSpc>
+                <a:spcPts val="3200"/>
+              </a:lnSpc>
+            </a:pPr>
+            <a:r>
+              <a:rPr lang="en-US" dirty="0"/>
+              <a:t>Click to edit Master title style</a:t>
+            </a:r>
+          </a:p>
+        </p:txBody>
+      </p:sp>
+    </p:spTree>
+    <p:extLst>
+      <p:ext uri="{BB962C8B-B14F-4D97-AF65-F5344CB8AC3E}">
+        <p14:creationId xmlns:p14="http://schemas.microsoft.com/office/powerpoint/2010/main" val="2439250095"/>
+      </p:ext>
+    </p:extLst>
+  </p:cSld>
+  <p:clrMapOvr>
+    <a:masterClrMapping/>
+  </p:clrMapOvr>
+  <p:transition>
+    <p:fade/>
+  </p:transition>
+</p:sldLayout>
+</file>
+
+<file path=ppt/slideLayouts/slideLayout28.xml><?xml version="1.0" encoding="utf-8"?>
+<p:sldLayout xmlns:a="http://schemas.openxmlformats.org/drawingml/2006/main" xmlns:r="http://schemas.openxmlformats.org/officeDocument/2006/relationships" xmlns:p="http://schemas.openxmlformats.org/presentationml/2006/main" userDrawn="1">
+  <p:cSld name="Developer Code Layout">
     <p:spTree>
       <p:nvGrpSpPr>
         <p:cNvPr id="1" name=""/>
@@ -7916,313 +8228,7 @@
     </p:spTree>
     <p:extLst>
       <p:ext uri="{BB962C8B-B14F-4D97-AF65-F5344CB8AC3E}">
-        <p14:creationId xmlns:p14="http://schemas.microsoft.com/office/powerpoint/2010/main" val="3307893055"/>
-      </p:ext>
-    </p:extLst>
-  </p:cSld>
-  <p:clrMapOvr>
-    <a:masterClrMapping/>
-  </p:clrMapOvr>
-  <p:transition>
-    <p:fade/>
-  </p:transition>
-</p:sldLayout>
-</file>
-
-<file path=ppt/slideLayouts/slideLayout27.xml><?xml version="1.0" encoding="utf-8"?>
-<p:sldLayout xmlns:a="http://schemas.openxmlformats.org/drawingml/2006/main" xmlns:r="http://schemas.openxmlformats.org/officeDocument/2006/relationships" xmlns:p="http://schemas.openxmlformats.org/presentationml/2006/main" preserve="1" userDrawn="1">
-  <p:cSld name="1_Title &amp; 2-color Non-bulleted text">
-    <p:spTree>
-      <p:nvGrpSpPr>
-        <p:cNvPr id="1" name=""/>
-        <p:cNvGrpSpPr/>
-        <p:nvPr/>
-      </p:nvGrpSpPr>
-      <p:grpSpPr>
-        <a:xfrm>
-          <a:off x="0" y="0"/>
-          <a:ext cx="0" cy="0"/>
-          <a:chOff x="0" y="0"/>
-          <a:chExt cx="0" cy="0"/>
-        </a:xfrm>
-      </p:grpSpPr>
-      <p:sp>
-        <p:nvSpPr>
-          <p:cNvPr id="2" name="Title 1"/>
-          <p:cNvSpPr>
-            <a:spLocks noGrp="1"/>
-          </p:cNvSpPr>
-          <p:nvPr>
-            <p:ph type="title"/>
-          </p:nvPr>
-        </p:nvSpPr>
-        <p:spPr>
-          <a:xfrm>
-            <a:off x="464400" y="633600"/>
-            <a:ext cx="11574000" cy="410369"/>
-          </a:xfrm>
-        </p:spPr>
-        <p:txBody>
-          <a:bodyPr vert="horz" wrap="square" lIns="0" tIns="0" rIns="0" bIns="0" rtlCol="0" anchor="t">
-            <a:spAutoFit/>
-          </a:bodyPr>
-          <a:lstStyle>
-            <a:lvl1pPr>
-              <a:defRPr lang="en-US" sz="2800" dirty="0">
-                <a:solidFill>
-                  <a:srgbClr val="2F2F2F"/>
-                </a:solidFill>
-              </a:defRPr>
-            </a:lvl1pPr>
-          </a:lstStyle>
-          <a:p>
-            <a:pPr lvl="0">
-              <a:lnSpc>
-                <a:spcPts val="3200"/>
-              </a:lnSpc>
-            </a:pPr>
-            <a:r>
-              <a:rPr lang="en-US" dirty="0"/>
-              <a:t>Click to edit Master title style</a:t>
-            </a:r>
-          </a:p>
-        </p:txBody>
-      </p:sp>
-      <p:sp>
-        <p:nvSpPr>
-          <p:cNvPr id="6" name="Text Placeholder 5"/>
-          <p:cNvSpPr>
-            <a:spLocks noGrp="1"/>
-          </p:cNvSpPr>
-          <p:nvPr>
-            <p:ph type="body" sz="quarter" idx="10"/>
-          </p:nvPr>
-        </p:nvSpPr>
-        <p:spPr>
-          <a:xfrm>
-            <a:off x="464400" y="1212850"/>
-            <a:ext cx="11574000" cy="1346522"/>
-          </a:xfrm>
-        </p:spPr>
-        <p:txBody>
-          <a:bodyPr/>
-          <a:lstStyle>
-            <a:lvl1pPr marL="0" indent="0">
-              <a:buNone/>
-              <a:defRPr sz="2400">
-                <a:solidFill>
-                  <a:schemeClr val="tx2"/>
-                </a:solidFill>
-              </a:defRPr>
-            </a:lvl1pPr>
-            <a:lvl2pPr marL="0" indent="0">
-              <a:buFontTx/>
-              <a:buNone/>
-              <a:defRPr sz="1400"/>
-            </a:lvl2pPr>
-            <a:lvl3pPr marL="228600" indent="0">
-              <a:buNone/>
-              <a:defRPr sz="1200"/>
-            </a:lvl3pPr>
-            <a:lvl4pPr marL="457200" indent="0">
-              <a:buNone/>
-              <a:defRPr sz="1100"/>
-            </a:lvl4pPr>
-            <a:lvl5pPr marL="685800" indent="0">
-              <a:buNone/>
-              <a:defRPr sz="1050"/>
-            </a:lvl5pPr>
-          </a:lstStyle>
-          <a:p>
-            <a:pPr lvl="0"/>
-            <a:r>
-              <a:rPr lang="en-US" dirty="0"/>
-              <a:t>Edit Master text styles</a:t>
-            </a:r>
-          </a:p>
-          <a:p>
-            <a:pPr lvl="1"/>
-            <a:r>
-              <a:rPr lang="en-US" dirty="0"/>
-              <a:t>Second level</a:t>
-            </a:r>
-          </a:p>
-          <a:p>
-            <a:pPr lvl="2"/>
-            <a:r>
-              <a:rPr lang="en-US" dirty="0"/>
-              <a:t>Third level</a:t>
-            </a:r>
-          </a:p>
-          <a:p>
-            <a:pPr lvl="3"/>
-            <a:r>
-              <a:rPr lang="en-US" dirty="0"/>
-              <a:t>Fourth level</a:t>
-            </a:r>
-          </a:p>
-          <a:p>
-            <a:pPr lvl="4"/>
-            <a:r>
-              <a:rPr lang="en-US" dirty="0"/>
-              <a:t>Fifth level</a:t>
-            </a:r>
-          </a:p>
-        </p:txBody>
-      </p:sp>
-    </p:spTree>
-    <p:extLst>
-      <p:ext uri="{BB962C8B-B14F-4D97-AF65-F5344CB8AC3E}">
-        <p14:creationId xmlns:p14="http://schemas.microsoft.com/office/powerpoint/2010/main" val="4172781708"/>
-      </p:ext>
-    </p:extLst>
-  </p:cSld>
-  <p:clrMapOvr>
-    <a:masterClrMapping/>
-  </p:clrMapOvr>
-  <p:transition>
-    <p:fade/>
-  </p:transition>
-</p:sldLayout>
-</file>
-
-<file path=ppt/slideLayouts/slideLayout28.xml><?xml version="1.0" encoding="utf-8"?>
-<p:sldLayout xmlns:a="http://schemas.openxmlformats.org/drawingml/2006/main" xmlns:r="http://schemas.openxmlformats.org/officeDocument/2006/relationships" xmlns:p="http://schemas.openxmlformats.org/presentationml/2006/main" preserve="1" userDrawn="1">
-  <p:cSld name="1_Title and Content">
-    <p:spTree>
-      <p:nvGrpSpPr>
-        <p:cNvPr id="1" name=""/>
-        <p:cNvGrpSpPr/>
-        <p:nvPr/>
-      </p:nvGrpSpPr>
-      <p:grpSpPr>
-        <a:xfrm>
-          <a:off x="0" y="0"/>
-          <a:ext cx="0" cy="0"/>
-          <a:chOff x="0" y="0"/>
-          <a:chExt cx="0" cy="0"/>
-        </a:xfrm>
-      </p:grpSpPr>
-      <p:sp>
-        <p:nvSpPr>
-          <p:cNvPr id="4" name="Text Placeholder 3"/>
-          <p:cNvSpPr>
-            <a:spLocks noGrp="1"/>
-          </p:cNvSpPr>
-          <p:nvPr>
-            <p:ph type="body" sz="quarter" idx="10"/>
-          </p:nvPr>
-        </p:nvSpPr>
-        <p:spPr>
-          <a:xfrm>
-            <a:off x="464400" y="1212850"/>
-            <a:ext cx="11574000" cy="1566583"/>
-          </a:xfrm>
-        </p:spPr>
-        <p:txBody>
-          <a:bodyPr>
-            <a:spAutoFit/>
-          </a:bodyPr>
-          <a:lstStyle>
-            <a:lvl1pPr>
-              <a:defRPr sz="2400"/>
-            </a:lvl1pPr>
-            <a:lvl2pPr>
-              <a:defRPr sz="1800"/>
-            </a:lvl2pPr>
-            <a:lvl3pPr>
-              <a:defRPr sz="1600"/>
-            </a:lvl3pPr>
-            <a:lvl4pPr>
-              <a:defRPr sz="1400"/>
-            </a:lvl4pPr>
-            <a:lvl5pPr>
-              <a:defRPr sz="1400"/>
-            </a:lvl5pPr>
-          </a:lstStyle>
-          <a:p>
-            <a:pPr lvl="0"/>
-            <a:r>
-              <a:rPr lang="en-US" dirty="0"/>
-              <a:t>Edit Master text styles</a:t>
-            </a:r>
-          </a:p>
-          <a:p>
-            <a:pPr lvl="1"/>
-            <a:r>
-              <a:rPr lang="en-US" dirty="0"/>
-              <a:t>Second level</a:t>
-            </a:r>
-          </a:p>
-          <a:p>
-            <a:pPr lvl="2"/>
-            <a:r>
-              <a:rPr lang="en-US" dirty="0"/>
-              <a:t>Third level</a:t>
-            </a:r>
-          </a:p>
-          <a:p>
-            <a:pPr lvl="3"/>
-            <a:r>
-              <a:rPr lang="en-US" dirty="0"/>
-              <a:t>Fourth level</a:t>
-            </a:r>
-          </a:p>
-          <a:p>
-            <a:pPr lvl="4"/>
-            <a:r>
-              <a:rPr lang="en-US" dirty="0"/>
-              <a:t>Fifth level</a:t>
-            </a:r>
-          </a:p>
-        </p:txBody>
-      </p:sp>
-      <p:sp>
-        <p:nvSpPr>
-          <p:cNvPr id="6" name="Title 5"/>
-          <p:cNvSpPr>
-            <a:spLocks noGrp="1"/>
-          </p:cNvSpPr>
-          <p:nvPr>
-            <p:ph type="title"/>
-          </p:nvPr>
-        </p:nvSpPr>
-        <p:spPr>
-          <a:xfrm>
-            <a:off x="464400" y="633600"/>
-            <a:ext cx="11574000" cy="410369"/>
-          </a:xfrm>
-        </p:spPr>
-        <p:txBody>
-          <a:bodyPr vert="horz" wrap="square" lIns="0" tIns="0" rIns="0" bIns="0" rtlCol="0" anchor="t">
-            <a:spAutoFit/>
-          </a:bodyPr>
-          <a:lstStyle>
-            <a:lvl1pPr>
-              <a:defRPr lang="en-US" sz="2800">
-                <a:solidFill>
-                  <a:srgbClr val="2F2F2F"/>
-                </a:solidFill>
-              </a:defRPr>
-            </a:lvl1pPr>
-          </a:lstStyle>
-          <a:p>
-            <a:pPr lvl="0">
-              <a:lnSpc>
-                <a:spcPts val="3200"/>
-              </a:lnSpc>
-            </a:pPr>
-            <a:r>
-              <a:rPr lang="en-US" dirty="0"/>
-              <a:t>Click to edit Master title style</a:t>
-            </a:r>
-          </a:p>
-        </p:txBody>
-      </p:sp>
-    </p:spTree>
-    <p:extLst>
-      <p:ext uri="{BB962C8B-B14F-4D97-AF65-F5344CB8AC3E}">
-        <p14:creationId xmlns:p14="http://schemas.microsoft.com/office/powerpoint/2010/main" val="580990431"/>
+        <p14:creationId xmlns:p14="http://schemas.microsoft.com/office/powerpoint/2010/main" val="1015634842"/>
       </p:ext>
     </p:extLst>
   </p:cSld>
@@ -15131,9 +15137,9 @@
     <p:sldLayoutId id="2147484545" r:id="rId23"/>
     <p:sldLayoutId id="2147484546" r:id="rId24"/>
     <p:sldLayoutId id="2147484299" r:id="rId25"/>
-    <p:sldLayoutId id="2147484559" r:id="rId26"/>
-    <p:sldLayoutId id="2147484560" r:id="rId27"/>
-    <p:sldLayoutId id="2147484561" r:id="rId28"/>
+    <p:sldLayoutId id="2147484556" r:id="rId26"/>
+    <p:sldLayoutId id="2147484559" r:id="rId27"/>
+    <p:sldLayoutId id="2147484560" r:id="rId28"/>
   </p:sldLayoutIdLst>
   <p:transition>
     <p:fade/>
@@ -15682,7 +15688,7 @@
     </p:spTree>
     <p:extLst>
       <p:ext uri="{BB962C8B-B14F-4D97-AF65-F5344CB8AC3E}">
-        <p14:creationId xmlns:p14="http://schemas.microsoft.com/office/powerpoint/2010/main" val="699719167"/>
+        <p14:creationId xmlns:p14="http://schemas.microsoft.com/office/powerpoint/2010/main" val="858296597"/>
       </p:ext>
     </p:extLst>
   </p:cSld>
@@ -16496,31 +16502,6 @@
           <a:chExt cx="0" cy="0"/>
         </a:xfrm>
       </p:grpSpPr>
-      <p:sp>
-        <p:nvSpPr>
-          <p:cNvPr id="8" name="Text Placeholder 7">
-            <a:extLst>
-              <a:ext uri="{FF2B5EF4-FFF2-40B4-BE49-F238E27FC236}">
-                <a16:creationId xmlns:a16="http://schemas.microsoft.com/office/drawing/2014/main" id="{DB710E23-8B87-BF4C-B9C3-BAFC6033802F}"/>
-              </a:ext>
-            </a:extLst>
-          </p:cNvPr>
-          <p:cNvSpPr>
-            <a:spLocks noGrp="1"/>
-          </p:cNvSpPr>
-          <p:nvPr>
-            <p:ph type="body" sz="quarter" idx="10"/>
-          </p:nvPr>
-        </p:nvSpPr>
-        <p:spPr/>
-        <p:txBody>
-          <a:bodyPr/>
-          <a:lstStyle/>
-          <a:p>
-            <a:endParaRPr lang="en-US"/>
-          </a:p>
-        </p:txBody>
-      </p:sp>
       <p:sp>
         <p:nvSpPr>
           <p:cNvPr id="2" name="Title 1">
@@ -17209,7 +17190,7 @@
     </p:spTree>
     <p:extLst>
       <p:ext uri="{BB962C8B-B14F-4D97-AF65-F5344CB8AC3E}">
-        <p14:creationId xmlns:p14="http://schemas.microsoft.com/office/powerpoint/2010/main" val="2509242320"/>
+        <p14:creationId xmlns:p14="http://schemas.microsoft.com/office/powerpoint/2010/main" val="3278615518"/>
       </p:ext>
     </p:extLst>
   </p:cSld>
@@ -17548,7 +17529,7 @@
     </p:spTree>
     <p:extLst>
       <p:ext uri="{BB962C8B-B14F-4D97-AF65-F5344CB8AC3E}">
-        <p14:creationId xmlns:p14="http://schemas.microsoft.com/office/powerpoint/2010/main" val="3724015835"/>
+        <p14:creationId xmlns:p14="http://schemas.microsoft.com/office/powerpoint/2010/main" val="3613837772"/>
       </p:ext>
     </p:extLst>
   </p:cSld>
@@ -17590,7 +17571,7 @@
     </p:spTree>
     <p:extLst>
       <p:ext uri="{BB962C8B-B14F-4D97-AF65-F5344CB8AC3E}">
-        <p14:creationId xmlns:p14="http://schemas.microsoft.com/office/powerpoint/2010/main" val="3660847957"/>
+        <p14:creationId xmlns:p14="http://schemas.microsoft.com/office/powerpoint/2010/main" val="239522315"/>
       </p:ext>
     </p:extLst>
   </p:cSld>
@@ -17870,7 +17851,7 @@
     </p:spTree>
     <p:extLst>
       <p:ext uri="{BB962C8B-B14F-4D97-AF65-F5344CB8AC3E}">
-        <p14:creationId xmlns:p14="http://schemas.microsoft.com/office/powerpoint/2010/main" val="60090990"/>
+        <p14:creationId xmlns:p14="http://schemas.microsoft.com/office/powerpoint/2010/main" val="3780144728"/>
       </p:ext>
     </p:extLst>
   </p:cSld>
@@ -29229,12 +29210,7 @@
             <p:ph type="body" sz="quarter" idx="10"/>
           </p:nvPr>
         </p:nvSpPr>
-        <p:spPr>
-          <a:xfrm>
-            <a:off x="464400" y="1212850"/>
-            <a:ext cx="11574000" cy="1938992"/>
-          </a:xfrm>
-        </p:spPr>
+        <p:spPr/>
         <p:txBody>
           <a:bodyPr/>
           <a:lstStyle/>

--- a/03 msgraphpclient.pptx
+++ b/03 msgraphpclient.pptx
@@ -278,7 +278,7 @@
               <a:rPr lang="en-US" smtClean="0">
                 <a:latin typeface="Segoe UI" pitchFamily="34" charset="0"/>
               </a:rPr>
-              <a:t>12/20/2018 9:32 PM</a:t>
+              <a:t>1/7/19 3:41 PM</a:t>
             </a:fld>
             <a:endParaRPr lang="en-US" dirty="0">
               <a:latin typeface="Segoe UI" pitchFamily="34" charset="0"/>
@@ -575,7 +575,7 @@
           <a:p>
             <a:fld id="{D18B56EA-E28F-4F92-9F16-7A6F2501B303}" type="datetime8">
               <a:rPr lang="en-US" smtClean="0"/>
-              <a:t>12/20/2018 9:32 PM</a:t>
+              <a:t>1/7/19 3:41 PM</a:t>
             </a:fld>
             <a:endParaRPr lang="en-US" dirty="0"/>
           </a:p>
@@ -958,7 +958,7 @@
           <a:p>
             <a:fld id="{D18B56EA-E28F-4F92-9F16-7A6F2501B303}" type="datetime8">
               <a:rPr lang="en-US" smtClean="0"/>
-              <a:t>12/20/2018 9:32 PM</a:t>
+              <a:t>1/7/19 3:41 PM</a:t>
             </a:fld>
             <a:endParaRPr lang="en-US" dirty="0"/>
           </a:p>
@@ -1139,7 +1139,7 @@
           <a:p>
             <a:fld id="{D18B56EA-E28F-4F92-9F16-7A6F2501B303}" type="datetime8">
               <a:rPr lang="en-US" smtClean="0"/>
-              <a:t>12/20/2018 9:32 PM</a:t>
+              <a:t>1/7/19 3:41 PM</a:t>
             </a:fld>
             <a:endParaRPr lang="en-US" dirty="0"/>
           </a:p>
@@ -1320,7 +1320,7 @@
           <a:p>
             <a:fld id="{D18B56EA-E28F-4F92-9F16-7A6F2501B303}" type="datetime8">
               <a:rPr lang="en-US" smtClean="0"/>
-              <a:t>12/20/2018 9:32 PM</a:t>
+              <a:t>1/7/19 3:41 PM</a:t>
             </a:fld>
             <a:endParaRPr lang="en-US" dirty="0"/>
           </a:p>
@@ -1501,7 +1501,7 @@
           <a:p>
             <a:fld id="{D18B56EA-E28F-4F92-9F16-7A6F2501B303}" type="datetime8">
               <a:rPr lang="en-US" smtClean="0"/>
-              <a:t>12/20/2018 9:32 PM</a:t>
+              <a:t>1/7/19 3:41 PM</a:t>
             </a:fld>
             <a:endParaRPr lang="en-US" dirty="0"/>
           </a:p>
@@ -1774,7 +1774,7 @@
                 <a:tabLst/>
                 <a:defRPr/>
               </a:pPr>
-              <a:t>12/20/2018</a:t>
+              <a:t>1/7/19</a:t>
             </a:fld>
             <a:endParaRPr kumimoji="0" lang="en-US" sz="1800" b="0" i="0" u="none" strike="noStrike" kern="0" cap="none" spc="0" normalizeH="0" baseline="0" noProof="0" dirty="0">
               <a:ln>
@@ -2021,7 +2021,7 @@
           <a:p>
             <a:fld id="{D18B56EA-E28F-4F92-9F16-7A6F2501B303}" type="datetime8">
               <a:rPr lang="en-US" smtClean="0"/>
-              <a:t>12/20/2018 9:32 PM</a:t>
+              <a:t>1/7/19 3:41 PM</a:t>
             </a:fld>
             <a:endParaRPr lang="en-US" dirty="0"/>
           </a:p>
@@ -2202,7 +2202,7 @@
           <a:p>
             <a:fld id="{D18B56EA-E28F-4F92-9F16-7A6F2501B303}" type="datetime8">
               <a:rPr lang="en-US" smtClean="0"/>
-              <a:t>12/20/2018 9:32 PM</a:t>
+              <a:t>1/7/19 3:41 PM</a:t>
             </a:fld>
             <a:endParaRPr lang="en-US" dirty="0"/>
           </a:p>
@@ -2383,7 +2383,7 @@
           <a:p>
             <a:fld id="{D18B56EA-E28F-4F92-9F16-7A6F2501B303}" type="datetime8">
               <a:rPr lang="en-US" smtClean="0"/>
-              <a:t>12/20/2018 9:32 PM</a:t>
+              <a:t>1/7/19 3:41 PM</a:t>
             </a:fld>
             <a:endParaRPr lang="en-US" dirty="0"/>
           </a:p>
@@ -2564,7 +2564,7 @@
           <a:p>
             <a:fld id="{D18B56EA-E28F-4F92-9F16-7A6F2501B303}" type="datetime8">
               <a:rPr lang="en-US" smtClean="0"/>
-              <a:t>12/20/2018 9:32 PM</a:t>
+              <a:t>1/7/19 3:41 PM</a:t>
             </a:fld>
             <a:endParaRPr lang="en-US" dirty="0"/>
           </a:p>
@@ -2745,7 +2745,7 @@
           <a:p>
             <a:fld id="{D18B56EA-E28F-4F92-9F16-7A6F2501B303}" type="datetime8">
               <a:rPr lang="en-US" smtClean="0"/>
-              <a:t>12/20/2018 9:32 PM</a:t>
+              <a:t>1/7/19 3:41 PM</a:t>
             </a:fld>
             <a:endParaRPr lang="en-US" dirty="0"/>
           </a:p>
@@ -2926,7 +2926,7 @@
           <a:p>
             <a:fld id="{D18B56EA-E28F-4F92-9F16-7A6F2501B303}" type="datetime8">
               <a:rPr lang="en-US" smtClean="0"/>
-              <a:t>12/20/2018 9:32 PM</a:t>
+              <a:t>1/7/19 3:41 PM</a:t>
             </a:fld>
             <a:endParaRPr lang="en-US" dirty="0"/>
           </a:p>
@@ -28877,10 +28877,9 @@
           <a:lstStyle/>
           <a:p>
             <a:r>
-              <a:rPr lang="en-US"/>
+              <a:rPr lang="en-US" dirty="0"/>
               <a:t>Microsoft Graph, gateway to Office 365</a:t>
             </a:r>
-            <a:endParaRPr lang="en-US" dirty="0"/>
           </a:p>
         </p:txBody>
       </p:sp>
@@ -28897,283 +28896,6 @@
   <p:transition>
     <p:fade/>
   </p:transition>
-  <p:timing>
-    <p:tnLst>
-      <p:par>
-        <p:cTn id="1" dur="indefinite" restart="never" nodeType="tmRoot">
-          <p:childTnLst>
-            <p:seq concurrent="1" nextAc="seek">
-              <p:cTn id="2" dur="indefinite" nodeType="mainSeq">
-                <p:childTnLst>
-                  <p:par>
-                    <p:cTn id="3" fill="hold">
-                      <p:stCondLst>
-                        <p:cond delay="indefinite"/>
-                      </p:stCondLst>
-                      <p:childTnLst>
-                        <p:par>
-                          <p:cTn id="4" fill="hold">
-                            <p:stCondLst>
-                              <p:cond delay="0"/>
-                            </p:stCondLst>
-                            <p:childTnLst>
-                              <p:par>
-                                <p:cTn id="5" presetID="10" presetClass="entr" presetSubtype="0" fill="hold" grpId="0" nodeType="clickEffect">
-                                  <p:stCondLst>
-                                    <p:cond delay="0"/>
-                                  </p:stCondLst>
-                                  <p:childTnLst>
-                                    <p:set>
-                                      <p:cBhvr>
-                                        <p:cTn id="6" dur="1" fill="hold">
-                                          <p:stCondLst>
-                                            <p:cond delay="0"/>
-                                          </p:stCondLst>
-                                        </p:cTn>
-                                        <p:tgtEl>
-                                          <p:spTgt spid="3">
-                                            <p:txEl>
-                                              <p:pRg st="0" end="0"/>
-                                            </p:txEl>
-                                          </p:spTgt>
-                                        </p:tgtEl>
-                                        <p:attrNameLst>
-                                          <p:attrName>style.visibility</p:attrName>
-                                        </p:attrNameLst>
-                                      </p:cBhvr>
-                                      <p:to>
-                                        <p:strVal val="visible"/>
-                                      </p:to>
-                                    </p:set>
-                                    <p:animEffect transition="in" filter="fade">
-                                      <p:cBhvr>
-                                        <p:cTn id="7" dur="500"/>
-                                        <p:tgtEl>
-                                          <p:spTgt spid="3">
-                                            <p:txEl>
-                                              <p:pRg st="0" end="0"/>
-                                            </p:txEl>
-                                          </p:spTgt>
-                                        </p:tgtEl>
-                                      </p:cBhvr>
-                                    </p:animEffect>
-                                  </p:childTnLst>
-                                </p:cTn>
-                              </p:par>
-                            </p:childTnLst>
-                          </p:cTn>
-                        </p:par>
-                      </p:childTnLst>
-                    </p:cTn>
-                  </p:par>
-                  <p:par>
-                    <p:cTn id="8" fill="hold">
-                      <p:stCondLst>
-                        <p:cond delay="indefinite"/>
-                      </p:stCondLst>
-                      <p:childTnLst>
-                        <p:par>
-                          <p:cTn id="9" fill="hold">
-                            <p:stCondLst>
-                              <p:cond delay="0"/>
-                            </p:stCondLst>
-                            <p:childTnLst>
-                              <p:par>
-                                <p:cTn id="10" presetID="10" presetClass="entr" presetSubtype="0" fill="hold" grpId="0" nodeType="clickEffect">
-                                  <p:stCondLst>
-                                    <p:cond delay="0"/>
-                                  </p:stCondLst>
-                                  <p:childTnLst>
-                                    <p:set>
-                                      <p:cBhvr>
-                                        <p:cTn id="11" dur="1" fill="hold">
-                                          <p:stCondLst>
-                                            <p:cond delay="0"/>
-                                          </p:stCondLst>
-                                        </p:cTn>
-                                        <p:tgtEl>
-                                          <p:spTgt spid="3">
-                                            <p:txEl>
-                                              <p:pRg st="2" end="2"/>
-                                            </p:txEl>
-                                          </p:spTgt>
-                                        </p:tgtEl>
-                                        <p:attrNameLst>
-                                          <p:attrName>style.visibility</p:attrName>
-                                        </p:attrNameLst>
-                                      </p:cBhvr>
-                                      <p:to>
-                                        <p:strVal val="visible"/>
-                                      </p:to>
-                                    </p:set>
-                                    <p:animEffect transition="in" filter="fade">
-                                      <p:cBhvr>
-                                        <p:cTn id="12" dur="500"/>
-                                        <p:tgtEl>
-                                          <p:spTgt spid="3">
-                                            <p:txEl>
-                                              <p:pRg st="2" end="2"/>
-                                            </p:txEl>
-                                          </p:spTgt>
-                                        </p:tgtEl>
-                                      </p:cBhvr>
-                                    </p:animEffect>
-                                  </p:childTnLst>
-                                </p:cTn>
-                              </p:par>
-                            </p:childTnLst>
-                          </p:cTn>
-                        </p:par>
-                      </p:childTnLst>
-                    </p:cTn>
-                  </p:par>
-                  <p:par>
-                    <p:cTn id="13" fill="hold">
-                      <p:stCondLst>
-                        <p:cond delay="indefinite"/>
-                      </p:stCondLst>
-                      <p:childTnLst>
-                        <p:par>
-                          <p:cTn id="14" fill="hold">
-                            <p:stCondLst>
-                              <p:cond delay="0"/>
-                            </p:stCondLst>
-                            <p:childTnLst>
-                              <p:par>
-                                <p:cTn id="15" presetID="10" presetClass="entr" presetSubtype="0" fill="hold" grpId="0" nodeType="clickEffect">
-                                  <p:stCondLst>
-                                    <p:cond delay="0"/>
-                                  </p:stCondLst>
-                                  <p:childTnLst>
-                                    <p:set>
-                                      <p:cBhvr>
-                                        <p:cTn id="16" dur="1" fill="hold">
-                                          <p:stCondLst>
-                                            <p:cond delay="0"/>
-                                          </p:stCondLst>
-                                        </p:cTn>
-                                        <p:tgtEl>
-                                          <p:spTgt spid="3">
-                                            <p:txEl>
-                                              <p:pRg st="4" end="4"/>
-                                            </p:txEl>
-                                          </p:spTgt>
-                                        </p:tgtEl>
-                                        <p:attrNameLst>
-                                          <p:attrName>style.visibility</p:attrName>
-                                        </p:attrNameLst>
-                                      </p:cBhvr>
-                                      <p:to>
-                                        <p:strVal val="visible"/>
-                                      </p:to>
-                                    </p:set>
-                                    <p:animEffect transition="in" filter="fade">
-                                      <p:cBhvr>
-                                        <p:cTn id="17" dur="500"/>
-                                        <p:tgtEl>
-                                          <p:spTgt spid="3">
-                                            <p:txEl>
-                                              <p:pRg st="4" end="4"/>
-                                            </p:txEl>
-                                          </p:spTgt>
-                                        </p:tgtEl>
-                                      </p:cBhvr>
-                                    </p:animEffect>
-                                  </p:childTnLst>
-                                </p:cTn>
-                              </p:par>
-                            </p:childTnLst>
-                          </p:cTn>
-                        </p:par>
-                      </p:childTnLst>
-                    </p:cTn>
-                  </p:par>
-                  <p:par>
-                    <p:cTn id="18" fill="hold">
-                      <p:stCondLst>
-                        <p:cond delay="indefinite"/>
-                      </p:stCondLst>
-                      <p:childTnLst>
-                        <p:par>
-                          <p:cTn id="19" fill="hold">
-                            <p:stCondLst>
-                              <p:cond delay="0"/>
-                            </p:stCondLst>
-                            <p:childTnLst>
-                              <p:par>
-                                <p:cTn id="20" presetID="10" presetClass="entr" presetSubtype="0" fill="hold" grpId="0" nodeType="clickEffect">
-                                  <p:stCondLst>
-                                    <p:cond delay="0"/>
-                                  </p:stCondLst>
-                                  <p:childTnLst>
-                                    <p:set>
-                                      <p:cBhvr>
-                                        <p:cTn id="21" dur="1" fill="hold">
-                                          <p:stCondLst>
-                                            <p:cond delay="0"/>
-                                          </p:stCondLst>
-                                        </p:cTn>
-                                        <p:tgtEl>
-                                          <p:spTgt spid="3">
-                                            <p:txEl>
-                                              <p:pRg st="6" end="6"/>
-                                            </p:txEl>
-                                          </p:spTgt>
-                                        </p:tgtEl>
-                                        <p:attrNameLst>
-                                          <p:attrName>style.visibility</p:attrName>
-                                        </p:attrNameLst>
-                                      </p:cBhvr>
-                                      <p:to>
-                                        <p:strVal val="visible"/>
-                                      </p:to>
-                                    </p:set>
-                                    <p:animEffect transition="in" filter="fade">
-                                      <p:cBhvr>
-                                        <p:cTn id="22" dur="500"/>
-                                        <p:tgtEl>
-                                          <p:spTgt spid="3">
-                                            <p:txEl>
-                                              <p:pRg st="6" end="6"/>
-                                            </p:txEl>
-                                          </p:spTgt>
-                                        </p:tgtEl>
-                                      </p:cBhvr>
-                                    </p:animEffect>
-                                  </p:childTnLst>
-                                </p:cTn>
-                              </p:par>
-                            </p:childTnLst>
-                          </p:cTn>
-                        </p:par>
-                      </p:childTnLst>
-                    </p:cTn>
-                  </p:par>
-                </p:childTnLst>
-              </p:cTn>
-              <p:prevCondLst>
-                <p:cond evt="onPrev" delay="0">
-                  <p:tgtEl>
-                    <p:sldTgt/>
-                  </p:tgtEl>
-                </p:cond>
-              </p:prevCondLst>
-              <p:nextCondLst>
-                <p:cond evt="onNext" delay="0">
-                  <p:tgtEl>
-                    <p:sldTgt/>
-                  </p:tgtEl>
-                </p:cond>
-              </p:nextCondLst>
-            </p:seq>
-          </p:childTnLst>
-        </p:cTn>
-      </p:par>
-    </p:tnLst>
-    <p:bldLst>
-      <p:bldP spid="3" grpId="0" build="p"/>
-    </p:bldLst>
-  </p:timing>
 </p:sld>
 </file>
 

--- a/03 msgraphpclient.pptx
+++ b/03 msgraphpclient.pptx
@@ -278,7 +278,7 @@
               <a:rPr lang="en-US" smtClean="0">
                 <a:latin typeface="Segoe UI" pitchFamily="34" charset="0"/>
               </a:rPr>
-              <a:t>1/7/19 3:41 PM</a:t>
+              <a:t>3/9/2019 6:35 AM</a:t>
             </a:fld>
             <a:endParaRPr lang="en-US" dirty="0">
               <a:latin typeface="Segoe UI" pitchFamily="34" charset="0"/>
@@ -575,7 +575,7 @@
           <a:p>
             <a:fld id="{D18B56EA-E28F-4F92-9F16-7A6F2501B303}" type="datetime8">
               <a:rPr lang="en-US" smtClean="0"/>
-              <a:t>1/7/19 3:41 PM</a:t>
+              <a:t>3/9/2019 6:35 AM</a:t>
             </a:fld>
             <a:endParaRPr lang="en-US" dirty="0"/>
           </a:p>
@@ -958,7 +958,7 @@
           <a:p>
             <a:fld id="{D18B56EA-E28F-4F92-9F16-7A6F2501B303}" type="datetime8">
               <a:rPr lang="en-US" smtClean="0"/>
-              <a:t>1/7/19 3:41 PM</a:t>
+              <a:t>3/9/2019 6:35 AM</a:t>
             </a:fld>
             <a:endParaRPr lang="en-US" dirty="0"/>
           </a:p>
@@ -1139,7 +1139,7 @@
           <a:p>
             <a:fld id="{D18B56EA-E28F-4F92-9F16-7A6F2501B303}" type="datetime8">
               <a:rPr lang="en-US" smtClean="0"/>
-              <a:t>1/7/19 3:41 PM</a:t>
+              <a:t>3/9/2019 6:35 AM</a:t>
             </a:fld>
             <a:endParaRPr lang="en-US" dirty="0"/>
           </a:p>
@@ -1320,7 +1320,7 @@
           <a:p>
             <a:fld id="{D18B56EA-E28F-4F92-9F16-7A6F2501B303}" type="datetime8">
               <a:rPr lang="en-US" smtClean="0"/>
-              <a:t>1/7/19 3:41 PM</a:t>
+              <a:t>3/9/2019 6:35 AM</a:t>
             </a:fld>
             <a:endParaRPr lang="en-US" dirty="0"/>
           </a:p>
@@ -1501,7 +1501,7 @@
           <a:p>
             <a:fld id="{D18B56EA-E28F-4F92-9F16-7A6F2501B303}" type="datetime8">
               <a:rPr lang="en-US" smtClean="0"/>
-              <a:t>1/7/19 3:41 PM</a:t>
+              <a:t>3/9/2019 6:35 AM</a:t>
             </a:fld>
             <a:endParaRPr lang="en-US" dirty="0"/>
           </a:p>
@@ -1774,7 +1774,7 @@
                 <a:tabLst/>
                 <a:defRPr/>
               </a:pPr>
-              <a:t>1/7/19</a:t>
+              <a:t>3/9/2019</a:t>
             </a:fld>
             <a:endParaRPr kumimoji="0" lang="en-US" sz="1800" b="0" i="0" u="none" strike="noStrike" kern="0" cap="none" spc="0" normalizeH="0" baseline="0" noProof="0" dirty="0">
               <a:ln>
@@ -2021,7 +2021,7 @@
           <a:p>
             <a:fld id="{D18B56EA-E28F-4F92-9F16-7A6F2501B303}" type="datetime8">
               <a:rPr lang="en-US" smtClean="0"/>
-              <a:t>1/7/19 3:41 PM</a:t>
+              <a:t>3/9/2019 6:35 AM</a:t>
             </a:fld>
             <a:endParaRPr lang="en-US" dirty="0"/>
           </a:p>
@@ -2202,7 +2202,7 @@
           <a:p>
             <a:fld id="{D18B56EA-E28F-4F92-9F16-7A6F2501B303}" type="datetime8">
               <a:rPr lang="en-US" smtClean="0"/>
-              <a:t>1/7/19 3:41 PM</a:t>
+              <a:t>3/9/2019 6:35 AM</a:t>
             </a:fld>
             <a:endParaRPr lang="en-US" dirty="0"/>
           </a:p>
@@ -2383,7 +2383,7 @@
           <a:p>
             <a:fld id="{D18B56EA-E28F-4F92-9F16-7A6F2501B303}" type="datetime8">
               <a:rPr lang="en-US" smtClean="0"/>
-              <a:t>1/7/19 3:41 PM</a:t>
+              <a:t>3/9/2019 6:35 AM</a:t>
             </a:fld>
             <a:endParaRPr lang="en-US" dirty="0"/>
           </a:p>
@@ -2564,7 +2564,7 @@
           <a:p>
             <a:fld id="{D18B56EA-E28F-4F92-9F16-7A6F2501B303}" type="datetime8">
               <a:rPr lang="en-US" smtClean="0"/>
-              <a:t>1/7/19 3:41 PM</a:t>
+              <a:t>3/9/2019 6:35 AM</a:t>
             </a:fld>
             <a:endParaRPr lang="en-US" dirty="0"/>
           </a:p>
@@ -2745,7 +2745,7 @@
           <a:p>
             <a:fld id="{D18B56EA-E28F-4F92-9F16-7A6F2501B303}" type="datetime8">
               <a:rPr lang="en-US" smtClean="0"/>
-              <a:t>1/7/19 3:41 PM</a:t>
+              <a:t>3/9/2019 6:35 AM</a:t>
             </a:fld>
             <a:endParaRPr lang="en-US" dirty="0"/>
           </a:p>
@@ -2926,7 +2926,7 @@
           <a:p>
             <a:fld id="{D18B56EA-E28F-4F92-9F16-7A6F2501B303}" type="datetime8">
               <a:rPr lang="en-US" smtClean="0"/>
-              <a:t>1/7/19 3:41 PM</a:t>
+              <a:t>3/9/2019 6:38 AM</a:t>
             </a:fld>
             <a:endParaRPr lang="en-US" dirty="0"/>
           </a:p>
@@ -17367,7 +17367,7 @@
               <a:rPr lang="en-US" sz="1800" dirty="0">
                 <a:latin typeface="+mj-lt"/>
               </a:rPr>
-              <a:t>SharePoint Framework</a:t>
+              <a:t>Overview of the SharePoint Framework</a:t>
             </a:r>
           </a:p>
           <a:p>
@@ -17386,7 +17386,7 @@
                 <a:latin typeface="+mj-lt"/>
                 <a:hlinkClick r:id="rId3"/>
               </a:rPr>
-              <a:t>https://docs.microsoft.com/sharepoint/dev/spfx</a:t>
+              <a:t>https://docs.microsoft.com/en-us/sharepoint/dev/spfx/sharepoint-framework-overview</a:t>
             </a:r>
             <a:endParaRPr lang="en-US" sz="1800" dirty="0">
               <a:latin typeface="+mj-lt"/>
@@ -29515,19 +29515,11 @@
           <a:p>
             <a:r>
               <a:rPr lang="en-US" sz="2000" dirty="0"/>
-              <a:t>    </a:t>
+              <a:t>    console.log('email: ', </a:t>
             </a:r>
             <a:r>
               <a:rPr lang="en-US" sz="2000" dirty="0" err="1"/>
-              <a:t>console.log</a:t>
-            </a:r>
-            <a:r>
-              <a:rPr lang="en-US" sz="2000" dirty="0"/>
-              <a:t>('email: ', </a:t>
-            </a:r>
-            <a:r>
-              <a:rPr lang="en-US" sz="2000" dirty="0" err="1"/>
-              <a:t>user.displmailayName</a:t>
+              <a:t>user.mail</a:t>
             </a:r>
             <a:r>
               <a:rPr lang="en-US" sz="2000" dirty="0"/>

--- a/03 msgraphpclient.pptx
+++ b/03 msgraphpclient.pptx
@@ -278,7 +278,7 @@
               <a:rPr lang="en-US" smtClean="0">
                 <a:latin typeface="Segoe UI" pitchFamily="34" charset="0"/>
               </a:rPr>
-              <a:t>3/9/2019 6:35 AM</a:t>
+              <a:t>6/8/2019 7:51 PM</a:t>
             </a:fld>
             <a:endParaRPr lang="en-US" dirty="0">
               <a:latin typeface="Segoe UI" pitchFamily="34" charset="0"/>
@@ -575,7 +575,7 @@
           <a:p>
             <a:fld id="{D18B56EA-E28F-4F92-9F16-7A6F2501B303}" type="datetime8">
               <a:rPr lang="en-US" smtClean="0"/>
-              <a:t>3/9/2019 6:35 AM</a:t>
+              <a:t>6/8/2019 7:51 PM</a:t>
             </a:fld>
             <a:endParaRPr lang="en-US" dirty="0"/>
           </a:p>
@@ -958,7 +958,7 @@
           <a:p>
             <a:fld id="{D18B56EA-E28F-4F92-9F16-7A6F2501B303}" type="datetime8">
               <a:rPr lang="en-US" smtClean="0"/>
-              <a:t>3/9/2019 6:35 AM</a:t>
+              <a:t>6/8/2019 7:51 PM</a:t>
             </a:fld>
             <a:endParaRPr lang="en-US" dirty="0"/>
           </a:p>
@@ -1139,7 +1139,7 @@
           <a:p>
             <a:fld id="{D18B56EA-E28F-4F92-9F16-7A6F2501B303}" type="datetime8">
               <a:rPr lang="en-US" smtClean="0"/>
-              <a:t>3/9/2019 6:35 AM</a:t>
+              <a:t>6/8/2019 7:51 PM</a:t>
             </a:fld>
             <a:endParaRPr lang="en-US" dirty="0"/>
           </a:p>
@@ -1320,7 +1320,7 @@
           <a:p>
             <a:fld id="{D18B56EA-E28F-4F92-9F16-7A6F2501B303}" type="datetime8">
               <a:rPr lang="en-US" smtClean="0"/>
-              <a:t>3/9/2019 6:35 AM</a:t>
+              <a:t>6/8/2019 7:51 PM</a:t>
             </a:fld>
             <a:endParaRPr lang="en-US" dirty="0"/>
           </a:p>
@@ -1501,7 +1501,7 @@
           <a:p>
             <a:fld id="{D18B56EA-E28F-4F92-9F16-7A6F2501B303}" type="datetime8">
               <a:rPr lang="en-US" smtClean="0"/>
-              <a:t>3/9/2019 6:35 AM</a:t>
+              <a:t>6/8/2019 7:51 PM</a:t>
             </a:fld>
             <a:endParaRPr lang="en-US" dirty="0"/>
           </a:p>
@@ -1774,7 +1774,7 @@
                 <a:tabLst/>
                 <a:defRPr/>
               </a:pPr>
-              <a:t>3/9/2019</a:t>
+              <a:t>6/8/2019</a:t>
             </a:fld>
             <a:endParaRPr kumimoji="0" lang="en-US" sz="1800" b="0" i="0" u="none" strike="noStrike" kern="0" cap="none" spc="0" normalizeH="0" baseline="0" noProof="0" dirty="0">
               <a:ln>
@@ -2021,7 +2021,7 @@
           <a:p>
             <a:fld id="{D18B56EA-E28F-4F92-9F16-7A6F2501B303}" type="datetime8">
               <a:rPr lang="en-US" smtClean="0"/>
-              <a:t>3/9/2019 6:35 AM</a:t>
+              <a:t>6/8/2019 7:51 PM</a:t>
             </a:fld>
             <a:endParaRPr lang="en-US" dirty="0"/>
           </a:p>
@@ -2202,7 +2202,7 @@
           <a:p>
             <a:fld id="{D18B56EA-E28F-4F92-9F16-7A6F2501B303}" type="datetime8">
               <a:rPr lang="en-US" smtClean="0"/>
-              <a:t>3/9/2019 6:35 AM</a:t>
+              <a:t>6/8/2019 7:51 PM</a:t>
             </a:fld>
             <a:endParaRPr lang="en-US" dirty="0"/>
           </a:p>
@@ -2383,7 +2383,7 @@
           <a:p>
             <a:fld id="{D18B56EA-E28F-4F92-9F16-7A6F2501B303}" type="datetime8">
               <a:rPr lang="en-US" smtClean="0"/>
-              <a:t>3/9/2019 6:35 AM</a:t>
+              <a:t>6/8/2019 7:52 PM</a:t>
             </a:fld>
             <a:endParaRPr lang="en-US" dirty="0"/>
           </a:p>
@@ -2564,7 +2564,7 @@
           <a:p>
             <a:fld id="{D18B56EA-E28F-4F92-9F16-7A6F2501B303}" type="datetime8">
               <a:rPr lang="en-US" smtClean="0"/>
-              <a:t>3/9/2019 6:35 AM</a:t>
+              <a:t>6/8/2019 7:51 PM</a:t>
             </a:fld>
             <a:endParaRPr lang="en-US" dirty="0"/>
           </a:p>
@@ -2745,7 +2745,7 @@
           <a:p>
             <a:fld id="{D18B56EA-E28F-4F92-9F16-7A6F2501B303}" type="datetime8">
               <a:rPr lang="en-US" smtClean="0"/>
-              <a:t>3/9/2019 6:35 AM</a:t>
+              <a:t>6/8/2019 7:51 PM</a:t>
             </a:fld>
             <a:endParaRPr lang="en-US" dirty="0"/>
           </a:p>
@@ -2926,7 +2926,7 @@
           <a:p>
             <a:fld id="{D18B56EA-E28F-4F92-9F16-7A6F2501B303}" type="datetime8">
               <a:rPr lang="en-US" smtClean="0"/>
-              <a:t>3/9/2019 6:38 AM</a:t>
+              <a:t>6/8/2019 7:51 PM</a:t>
             </a:fld>
             <a:endParaRPr lang="en-US" dirty="0"/>
           </a:p>
@@ -16006,7 +16006,12 @@
             <p:ph type="body" sz="quarter" idx="10"/>
           </p:nvPr>
         </p:nvSpPr>
-        <p:spPr/>
+        <p:spPr>
+          <a:xfrm>
+            <a:off x="464400" y="1178951"/>
+            <a:ext cx="11575200" cy="5522637"/>
+          </a:xfrm>
+        </p:spPr>
         <p:txBody>
           <a:bodyPr/>
           <a:lstStyle/>
@@ -16125,6 +16130,20 @@
             <a:r>
               <a:rPr lang="en-US" sz="1600" dirty="0"/>
               <a:t>": true,</a:t>
+            </a:r>
+          </a:p>
+          <a:p>
+            <a:r>
+              <a:rPr lang="en-US" sz="1600" dirty="0"/>
+              <a:t>    "</a:t>
+            </a:r>
+            <a:r>
+              <a:rPr lang="en-US" sz="1600" dirty="0" err="1"/>
+              <a:t>isDomainIsolated</a:t>
+            </a:r>
+            <a:r>
+              <a:rPr lang="en-US" sz="1600" dirty="0"/>
+              <a:t>": false,</a:t>
             </a:r>
           </a:p>
           <a:p>
@@ -16532,10 +16551,10 @@
       </p:sp>
       <p:pic>
         <p:nvPicPr>
-          <p:cNvPr id="9" name="Picture 8">
+          <p:cNvPr id="4" name="Picture 3">
             <a:extLst>
               <a:ext uri="{FF2B5EF4-FFF2-40B4-BE49-F238E27FC236}">
-                <a16:creationId xmlns:a16="http://schemas.microsoft.com/office/drawing/2014/main" id="{BA3DED1D-5B65-9547-8D2B-396BE49DBF02}"/>
+                <a16:creationId xmlns:a16="http://schemas.microsoft.com/office/drawing/2014/main" id="{953F9434-FB8C-40E3-8E03-91AA5C568AC7}"/>
               </a:ext>
             </a:extLst>
           </p:cNvPr>
@@ -16552,20 +16571,25 @@
         </p:blipFill>
         <p:spPr>
           <a:xfrm>
-            <a:off x="8493668" y="1253299"/>
-            <a:ext cx="2339612" cy="5213191"/>
+            <a:off x="468149" y="1385455"/>
+            <a:ext cx="8134429" cy="5002675"/>
           </a:xfrm>
           <a:prstGeom prst="rect">
             <a:avLst/>
           </a:prstGeom>
+          <a:ln>
+            <a:solidFill>
+              <a:schemeClr val="accent1"/>
+            </a:solidFill>
+          </a:ln>
         </p:spPr>
       </p:pic>
       <p:pic>
         <p:nvPicPr>
-          <p:cNvPr id="7" name="Picture 6">
+          <p:cNvPr id="6" name="Picture 5">
             <a:extLst>
               <a:ext uri="{FF2B5EF4-FFF2-40B4-BE49-F238E27FC236}">
-                <a16:creationId xmlns:a16="http://schemas.microsoft.com/office/drawing/2014/main" id="{B85CD8D1-9D2D-7242-9E40-C612F55FBA26}"/>
+                <a16:creationId xmlns:a16="http://schemas.microsoft.com/office/drawing/2014/main" id="{B0258B88-2C8E-42A1-B959-50F584900B1A}"/>
               </a:ext>
             </a:extLst>
           </p:cNvPr>
@@ -16582,12 +16606,17 @@
         </p:blipFill>
         <p:spPr>
           <a:xfrm>
-            <a:off x="1259953" y="1716690"/>
-            <a:ext cx="6438900" cy="5041900"/>
+            <a:off x="9185528" y="1385455"/>
+            <a:ext cx="2270957" cy="4976291"/>
           </a:xfrm>
           <a:prstGeom prst="rect">
             <a:avLst/>
           </a:prstGeom>
+          <a:ln>
+            <a:solidFill>
+              <a:schemeClr val="accent1"/>
+            </a:solidFill>
+          </a:ln>
         </p:spPr>
       </p:pic>
     </p:spTree>

--- a/03 msgraphpclient.pptx
+++ b/03 msgraphpclient.pptx
@@ -278,7 +278,7 @@
               <a:rPr lang="en-US" smtClean="0">
                 <a:latin typeface="Segoe UI" pitchFamily="34" charset="0"/>
               </a:rPr>
-              <a:t>6/8/2019 7:51 PM</a:t>
+              <a:t>3/6/20 7:20 AM</a:t>
             </a:fld>
             <a:endParaRPr lang="en-US" dirty="0">
               <a:latin typeface="Segoe UI" pitchFamily="34" charset="0"/>
@@ -575,7 +575,7 @@
           <a:p>
             <a:fld id="{D18B56EA-E28F-4F92-9F16-7A6F2501B303}" type="datetime8">
               <a:rPr lang="en-US" smtClean="0"/>
-              <a:t>6/8/2019 7:51 PM</a:t>
+              <a:t>3/6/20 7:19 AM</a:t>
             </a:fld>
             <a:endParaRPr lang="en-US" dirty="0"/>
           </a:p>
@@ -958,7 +958,7 @@
           <a:p>
             <a:fld id="{D18B56EA-E28F-4F92-9F16-7A6F2501B303}" type="datetime8">
               <a:rPr lang="en-US" smtClean="0"/>
-              <a:t>6/8/2019 7:51 PM</a:t>
+              <a:t>3/6/20 7:19 AM</a:t>
             </a:fld>
             <a:endParaRPr lang="en-US" dirty="0"/>
           </a:p>
@@ -1045,7 +1045,47 @@
           <a:bodyPr/>
           <a:lstStyle/>
           <a:p>
-            <a:endParaRPr lang="en-US"/>
+            <a:r>
+              <a:rPr lang="en-US" dirty="0"/>
+              <a:t>You can use Microsoft Graph in your custom SharePoint Framework solutions. Microsoft Graph is a service that is secured with Azure AD. The SharePoint Framework leverages the same infrastructure for requesting and granting permissions to Azure AD secured APIs as it does for custom Azure AD secured APIs. The unit on **Call Azure AD secured third-party REST APIs** explains how the SharePoint Framework API can be used to call Azure AD secured endpoints.</a:t>
+            </a:r>
+          </a:p>
+          <a:p>
+            <a:endParaRPr lang="en-US" dirty="0"/>
+          </a:p>
+          <a:p>
+            <a:r>
+              <a:rPr lang="en-US" dirty="0"/>
+              <a:t>The SharePoint Framework API includes the Microsoft Graph JavaScript SDK and also handles the initialization of the client. This is handled using the existing Azure Ad support to obtain an access token.</a:t>
+            </a:r>
+          </a:p>
+          <a:p>
+            <a:endParaRPr lang="en-US" dirty="0"/>
+          </a:p>
+          <a:p>
+            <a:r>
+              <a:rPr lang="en-US" dirty="0"/>
+              <a:t>To obtain an instance of the Microsoft Graph JavaScript SDK, use the `</a:t>
+            </a:r>
+            <a:r>
+              <a:rPr lang="en-US" dirty="0" err="1"/>
+              <a:t>this.context.msGraphClientFactory.getClient</a:t>
+            </a:r>
+            <a:r>
+              <a:rPr lang="en-US" dirty="0"/>
+              <a:t>()` method. This will return an instance of the `</a:t>
+            </a:r>
+            <a:r>
+              <a:rPr lang="en-US" dirty="0" err="1"/>
+              <a:t>MSGraphClient</a:t>
+            </a:r>
+            <a:r>
+              <a:rPr lang="en-US" dirty="0"/>
+              <a:t>` that is already configured with the necessary OAuth 2.0 access token:</a:t>
+            </a:r>
+          </a:p>
+          <a:p>
+            <a:endParaRPr lang="en-US" dirty="0"/>
           </a:p>
         </p:txBody>
       </p:sp>
@@ -1056,7 +1096,7 @@
             <a:spLocks noGrp="1"/>
           </p:cNvSpPr>
           <p:nvPr>
-            <p:ph type="hdr" sz="quarter" idx="10"/>
+            <p:ph type="hdr" sz="quarter"/>
           </p:nvPr>
         </p:nvSpPr>
         <p:spPr/>
@@ -1064,6 +1104,10 @@
           <a:bodyPr/>
           <a:lstStyle/>
           <a:p>
+            <a:r>
+              <a:rPr lang="en-US"/>
+              <a:t>SharePoint Framework</a:t>
+            </a:r>
             <a:endParaRPr lang="en-US" dirty="0"/>
           </a:p>
         </p:txBody>
@@ -1075,7 +1119,7 @@
             <a:spLocks noGrp="1"/>
           </p:cNvSpPr>
           <p:nvPr>
-            <p:ph type="ftr" sz="quarter" idx="11"/>
+            <p:ph type="ftr" sz="quarter" idx="4"/>
           </p:nvPr>
         </p:nvSpPr>
         <p:spPr/>
@@ -1129,7 +1173,7 @@
             <a:spLocks noGrp="1"/>
           </p:cNvSpPr>
           <p:nvPr>
-            <p:ph type="dt" idx="12"/>
+            <p:ph type="dt" idx="1"/>
           </p:nvPr>
         </p:nvSpPr>
         <p:spPr/>
@@ -1139,7 +1183,7 @@
           <a:p>
             <a:fld id="{D18B56EA-E28F-4F92-9F16-7A6F2501B303}" type="datetime8">
               <a:rPr lang="en-US" smtClean="0"/>
-              <a:t>6/8/2019 7:51 PM</a:t>
+              <a:t>3/6/20 2:50 PM</a:t>
             </a:fld>
             <a:endParaRPr lang="en-US" dirty="0"/>
           </a:p>
@@ -1152,7 +1196,7 @@
             <a:spLocks noGrp="1"/>
           </p:cNvSpPr>
           <p:nvPr>
-            <p:ph type="sldNum" sz="quarter" idx="13"/>
+            <p:ph type="sldNum" sz="quarter" idx="5"/>
           </p:nvPr>
         </p:nvSpPr>
         <p:spPr/>
@@ -1163,7 +1207,7 @@
             <a:fld id="{B4008EB6-D09E-4580-8CD6-DDB14511944F}" type="slidenum">
               <a:rPr lang="en-US" smtClean="0"/>
               <a:pPr/>
-              <a:t>17</a:t>
+              <a:t>10</a:t>
             </a:fld>
             <a:endParaRPr lang="en-US" dirty="0"/>
           </a:p>
@@ -1172,7 +1216,7 @@
     </p:spTree>
     <p:extLst>
       <p:ext uri="{BB962C8B-B14F-4D97-AF65-F5344CB8AC3E}">
-        <p14:creationId xmlns:p14="http://schemas.microsoft.com/office/powerpoint/2010/main" val="2510823477"/>
+        <p14:creationId xmlns:p14="http://schemas.microsoft.com/office/powerpoint/2010/main" val="3855058611"/>
       </p:ext>
     </p:extLst>
   </p:cSld>
@@ -1226,7 +1270,38 @@
           <a:bodyPr/>
           <a:lstStyle/>
           <a:p>
-            <a:endParaRPr lang="en-US"/>
+            <a:r>
+              <a:rPr lang="en-US" dirty="0"/>
+              <a:t>Because Microsoft Graph is an Azure AD secured API, you will need to request a permission to Microsoft Graph when a SharePoint Framework package is deployed to the App Catalog. Do this using the `</a:t>
+            </a:r>
+            <a:r>
+              <a:rPr lang="en-US" dirty="0" err="1"/>
+              <a:t>webApiPermissionRequests</a:t>
+            </a:r>
+            <a:r>
+              <a:rPr lang="en-US" dirty="0"/>
+              <a:t>` array in the **package-</a:t>
+            </a:r>
+            <a:r>
+              <a:rPr lang="en-US" dirty="0" err="1"/>
+              <a:t>solution.json</a:t>
+            </a:r>
+            <a:r>
+              <a:rPr lang="en-US" dirty="0"/>
+              <a:t>** configuration file in a project.</a:t>
+            </a:r>
+          </a:p>
+          <a:p>
+            <a:endParaRPr lang="en-US" dirty="0"/>
+          </a:p>
+          <a:p>
+            <a:r>
+              <a:rPr lang="en-US" dirty="0"/>
+              <a:t>Each request must include the name of the REST API (`resource`) and the permission (`scope`) requested:</a:t>
+            </a:r>
+          </a:p>
+          <a:p>
+            <a:endParaRPr lang="en-US" dirty="0"/>
           </a:p>
         </p:txBody>
       </p:sp>
@@ -1237,7 +1312,7 @@
             <a:spLocks noGrp="1"/>
           </p:cNvSpPr>
           <p:nvPr>
-            <p:ph type="hdr" sz="quarter" idx="10"/>
+            <p:ph type="hdr" sz="quarter"/>
           </p:nvPr>
         </p:nvSpPr>
         <p:spPr/>
@@ -1256,7 +1331,7 @@
             <a:spLocks noGrp="1"/>
           </p:cNvSpPr>
           <p:nvPr>
-            <p:ph type="ftr" sz="quarter" idx="11"/>
+            <p:ph type="ftr" sz="quarter" idx="4"/>
           </p:nvPr>
         </p:nvSpPr>
         <p:spPr/>
@@ -1310,6 +1385,583 @@
             <a:spLocks noGrp="1"/>
           </p:cNvSpPr>
           <p:nvPr>
+            <p:ph type="dt" idx="1"/>
+          </p:nvPr>
+        </p:nvSpPr>
+        <p:spPr/>
+        <p:txBody>
+          <a:bodyPr/>
+          <a:lstStyle/>
+          <a:p>
+            <a:fld id="{D18B56EA-E28F-4F92-9F16-7A6F2501B303}" type="datetime8">
+              <a:rPr lang="en-US" smtClean="0"/>
+              <a:t>3/6/20 2:51 PM</a:t>
+            </a:fld>
+            <a:endParaRPr lang="en-US" dirty="0"/>
+          </a:p>
+        </p:txBody>
+      </p:sp>
+      <p:sp>
+        <p:nvSpPr>
+          <p:cNvPr id="7" name="Slide Number Placeholder 6"/>
+          <p:cNvSpPr>
+            <a:spLocks noGrp="1"/>
+          </p:cNvSpPr>
+          <p:nvPr>
+            <p:ph type="sldNum" sz="quarter" idx="5"/>
+          </p:nvPr>
+        </p:nvSpPr>
+        <p:spPr/>
+        <p:txBody>
+          <a:bodyPr/>
+          <a:lstStyle/>
+          <a:p>
+            <a:fld id="{B4008EB6-D09E-4580-8CD6-DDB14511944F}" type="slidenum">
+              <a:rPr lang="en-US" smtClean="0"/>
+              <a:pPr/>
+              <a:t>11</a:t>
+            </a:fld>
+            <a:endParaRPr lang="en-US" dirty="0"/>
+          </a:p>
+        </p:txBody>
+      </p:sp>
+    </p:spTree>
+    <p:extLst>
+      <p:ext uri="{BB962C8B-B14F-4D97-AF65-F5344CB8AC3E}">
+        <p14:creationId xmlns:p14="http://schemas.microsoft.com/office/powerpoint/2010/main" val="2636172898"/>
+      </p:ext>
+    </p:extLst>
+  </p:cSld>
+  <p:clrMapOvr>
+    <a:masterClrMapping/>
+  </p:clrMapOvr>
+</p:notes>
+</file>
+
+<file path=ppt/notesSlides/notesSlide12.xml><?xml version="1.0" encoding="utf-8"?>
+<p:notes xmlns:a="http://schemas.openxmlformats.org/drawingml/2006/main" xmlns:r="http://schemas.openxmlformats.org/officeDocument/2006/relationships" xmlns:p="http://schemas.openxmlformats.org/presentationml/2006/main">
+  <p:cSld>
+    <p:spTree>
+      <p:nvGrpSpPr>
+        <p:cNvPr id="1" name=""/>
+        <p:cNvGrpSpPr/>
+        <p:nvPr/>
+      </p:nvGrpSpPr>
+      <p:grpSpPr>
+        <a:xfrm>
+          <a:off x="0" y="0"/>
+          <a:ext cx="0" cy="0"/>
+          <a:chOff x="0" y="0"/>
+          <a:chExt cx="0" cy="0"/>
+        </a:xfrm>
+      </p:grpSpPr>
+      <p:sp>
+        <p:nvSpPr>
+          <p:cNvPr id="2" name="Slide Image Placeholder 1"/>
+          <p:cNvSpPr>
+            <a:spLocks noGrp="1" noRot="1" noChangeAspect="1"/>
+          </p:cNvSpPr>
+          <p:nvPr>
+            <p:ph type="sldImg"/>
+          </p:nvPr>
+        </p:nvSpPr>
+        <p:spPr/>
+      </p:sp>
+      <p:sp>
+        <p:nvSpPr>
+          <p:cNvPr id="3" name="Notes Placeholder 2"/>
+          <p:cNvSpPr>
+            <a:spLocks noGrp="1"/>
+          </p:cNvSpPr>
+          <p:nvPr>
+            <p:ph type="body" idx="1"/>
+          </p:nvPr>
+        </p:nvSpPr>
+        <p:spPr/>
+        <p:txBody>
+          <a:bodyPr/>
+          <a:lstStyle/>
+          <a:p>
+            <a:r>
+              <a:rPr lang="en-US" dirty="0"/>
+              <a:t>When an administrator deploys the SharePoint Framework component to the tenant App Catalog, they're presented with an additional message in the trust dialog prompt:</a:t>
+            </a:r>
+          </a:p>
+          <a:p>
+            <a:endParaRPr lang="en-US" dirty="0"/>
+          </a:p>
+          <a:p>
+            <a:r>
+              <a:rPr lang="en-US" dirty="0"/>
+              <a:t>This message instructs the administrator this solution contains permission requests that should be reviewed and approved or rejected. Recall that permissions aren't tied to the SharePoint Framework package. Approving or rejecting the permissions is a separate step that must be done in order for the SharePoint Framework component to work.</a:t>
+            </a:r>
+          </a:p>
+          <a:p>
+            <a:endParaRPr lang="en-US" dirty="0"/>
+          </a:p>
+        </p:txBody>
+      </p:sp>
+      <p:sp>
+        <p:nvSpPr>
+          <p:cNvPr id="4" name="Header Placeholder 3"/>
+          <p:cNvSpPr>
+            <a:spLocks noGrp="1"/>
+          </p:cNvSpPr>
+          <p:nvPr>
+            <p:ph type="hdr" sz="quarter"/>
+          </p:nvPr>
+        </p:nvSpPr>
+        <p:spPr/>
+        <p:txBody>
+          <a:bodyPr/>
+          <a:lstStyle/>
+          <a:p>
+            <a:r>
+              <a:rPr lang="en-US"/>
+              <a:t>SharePoint Framework</a:t>
+            </a:r>
+            <a:endParaRPr lang="en-US" dirty="0"/>
+          </a:p>
+        </p:txBody>
+      </p:sp>
+      <p:sp>
+        <p:nvSpPr>
+          <p:cNvPr id="5" name="Footer Placeholder 4"/>
+          <p:cNvSpPr>
+            <a:spLocks noGrp="1"/>
+          </p:cNvSpPr>
+          <p:nvPr>
+            <p:ph type="ftr" sz="quarter" idx="4"/>
+          </p:nvPr>
+        </p:nvSpPr>
+        <p:spPr/>
+        <p:txBody>
+          <a:bodyPr/>
+          <a:lstStyle/>
+          <a:p>
+            <a:pPr defTabSz="914099" eaLnBrk="0" hangingPunct="0"/>
+            <a:r>
+              <a:rPr lang="en-US" sz="400">
+                <a:gradFill>
+                  <a:gsLst>
+                    <a:gs pos="0">
+                      <a:prstClr val="black"/>
+                    </a:gs>
+                    <a:gs pos="100000">
+                      <a:prstClr val="black"/>
+                    </a:gs>
+                  </a:gsLst>
+                  <a:lin ang="5400000" scaled="0"/>
+                </a:gradFill>
+                <a:latin typeface="Segoe UI" pitchFamily="34" charset="0"/>
+                <a:ea typeface="Segoe UI" pitchFamily="34" charset="0"/>
+                <a:cs typeface="Segoe UI" pitchFamily="34" charset="0"/>
+              </a:rPr>
+              <a:t>© Microsoft Corporation. All rights reserved. MICROSOFT MAKES NO WARRANTIES, EXPRESS, IMPLIED OR STATUTORY, AS TO THE INFORMATION IN THIS PRESENTATION.</a:t>
+            </a:r>
+            <a:endParaRPr lang="en-US" sz="400" dirty="0">
+              <a:gradFill>
+                <a:gsLst>
+                  <a:gs pos="0">
+                    <a:prstClr val="black"/>
+                  </a:gs>
+                  <a:gs pos="100000">
+                    <a:prstClr val="black"/>
+                  </a:gs>
+                </a:gsLst>
+                <a:lin ang="5400000" scaled="0"/>
+              </a:gradFill>
+              <a:latin typeface="Segoe UI" pitchFamily="34" charset="0"/>
+              <a:ea typeface="Segoe UI" pitchFamily="34" charset="0"/>
+              <a:cs typeface="Segoe UI" pitchFamily="34" charset="0"/>
+            </a:endParaRPr>
+          </a:p>
+        </p:txBody>
+      </p:sp>
+      <p:sp>
+        <p:nvSpPr>
+          <p:cNvPr id="6" name="Date Placeholder 5"/>
+          <p:cNvSpPr>
+            <a:spLocks noGrp="1"/>
+          </p:cNvSpPr>
+          <p:nvPr>
+            <p:ph type="dt" idx="1"/>
+          </p:nvPr>
+        </p:nvSpPr>
+        <p:spPr/>
+        <p:txBody>
+          <a:bodyPr/>
+          <a:lstStyle/>
+          <a:p>
+            <a:fld id="{D18B56EA-E28F-4F92-9F16-7A6F2501B303}" type="datetime8">
+              <a:rPr lang="en-US" smtClean="0"/>
+              <a:t>3/6/20 2:52 PM</a:t>
+            </a:fld>
+            <a:endParaRPr lang="en-US" dirty="0"/>
+          </a:p>
+        </p:txBody>
+      </p:sp>
+      <p:sp>
+        <p:nvSpPr>
+          <p:cNvPr id="7" name="Slide Number Placeholder 6"/>
+          <p:cNvSpPr>
+            <a:spLocks noGrp="1"/>
+          </p:cNvSpPr>
+          <p:nvPr>
+            <p:ph type="sldNum" sz="quarter" idx="5"/>
+          </p:nvPr>
+        </p:nvSpPr>
+        <p:spPr/>
+        <p:txBody>
+          <a:bodyPr/>
+          <a:lstStyle/>
+          <a:p>
+            <a:fld id="{B4008EB6-D09E-4580-8CD6-DDB14511944F}" type="slidenum">
+              <a:rPr lang="en-US" smtClean="0"/>
+              <a:pPr/>
+              <a:t>12</a:t>
+            </a:fld>
+            <a:endParaRPr lang="en-US" dirty="0"/>
+          </a:p>
+        </p:txBody>
+      </p:sp>
+    </p:spTree>
+    <p:extLst>
+      <p:ext uri="{BB962C8B-B14F-4D97-AF65-F5344CB8AC3E}">
+        <p14:creationId xmlns:p14="http://schemas.microsoft.com/office/powerpoint/2010/main" val="634491514"/>
+      </p:ext>
+    </p:extLst>
+  </p:cSld>
+  <p:clrMapOvr>
+    <a:masterClrMapping/>
+  </p:clrMapOvr>
+</p:notes>
+</file>
+
+<file path=ppt/notesSlides/notesSlide13.xml><?xml version="1.0" encoding="utf-8"?>
+<p:notes xmlns:a="http://schemas.openxmlformats.org/drawingml/2006/main" xmlns:r="http://schemas.openxmlformats.org/officeDocument/2006/relationships" xmlns:p="http://schemas.openxmlformats.org/presentationml/2006/main">
+  <p:cSld>
+    <p:spTree>
+      <p:nvGrpSpPr>
+        <p:cNvPr id="1" name=""/>
+        <p:cNvGrpSpPr/>
+        <p:nvPr/>
+      </p:nvGrpSpPr>
+      <p:grpSpPr>
+        <a:xfrm>
+          <a:off x="0" y="0"/>
+          <a:ext cx="0" cy="0"/>
+          <a:chOff x="0" y="0"/>
+          <a:chExt cx="0" cy="0"/>
+        </a:xfrm>
+      </p:grpSpPr>
+      <p:sp>
+        <p:nvSpPr>
+          <p:cNvPr id="2" name="Slide Image Placeholder 1"/>
+          <p:cNvSpPr>
+            <a:spLocks noGrp="1" noRot="1" noChangeAspect="1"/>
+          </p:cNvSpPr>
+          <p:nvPr>
+            <p:ph type="sldImg"/>
+          </p:nvPr>
+        </p:nvSpPr>
+        <p:spPr/>
+      </p:sp>
+      <p:sp>
+        <p:nvSpPr>
+          <p:cNvPr id="3" name="Notes Placeholder 2"/>
+          <p:cNvSpPr>
+            <a:spLocks noGrp="1"/>
+          </p:cNvSpPr>
+          <p:nvPr>
+            <p:ph type="body" idx="1"/>
+          </p:nvPr>
+        </p:nvSpPr>
+        <p:spPr/>
+        <p:txBody>
+          <a:bodyPr/>
+          <a:lstStyle/>
+          <a:p>
+            <a:r>
+              <a:rPr lang="en-US" dirty="0"/>
+              <a:t>To approve or reject permission requests, navigate to the **API Management** page in the **SharePoint Admin Center**. Here you'll find a list of permission requests pending approval or rejection:</a:t>
+            </a:r>
+          </a:p>
+          <a:p>
+            <a:endParaRPr lang="en-US" dirty="0"/>
+          </a:p>
+          <a:p>
+            <a:r>
+              <a:rPr lang="en-US" dirty="0"/>
+              <a:t>Select the permission request to view its details and use the buttons at the bottom of the panel to approve or reject the request:</a:t>
+            </a:r>
+          </a:p>
+          <a:p>
+            <a:endParaRPr lang="en-US" dirty="0"/>
+          </a:p>
+        </p:txBody>
+      </p:sp>
+      <p:sp>
+        <p:nvSpPr>
+          <p:cNvPr id="4" name="Header Placeholder 3"/>
+          <p:cNvSpPr>
+            <a:spLocks noGrp="1"/>
+          </p:cNvSpPr>
+          <p:nvPr>
+            <p:ph type="hdr" sz="quarter"/>
+          </p:nvPr>
+        </p:nvSpPr>
+        <p:spPr/>
+        <p:txBody>
+          <a:bodyPr/>
+          <a:lstStyle/>
+          <a:p>
+            <a:endParaRPr lang="en-US" dirty="0"/>
+          </a:p>
+        </p:txBody>
+      </p:sp>
+      <p:sp>
+        <p:nvSpPr>
+          <p:cNvPr id="5" name="Footer Placeholder 4"/>
+          <p:cNvSpPr>
+            <a:spLocks noGrp="1"/>
+          </p:cNvSpPr>
+          <p:nvPr>
+            <p:ph type="ftr" sz="quarter" idx="4"/>
+          </p:nvPr>
+        </p:nvSpPr>
+        <p:spPr/>
+        <p:txBody>
+          <a:bodyPr/>
+          <a:lstStyle/>
+          <a:p>
+            <a:pPr defTabSz="914099" eaLnBrk="0" hangingPunct="0"/>
+            <a:r>
+              <a:rPr lang="en-US" sz="400">
+                <a:gradFill>
+                  <a:gsLst>
+                    <a:gs pos="0">
+                      <a:prstClr val="black"/>
+                    </a:gs>
+                    <a:gs pos="100000">
+                      <a:prstClr val="black"/>
+                    </a:gs>
+                  </a:gsLst>
+                  <a:lin ang="5400000" scaled="0"/>
+                </a:gradFill>
+                <a:latin typeface="Segoe UI" pitchFamily="34" charset="0"/>
+                <a:ea typeface="Segoe UI" pitchFamily="34" charset="0"/>
+                <a:cs typeface="Segoe UI" pitchFamily="34" charset="0"/>
+              </a:rPr>
+              <a:t>© Microsoft Corporation. All rights reserved. MICROSOFT MAKES NO WARRANTIES, EXPRESS, IMPLIED OR STATUTORY, AS TO THE INFORMATION IN THIS PRESENTATION.</a:t>
+            </a:r>
+            <a:endParaRPr lang="en-US" sz="400" dirty="0">
+              <a:gradFill>
+                <a:gsLst>
+                  <a:gs pos="0">
+                    <a:prstClr val="black"/>
+                  </a:gs>
+                  <a:gs pos="100000">
+                    <a:prstClr val="black"/>
+                  </a:gs>
+                </a:gsLst>
+                <a:lin ang="5400000" scaled="0"/>
+              </a:gradFill>
+              <a:latin typeface="Segoe UI" pitchFamily="34" charset="0"/>
+              <a:ea typeface="Segoe UI" pitchFamily="34" charset="0"/>
+              <a:cs typeface="Segoe UI" pitchFamily="34" charset="0"/>
+            </a:endParaRPr>
+          </a:p>
+        </p:txBody>
+      </p:sp>
+      <p:sp>
+        <p:nvSpPr>
+          <p:cNvPr id="6" name="Date Placeholder 5"/>
+          <p:cNvSpPr>
+            <a:spLocks noGrp="1"/>
+          </p:cNvSpPr>
+          <p:nvPr>
+            <p:ph type="dt" idx="1"/>
+          </p:nvPr>
+        </p:nvSpPr>
+        <p:spPr/>
+        <p:txBody>
+          <a:bodyPr/>
+          <a:lstStyle/>
+          <a:p>
+            <a:fld id="{D18B56EA-E28F-4F92-9F16-7A6F2501B303}" type="datetime8">
+              <a:rPr lang="en-US" smtClean="0"/>
+              <a:t>3/6/20 2:52 PM</a:t>
+            </a:fld>
+            <a:endParaRPr lang="en-US" dirty="0"/>
+          </a:p>
+        </p:txBody>
+      </p:sp>
+      <p:sp>
+        <p:nvSpPr>
+          <p:cNvPr id="7" name="Slide Number Placeholder 6"/>
+          <p:cNvSpPr>
+            <a:spLocks noGrp="1"/>
+          </p:cNvSpPr>
+          <p:nvPr>
+            <p:ph type="sldNum" sz="quarter" idx="5"/>
+          </p:nvPr>
+        </p:nvSpPr>
+        <p:spPr/>
+        <p:txBody>
+          <a:bodyPr/>
+          <a:lstStyle/>
+          <a:p>
+            <a:fld id="{B4008EB6-D09E-4580-8CD6-DDB14511944F}" type="slidenum">
+              <a:rPr lang="en-US" smtClean="0"/>
+              <a:pPr/>
+              <a:t>13</a:t>
+            </a:fld>
+            <a:endParaRPr lang="en-US" dirty="0"/>
+          </a:p>
+        </p:txBody>
+      </p:sp>
+    </p:spTree>
+    <p:extLst>
+      <p:ext uri="{BB962C8B-B14F-4D97-AF65-F5344CB8AC3E}">
+        <p14:creationId xmlns:p14="http://schemas.microsoft.com/office/powerpoint/2010/main" val="1784564579"/>
+      </p:ext>
+    </p:extLst>
+  </p:cSld>
+  <p:clrMapOvr>
+    <a:masterClrMapping/>
+  </p:clrMapOvr>
+</p:notes>
+</file>
+
+<file path=ppt/notesSlides/notesSlide14.xml><?xml version="1.0" encoding="utf-8"?>
+<p:notes xmlns:a="http://schemas.openxmlformats.org/drawingml/2006/main" xmlns:r="http://schemas.openxmlformats.org/officeDocument/2006/relationships" xmlns:p="http://schemas.openxmlformats.org/presentationml/2006/main">
+  <p:cSld>
+    <p:spTree>
+      <p:nvGrpSpPr>
+        <p:cNvPr id="1" name=""/>
+        <p:cNvGrpSpPr/>
+        <p:nvPr/>
+      </p:nvGrpSpPr>
+      <p:grpSpPr>
+        <a:xfrm>
+          <a:off x="0" y="0"/>
+          <a:ext cx="0" cy="0"/>
+          <a:chOff x="0" y="0"/>
+          <a:chExt cx="0" cy="0"/>
+        </a:xfrm>
+      </p:grpSpPr>
+      <p:sp>
+        <p:nvSpPr>
+          <p:cNvPr id="2" name="Slide Image Placeholder 1"/>
+          <p:cNvSpPr>
+            <a:spLocks noGrp="1" noRot="1" noChangeAspect="1"/>
+          </p:cNvSpPr>
+          <p:nvPr>
+            <p:ph type="sldImg"/>
+          </p:nvPr>
+        </p:nvSpPr>
+        <p:spPr/>
+      </p:sp>
+      <p:sp>
+        <p:nvSpPr>
+          <p:cNvPr id="3" name="Notes Placeholder 2"/>
+          <p:cNvSpPr>
+            <a:spLocks noGrp="1"/>
+          </p:cNvSpPr>
+          <p:nvPr>
+            <p:ph type="body" idx="1"/>
+          </p:nvPr>
+        </p:nvSpPr>
+        <p:spPr/>
+        <p:txBody>
+          <a:bodyPr/>
+          <a:lstStyle/>
+          <a:p>
+            <a:endParaRPr lang="en-US" dirty="0"/>
+          </a:p>
+        </p:txBody>
+      </p:sp>
+      <p:sp>
+        <p:nvSpPr>
+          <p:cNvPr id="4" name="Header Placeholder 3"/>
+          <p:cNvSpPr>
+            <a:spLocks noGrp="1"/>
+          </p:cNvSpPr>
+          <p:nvPr>
+            <p:ph type="hdr" sz="quarter" idx="10"/>
+          </p:nvPr>
+        </p:nvSpPr>
+        <p:spPr/>
+        <p:txBody>
+          <a:bodyPr/>
+          <a:lstStyle/>
+          <a:p>
+            <a:endParaRPr lang="en-US" dirty="0"/>
+          </a:p>
+        </p:txBody>
+      </p:sp>
+      <p:sp>
+        <p:nvSpPr>
+          <p:cNvPr id="5" name="Footer Placeholder 4"/>
+          <p:cNvSpPr>
+            <a:spLocks noGrp="1"/>
+          </p:cNvSpPr>
+          <p:nvPr>
+            <p:ph type="ftr" sz="quarter" idx="11"/>
+          </p:nvPr>
+        </p:nvSpPr>
+        <p:spPr/>
+        <p:txBody>
+          <a:bodyPr/>
+          <a:lstStyle/>
+          <a:p>
+            <a:pPr defTabSz="914099" eaLnBrk="0" hangingPunct="0"/>
+            <a:r>
+              <a:rPr lang="en-US" sz="400">
+                <a:gradFill>
+                  <a:gsLst>
+                    <a:gs pos="0">
+                      <a:prstClr val="black"/>
+                    </a:gs>
+                    <a:gs pos="100000">
+                      <a:prstClr val="black"/>
+                    </a:gs>
+                  </a:gsLst>
+                  <a:lin ang="5400000" scaled="0"/>
+                </a:gradFill>
+                <a:latin typeface="Segoe UI" pitchFamily="34" charset="0"/>
+                <a:ea typeface="Segoe UI" pitchFamily="34" charset="0"/>
+                <a:cs typeface="Segoe UI" pitchFamily="34" charset="0"/>
+              </a:rPr>
+              <a:t>© Microsoft Corporation. All rights reserved. MICROSOFT MAKES NO WARRANTIES, EXPRESS, IMPLIED OR STATUTORY, AS TO THE INFORMATION IN THIS PRESENTATION.</a:t>
+            </a:r>
+            <a:endParaRPr lang="en-US" sz="400" dirty="0">
+              <a:gradFill>
+                <a:gsLst>
+                  <a:gs pos="0">
+                    <a:prstClr val="black"/>
+                  </a:gs>
+                  <a:gs pos="100000">
+                    <a:prstClr val="black"/>
+                  </a:gs>
+                </a:gsLst>
+                <a:lin ang="5400000" scaled="0"/>
+              </a:gradFill>
+              <a:latin typeface="Segoe UI" pitchFamily="34" charset="0"/>
+              <a:ea typeface="Segoe UI" pitchFamily="34" charset="0"/>
+              <a:cs typeface="Segoe UI" pitchFamily="34" charset="0"/>
+            </a:endParaRPr>
+          </a:p>
+        </p:txBody>
+      </p:sp>
+      <p:sp>
+        <p:nvSpPr>
+          <p:cNvPr id="6" name="Date Placeholder 5"/>
+          <p:cNvSpPr>
+            <a:spLocks noGrp="1"/>
+          </p:cNvSpPr>
+          <p:nvPr>
             <p:ph type="dt" idx="12"/>
           </p:nvPr>
         </p:nvSpPr>
@@ -1320,7 +1972,550 @@
           <a:p>
             <a:fld id="{D18B56EA-E28F-4F92-9F16-7A6F2501B303}" type="datetime8">
               <a:rPr lang="en-US" smtClean="0"/>
-              <a:t>6/8/2019 7:51 PM</a:t>
+              <a:t>3/6/20 7:20 AM</a:t>
+            </a:fld>
+            <a:endParaRPr lang="en-US" dirty="0"/>
+          </a:p>
+        </p:txBody>
+      </p:sp>
+      <p:sp>
+        <p:nvSpPr>
+          <p:cNvPr id="7" name="Slide Number Placeholder 6"/>
+          <p:cNvSpPr>
+            <a:spLocks noGrp="1"/>
+          </p:cNvSpPr>
+          <p:nvPr>
+            <p:ph type="sldNum" sz="quarter" idx="13"/>
+          </p:nvPr>
+        </p:nvSpPr>
+        <p:spPr/>
+        <p:txBody>
+          <a:bodyPr/>
+          <a:lstStyle/>
+          <a:p>
+            <a:fld id="{B4008EB6-D09E-4580-8CD6-DDB14511944F}" type="slidenum">
+              <a:rPr lang="en-US" smtClean="0"/>
+              <a:pPr/>
+              <a:t>14</a:t>
+            </a:fld>
+            <a:endParaRPr lang="en-US" dirty="0"/>
+          </a:p>
+        </p:txBody>
+      </p:sp>
+    </p:spTree>
+    <p:extLst>
+      <p:ext uri="{BB962C8B-B14F-4D97-AF65-F5344CB8AC3E}">
+        <p14:creationId xmlns:p14="http://schemas.microsoft.com/office/powerpoint/2010/main" val="1390539867"/>
+      </p:ext>
+    </p:extLst>
+  </p:cSld>
+  <p:clrMapOvr>
+    <a:masterClrMapping/>
+  </p:clrMapOvr>
+</p:notes>
+</file>
+
+<file path=ppt/notesSlides/notesSlide15.xml><?xml version="1.0" encoding="utf-8"?>
+<p:notes xmlns:a="http://schemas.openxmlformats.org/drawingml/2006/main" xmlns:r="http://schemas.openxmlformats.org/officeDocument/2006/relationships" xmlns:p="http://schemas.openxmlformats.org/presentationml/2006/main">
+  <p:cSld>
+    <p:spTree>
+      <p:nvGrpSpPr>
+        <p:cNvPr id="1" name=""/>
+        <p:cNvGrpSpPr/>
+        <p:nvPr/>
+      </p:nvGrpSpPr>
+      <p:grpSpPr>
+        <a:xfrm>
+          <a:off x="0" y="0"/>
+          <a:ext cx="0" cy="0"/>
+          <a:chOff x="0" y="0"/>
+          <a:chExt cx="0" cy="0"/>
+        </a:xfrm>
+      </p:grpSpPr>
+      <p:sp>
+        <p:nvSpPr>
+          <p:cNvPr id="2" name="Slide Image Placeholder 1"/>
+          <p:cNvSpPr>
+            <a:spLocks noGrp="1" noRot="1" noChangeAspect="1"/>
+          </p:cNvSpPr>
+          <p:nvPr>
+            <p:ph type="sldImg"/>
+          </p:nvPr>
+        </p:nvSpPr>
+        <p:spPr/>
+      </p:sp>
+      <p:sp>
+        <p:nvSpPr>
+          <p:cNvPr id="3" name="Notes Placeholder 2"/>
+          <p:cNvSpPr>
+            <a:spLocks noGrp="1"/>
+          </p:cNvSpPr>
+          <p:nvPr>
+            <p:ph type="body" idx="1"/>
+          </p:nvPr>
+        </p:nvSpPr>
+        <p:spPr/>
+        <p:txBody>
+          <a:bodyPr/>
+          <a:lstStyle/>
+          <a:p>
+            <a:endParaRPr lang="en-US" dirty="0"/>
+          </a:p>
+        </p:txBody>
+      </p:sp>
+      <p:sp>
+        <p:nvSpPr>
+          <p:cNvPr id="4" name="Header Placeholder 3"/>
+          <p:cNvSpPr>
+            <a:spLocks noGrp="1"/>
+          </p:cNvSpPr>
+          <p:nvPr>
+            <p:ph type="hdr" sz="quarter" idx="10"/>
+          </p:nvPr>
+        </p:nvSpPr>
+        <p:spPr/>
+        <p:txBody>
+          <a:bodyPr/>
+          <a:lstStyle/>
+          <a:p>
+            <a:endParaRPr lang="en-US" dirty="0"/>
+          </a:p>
+        </p:txBody>
+      </p:sp>
+      <p:sp>
+        <p:nvSpPr>
+          <p:cNvPr id="5" name="Footer Placeholder 4"/>
+          <p:cNvSpPr>
+            <a:spLocks noGrp="1"/>
+          </p:cNvSpPr>
+          <p:nvPr>
+            <p:ph type="ftr" sz="quarter" idx="11"/>
+          </p:nvPr>
+        </p:nvSpPr>
+        <p:spPr/>
+        <p:txBody>
+          <a:bodyPr/>
+          <a:lstStyle/>
+          <a:p>
+            <a:pPr defTabSz="914099" eaLnBrk="0" hangingPunct="0"/>
+            <a:r>
+              <a:rPr lang="en-US" sz="400">
+                <a:gradFill>
+                  <a:gsLst>
+                    <a:gs pos="0">
+                      <a:prstClr val="black"/>
+                    </a:gs>
+                    <a:gs pos="100000">
+                      <a:prstClr val="black"/>
+                    </a:gs>
+                  </a:gsLst>
+                  <a:lin ang="5400000" scaled="0"/>
+                </a:gradFill>
+                <a:latin typeface="Segoe UI" pitchFamily="34" charset="0"/>
+                <a:ea typeface="Segoe UI" pitchFamily="34" charset="0"/>
+                <a:cs typeface="Segoe UI" pitchFamily="34" charset="0"/>
+              </a:rPr>
+              <a:t>© Microsoft Corporation. All rights reserved. MICROSOFT MAKES NO WARRANTIES, EXPRESS, IMPLIED OR STATUTORY, AS TO THE INFORMATION IN THIS PRESENTATION.</a:t>
+            </a:r>
+            <a:endParaRPr lang="en-US" sz="400" dirty="0">
+              <a:gradFill>
+                <a:gsLst>
+                  <a:gs pos="0">
+                    <a:prstClr val="black"/>
+                  </a:gs>
+                  <a:gs pos="100000">
+                    <a:prstClr val="black"/>
+                  </a:gs>
+                </a:gsLst>
+                <a:lin ang="5400000" scaled="0"/>
+              </a:gradFill>
+              <a:latin typeface="Segoe UI" pitchFamily="34" charset="0"/>
+              <a:ea typeface="Segoe UI" pitchFamily="34" charset="0"/>
+              <a:cs typeface="Segoe UI" pitchFamily="34" charset="0"/>
+            </a:endParaRPr>
+          </a:p>
+        </p:txBody>
+      </p:sp>
+      <p:sp>
+        <p:nvSpPr>
+          <p:cNvPr id="6" name="Date Placeholder 5"/>
+          <p:cNvSpPr>
+            <a:spLocks noGrp="1"/>
+          </p:cNvSpPr>
+          <p:nvPr>
+            <p:ph type="dt" idx="12"/>
+          </p:nvPr>
+        </p:nvSpPr>
+        <p:spPr/>
+        <p:txBody>
+          <a:bodyPr/>
+          <a:lstStyle/>
+          <a:p>
+            <a:fld id="{D18B56EA-E28F-4F92-9F16-7A6F2501B303}" type="datetime8">
+              <a:rPr lang="en-US" smtClean="0"/>
+              <a:t>3/6/20 7:20 AM</a:t>
+            </a:fld>
+            <a:endParaRPr lang="en-US" dirty="0"/>
+          </a:p>
+        </p:txBody>
+      </p:sp>
+      <p:sp>
+        <p:nvSpPr>
+          <p:cNvPr id="7" name="Slide Number Placeholder 6"/>
+          <p:cNvSpPr>
+            <a:spLocks noGrp="1"/>
+          </p:cNvSpPr>
+          <p:nvPr>
+            <p:ph type="sldNum" sz="quarter" idx="13"/>
+          </p:nvPr>
+        </p:nvSpPr>
+        <p:spPr/>
+        <p:txBody>
+          <a:bodyPr/>
+          <a:lstStyle/>
+          <a:p>
+            <a:fld id="{B4008EB6-D09E-4580-8CD6-DDB14511944F}" type="slidenum">
+              <a:rPr lang="en-US" smtClean="0"/>
+              <a:pPr/>
+              <a:t>16</a:t>
+            </a:fld>
+            <a:endParaRPr lang="en-US" dirty="0"/>
+          </a:p>
+        </p:txBody>
+      </p:sp>
+    </p:spTree>
+    <p:extLst>
+      <p:ext uri="{BB962C8B-B14F-4D97-AF65-F5344CB8AC3E}">
+        <p14:creationId xmlns:p14="http://schemas.microsoft.com/office/powerpoint/2010/main" val="3282806226"/>
+      </p:ext>
+    </p:extLst>
+  </p:cSld>
+  <p:clrMapOvr>
+    <a:masterClrMapping/>
+  </p:clrMapOvr>
+</p:notes>
+</file>
+
+<file path=ppt/notesSlides/notesSlide16.xml><?xml version="1.0" encoding="utf-8"?>
+<p:notes xmlns:a="http://schemas.openxmlformats.org/drawingml/2006/main" xmlns:r="http://schemas.openxmlformats.org/officeDocument/2006/relationships" xmlns:p="http://schemas.openxmlformats.org/presentationml/2006/main">
+  <p:cSld>
+    <p:spTree>
+      <p:nvGrpSpPr>
+        <p:cNvPr id="1" name=""/>
+        <p:cNvGrpSpPr/>
+        <p:nvPr/>
+      </p:nvGrpSpPr>
+      <p:grpSpPr>
+        <a:xfrm>
+          <a:off x="0" y="0"/>
+          <a:ext cx="0" cy="0"/>
+          <a:chOff x="0" y="0"/>
+          <a:chExt cx="0" cy="0"/>
+        </a:xfrm>
+      </p:grpSpPr>
+      <p:sp>
+        <p:nvSpPr>
+          <p:cNvPr id="2" name="Slide Image Placeholder 1"/>
+          <p:cNvSpPr>
+            <a:spLocks noGrp="1" noRot="1" noChangeAspect="1"/>
+          </p:cNvSpPr>
+          <p:nvPr>
+            <p:ph type="sldImg"/>
+          </p:nvPr>
+        </p:nvSpPr>
+        <p:spPr/>
+      </p:sp>
+      <p:sp>
+        <p:nvSpPr>
+          <p:cNvPr id="3" name="Notes Placeholder 2"/>
+          <p:cNvSpPr>
+            <a:spLocks noGrp="1"/>
+          </p:cNvSpPr>
+          <p:nvPr>
+            <p:ph type="body" idx="1"/>
+          </p:nvPr>
+        </p:nvSpPr>
+        <p:spPr/>
+        <p:txBody>
+          <a:bodyPr/>
+          <a:lstStyle/>
+          <a:p>
+            <a:endParaRPr lang="en-US"/>
+          </a:p>
+        </p:txBody>
+      </p:sp>
+      <p:sp>
+        <p:nvSpPr>
+          <p:cNvPr id="4" name="Header Placeholder 3"/>
+          <p:cNvSpPr>
+            <a:spLocks noGrp="1"/>
+          </p:cNvSpPr>
+          <p:nvPr>
+            <p:ph type="hdr" sz="quarter" idx="10"/>
+          </p:nvPr>
+        </p:nvSpPr>
+        <p:spPr/>
+        <p:txBody>
+          <a:bodyPr/>
+          <a:lstStyle/>
+          <a:p>
+            <a:endParaRPr lang="en-US" dirty="0"/>
+          </a:p>
+        </p:txBody>
+      </p:sp>
+      <p:sp>
+        <p:nvSpPr>
+          <p:cNvPr id="5" name="Footer Placeholder 4"/>
+          <p:cNvSpPr>
+            <a:spLocks noGrp="1"/>
+          </p:cNvSpPr>
+          <p:nvPr>
+            <p:ph type="ftr" sz="quarter" idx="11"/>
+          </p:nvPr>
+        </p:nvSpPr>
+        <p:spPr/>
+        <p:txBody>
+          <a:bodyPr/>
+          <a:lstStyle/>
+          <a:p>
+            <a:pPr defTabSz="914099" eaLnBrk="0" hangingPunct="0"/>
+            <a:r>
+              <a:rPr lang="en-US" sz="400">
+                <a:gradFill>
+                  <a:gsLst>
+                    <a:gs pos="0">
+                      <a:prstClr val="black"/>
+                    </a:gs>
+                    <a:gs pos="100000">
+                      <a:prstClr val="black"/>
+                    </a:gs>
+                  </a:gsLst>
+                  <a:lin ang="5400000" scaled="0"/>
+                </a:gradFill>
+                <a:latin typeface="Segoe UI" pitchFamily="34" charset="0"/>
+                <a:ea typeface="Segoe UI" pitchFamily="34" charset="0"/>
+                <a:cs typeface="Segoe UI" pitchFamily="34" charset="0"/>
+              </a:rPr>
+              <a:t>© Microsoft Corporation. All rights reserved. MICROSOFT MAKES NO WARRANTIES, EXPRESS, IMPLIED OR STATUTORY, AS TO THE INFORMATION IN THIS PRESENTATION.</a:t>
+            </a:r>
+            <a:endParaRPr lang="en-US" sz="400" dirty="0">
+              <a:gradFill>
+                <a:gsLst>
+                  <a:gs pos="0">
+                    <a:prstClr val="black"/>
+                  </a:gs>
+                  <a:gs pos="100000">
+                    <a:prstClr val="black"/>
+                  </a:gs>
+                </a:gsLst>
+                <a:lin ang="5400000" scaled="0"/>
+              </a:gradFill>
+              <a:latin typeface="Segoe UI" pitchFamily="34" charset="0"/>
+              <a:ea typeface="Segoe UI" pitchFamily="34" charset="0"/>
+              <a:cs typeface="Segoe UI" pitchFamily="34" charset="0"/>
+            </a:endParaRPr>
+          </a:p>
+        </p:txBody>
+      </p:sp>
+      <p:sp>
+        <p:nvSpPr>
+          <p:cNvPr id="6" name="Date Placeholder 5"/>
+          <p:cNvSpPr>
+            <a:spLocks noGrp="1"/>
+          </p:cNvSpPr>
+          <p:nvPr>
+            <p:ph type="dt" idx="12"/>
+          </p:nvPr>
+        </p:nvSpPr>
+        <p:spPr/>
+        <p:txBody>
+          <a:bodyPr/>
+          <a:lstStyle/>
+          <a:p>
+            <a:fld id="{D18B56EA-E28F-4F92-9F16-7A6F2501B303}" type="datetime8">
+              <a:rPr lang="en-US" smtClean="0"/>
+              <a:t>3/6/20 7:20 AM</a:t>
+            </a:fld>
+            <a:endParaRPr lang="en-US" dirty="0"/>
+          </a:p>
+        </p:txBody>
+      </p:sp>
+      <p:sp>
+        <p:nvSpPr>
+          <p:cNvPr id="7" name="Slide Number Placeholder 6"/>
+          <p:cNvSpPr>
+            <a:spLocks noGrp="1"/>
+          </p:cNvSpPr>
+          <p:nvPr>
+            <p:ph type="sldNum" sz="quarter" idx="13"/>
+          </p:nvPr>
+        </p:nvSpPr>
+        <p:spPr/>
+        <p:txBody>
+          <a:bodyPr/>
+          <a:lstStyle/>
+          <a:p>
+            <a:fld id="{B4008EB6-D09E-4580-8CD6-DDB14511944F}" type="slidenum">
+              <a:rPr lang="en-US" smtClean="0"/>
+              <a:pPr/>
+              <a:t>17</a:t>
+            </a:fld>
+            <a:endParaRPr lang="en-US" dirty="0"/>
+          </a:p>
+        </p:txBody>
+      </p:sp>
+    </p:spTree>
+    <p:extLst>
+      <p:ext uri="{BB962C8B-B14F-4D97-AF65-F5344CB8AC3E}">
+        <p14:creationId xmlns:p14="http://schemas.microsoft.com/office/powerpoint/2010/main" val="2510823477"/>
+      </p:ext>
+    </p:extLst>
+  </p:cSld>
+  <p:clrMapOvr>
+    <a:masterClrMapping/>
+  </p:clrMapOvr>
+</p:notes>
+</file>
+
+<file path=ppt/notesSlides/notesSlide17.xml><?xml version="1.0" encoding="utf-8"?>
+<p:notes xmlns:a="http://schemas.openxmlformats.org/drawingml/2006/main" xmlns:r="http://schemas.openxmlformats.org/officeDocument/2006/relationships" xmlns:p="http://schemas.openxmlformats.org/presentationml/2006/main">
+  <p:cSld>
+    <p:spTree>
+      <p:nvGrpSpPr>
+        <p:cNvPr id="1" name=""/>
+        <p:cNvGrpSpPr/>
+        <p:nvPr/>
+      </p:nvGrpSpPr>
+      <p:grpSpPr>
+        <a:xfrm>
+          <a:off x="0" y="0"/>
+          <a:ext cx="0" cy="0"/>
+          <a:chOff x="0" y="0"/>
+          <a:chExt cx="0" cy="0"/>
+        </a:xfrm>
+      </p:grpSpPr>
+      <p:sp>
+        <p:nvSpPr>
+          <p:cNvPr id="2" name="Slide Image Placeholder 1"/>
+          <p:cNvSpPr>
+            <a:spLocks noGrp="1" noRot="1" noChangeAspect="1"/>
+          </p:cNvSpPr>
+          <p:nvPr>
+            <p:ph type="sldImg"/>
+          </p:nvPr>
+        </p:nvSpPr>
+        <p:spPr/>
+      </p:sp>
+      <p:sp>
+        <p:nvSpPr>
+          <p:cNvPr id="3" name="Notes Placeholder 2"/>
+          <p:cNvSpPr>
+            <a:spLocks noGrp="1"/>
+          </p:cNvSpPr>
+          <p:nvPr>
+            <p:ph type="body" idx="1"/>
+          </p:nvPr>
+        </p:nvSpPr>
+        <p:spPr/>
+        <p:txBody>
+          <a:bodyPr/>
+          <a:lstStyle/>
+          <a:p>
+            <a:endParaRPr lang="en-US"/>
+          </a:p>
+        </p:txBody>
+      </p:sp>
+      <p:sp>
+        <p:nvSpPr>
+          <p:cNvPr id="4" name="Header Placeholder 3"/>
+          <p:cNvSpPr>
+            <a:spLocks noGrp="1"/>
+          </p:cNvSpPr>
+          <p:nvPr>
+            <p:ph type="hdr" sz="quarter" idx="10"/>
+          </p:nvPr>
+        </p:nvSpPr>
+        <p:spPr/>
+        <p:txBody>
+          <a:bodyPr/>
+          <a:lstStyle/>
+          <a:p>
+            <a:endParaRPr lang="en-US" dirty="0"/>
+          </a:p>
+        </p:txBody>
+      </p:sp>
+      <p:sp>
+        <p:nvSpPr>
+          <p:cNvPr id="5" name="Footer Placeholder 4"/>
+          <p:cNvSpPr>
+            <a:spLocks noGrp="1"/>
+          </p:cNvSpPr>
+          <p:nvPr>
+            <p:ph type="ftr" sz="quarter" idx="11"/>
+          </p:nvPr>
+        </p:nvSpPr>
+        <p:spPr/>
+        <p:txBody>
+          <a:bodyPr/>
+          <a:lstStyle/>
+          <a:p>
+            <a:pPr defTabSz="914099" eaLnBrk="0" hangingPunct="0"/>
+            <a:r>
+              <a:rPr lang="en-US" sz="400">
+                <a:gradFill>
+                  <a:gsLst>
+                    <a:gs pos="0">
+                      <a:prstClr val="black"/>
+                    </a:gs>
+                    <a:gs pos="100000">
+                      <a:prstClr val="black"/>
+                    </a:gs>
+                  </a:gsLst>
+                  <a:lin ang="5400000" scaled="0"/>
+                </a:gradFill>
+                <a:latin typeface="Segoe UI" pitchFamily="34" charset="0"/>
+                <a:ea typeface="Segoe UI" pitchFamily="34" charset="0"/>
+                <a:cs typeface="Segoe UI" pitchFamily="34" charset="0"/>
+              </a:rPr>
+              <a:t>© Microsoft Corporation. All rights reserved. MICROSOFT MAKES NO WARRANTIES, EXPRESS, IMPLIED OR STATUTORY, AS TO THE INFORMATION IN THIS PRESENTATION.</a:t>
+            </a:r>
+            <a:endParaRPr lang="en-US" sz="400" dirty="0">
+              <a:gradFill>
+                <a:gsLst>
+                  <a:gs pos="0">
+                    <a:prstClr val="black"/>
+                  </a:gs>
+                  <a:gs pos="100000">
+                    <a:prstClr val="black"/>
+                  </a:gs>
+                </a:gsLst>
+                <a:lin ang="5400000" scaled="0"/>
+              </a:gradFill>
+              <a:latin typeface="Segoe UI" pitchFamily="34" charset="0"/>
+              <a:ea typeface="Segoe UI" pitchFamily="34" charset="0"/>
+              <a:cs typeface="Segoe UI" pitchFamily="34" charset="0"/>
+            </a:endParaRPr>
+          </a:p>
+        </p:txBody>
+      </p:sp>
+      <p:sp>
+        <p:nvSpPr>
+          <p:cNvPr id="6" name="Date Placeholder 5"/>
+          <p:cNvSpPr>
+            <a:spLocks noGrp="1"/>
+          </p:cNvSpPr>
+          <p:nvPr>
+            <p:ph type="dt" idx="12"/>
+          </p:nvPr>
+        </p:nvSpPr>
+        <p:spPr/>
+        <p:txBody>
+          <a:bodyPr/>
+          <a:lstStyle/>
+          <a:p>
+            <a:fld id="{D18B56EA-E28F-4F92-9F16-7A6F2501B303}" type="datetime8">
+              <a:rPr lang="en-US" smtClean="0"/>
+              <a:t>3/6/20 7:20 AM</a:t>
             </a:fld>
             <a:endParaRPr lang="en-US" dirty="0"/>
           </a:p>
@@ -1407,7 +2602,13 @@
           <a:bodyPr/>
           <a:lstStyle/>
           <a:p>
-            <a:endParaRPr lang="en-US"/>
+            <a:r>
+              <a:rPr lang="en-US" dirty="0"/>
+              <a:t>In this unit, you'll learn how to incorporate Microsoft Graph into your custom SharePoint Framework solutions.</a:t>
+            </a:r>
+          </a:p>
+          <a:p>
+            <a:endParaRPr lang="en-US" dirty="0"/>
           </a:p>
         </p:txBody>
       </p:sp>
@@ -1501,7 +2702,7 @@
           <a:p>
             <a:fld id="{D18B56EA-E28F-4F92-9F16-7A6F2501B303}" type="datetime8">
               <a:rPr lang="en-US" smtClean="0"/>
-              <a:t>6/8/2019 7:51 PM</a:t>
+              <a:t>3/6/20 2:27 PM</a:t>
             </a:fld>
             <a:endParaRPr lang="en-US" dirty="0"/>
           </a:p>
@@ -1607,27 +2808,94 @@
             </a:pPr>
             <a:r>
               <a:rPr lang="en-US" dirty="0"/>
-              <a:t>Our Office 365 developer vision focuses on the</a:t>
-            </a:r>
-            <a:r>
-              <a:rPr lang="en-US" baseline="0" dirty="0"/>
-              <a:t> </a:t>
-            </a:r>
-            <a:r>
-              <a:rPr lang="en-US" dirty="0"/>
-              <a:t>Users’ experience and their data.</a:t>
-            </a:r>
-            <a:r>
-              <a:rPr lang="en-US" baseline="0" dirty="0"/>
-              <a:t> As a developer you can bring your applications into their user experience. With over 1.2+ billion users of Office Worldwide, this is a huge opportunity to provide a window into your applications. As well as being able to connect into their data and add intelligence to your applications. There are currently 850 million events created a month and a total of 470Pb+ of data stored in the service that can add value to for our Users’.</a:t>
-            </a:r>
+              <a:t>The Microsoft 365 developer vision focuses on the user's experience and their data and as a developer you can bring your application into the user experience with over 1.2 billion users of office worldwide. This is a huge opportunity to provide a window into your application and to enable users to connect into their data to intelligence to your application.</a:t>
+            </a:r>
+          </a:p>
+          <a:p>
+            <a:pPr marL="0" marR="0" indent="0" algn="l" defTabSz="914400" rtl="0" eaLnBrk="1" fontAlgn="auto" latinLnBrk="0" hangingPunct="1">
+              <a:lnSpc>
+                <a:spcPct val="100000"/>
+              </a:lnSpc>
+              <a:spcBef>
+                <a:spcPts val="0"/>
+              </a:spcBef>
+              <a:spcAft>
+                <a:spcPts val="0"/>
+              </a:spcAft>
+              <a:buClrTx/>
+              <a:buSzTx/>
+              <a:buFontTx/>
+              <a:buNone/>
+              <a:tabLst/>
+              <a:defRPr/>
+            </a:pPr>
             <a:endParaRPr lang="en-US" dirty="0"/>
           </a:p>
           <a:p>
+            <a:pPr marL="0" marR="0" indent="0" algn="l" defTabSz="914400" rtl="0" eaLnBrk="1" fontAlgn="auto" latinLnBrk="0" hangingPunct="1">
+              <a:lnSpc>
+                <a:spcPct val="100000"/>
+              </a:lnSpc>
+              <a:spcBef>
+                <a:spcPts val="0"/>
+              </a:spcBef>
+              <a:spcAft>
+                <a:spcPts val="0"/>
+              </a:spcAft>
+              <a:buClrTx/>
+              <a:buSzTx/>
+              <a:buFontTx/>
+              <a:buNone/>
+              <a:tabLst/>
+              <a:defRPr/>
+            </a:pPr>
+            <a:r>
+              <a:rPr lang="en-US" dirty="0"/>
+              <a:t>There are currently over 850 million events created each month and a total of over 400 petabytes of data stored in the service that can add value for your users.</a:t>
+            </a:r>
+          </a:p>
+          <a:p>
+            <a:pPr marL="0" marR="0" indent="0" algn="l" defTabSz="914400" rtl="0" eaLnBrk="1" fontAlgn="auto" latinLnBrk="0" hangingPunct="1">
+              <a:lnSpc>
+                <a:spcPct val="100000"/>
+              </a:lnSpc>
+              <a:spcBef>
+                <a:spcPts val="0"/>
+              </a:spcBef>
+              <a:spcAft>
+                <a:spcPts val="0"/>
+              </a:spcAft>
+              <a:buClrTx/>
+              <a:buSzTx/>
+              <a:buFontTx/>
+              <a:buNone/>
+              <a:tabLst/>
+              <a:defRPr/>
+            </a:pPr>
             <a:endParaRPr lang="en-US" dirty="0"/>
           </a:p>
           <a:p>
-            <a:endParaRPr lang="en-US" dirty="0"/>
+            <a:pPr marL="0" marR="0" indent="0" algn="l" defTabSz="914400" rtl="0" eaLnBrk="1" fontAlgn="auto" latinLnBrk="0" hangingPunct="1">
+              <a:lnSpc>
+                <a:spcPct val="100000"/>
+              </a:lnSpc>
+              <a:spcBef>
+                <a:spcPts val="0"/>
+              </a:spcBef>
+              <a:spcAft>
+                <a:spcPts val="0"/>
+              </a:spcAft>
+              <a:buClrTx/>
+              <a:buSzTx/>
+              <a:buFontTx/>
+              <a:buNone/>
+              <a:tabLst/>
+              <a:defRPr/>
+            </a:pPr>
+            <a:r>
+              <a:rPr lang="en-US" dirty="0"/>
+              <a:t>The Microsoft Graph is the gateway to your data in the Microsoft cloud as you see there.</a:t>
+            </a:r>
           </a:p>
         </p:txBody>
       </p:sp>
@@ -1774,7 +3042,7 @@
                 <a:tabLst/>
                 <a:defRPr/>
               </a:pPr>
-              <a:t>6/8/2019</a:t>
+              <a:t>3/6/20</a:t>
             </a:fld>
             <a:endParaRPr kumimoji="0" lang="en-US" sz="1800" b="0" i="0" u="none" strike="noStrike" kern="0" cap="none" spc="0" normalizeH="0" baseline="0" noProof="0" dirty="0">
               <a:ln>
@@ -1926,7 +3194,34 @@
           <a:p>
             <a:r>
               <a:rPr lang="en-US" dirty="0"/>
-              <a:t>Let’s review from the previous section</a:t>
+              <a:t>The Microsoft cloud is included of multiple services and data types that we can take advantage of from Office 365, and it's all considered part of the Microsoft 365 platform.</a:t>
+            </a:r>
+          </a:p>
+          <a:p>
+            <a:endParaRPr lang="en-US" dirty="0"/>
+          </a:p>
+          <a:p>
+            <a:r>
+              <a:rPr lang="en-US" dirty="0"/>
+              <a:t>Developers can integrate the signed-in user's email, calendar, contacts, and tasks into custom apps. We can work with content in SharePoint sites and lists files in OneDrive, channels and content within Microsoft Teams, and users in Azure Active Directory (Azure AD).</a:t>
+            </a:r>
+          </a:p>
+          <a:p>
+            <a:endParaRPr lang="en-US" dirty="0"/>
+          </a:p>
+          <a:p>
+            <a:r>
+              <a:rPr lang="en-US" dirty="0"/>
+              <a:t>There are many different services that developers can take advantage of in their custom apps. Many of these services have their own APIs developers can interact with.</a:t>
+            </a:r>
+          </a:p>
+          <a:p>
+            <a:endParaRPr lang="en-US" dirty="0"/>
+          </a:p>
+          <a:p>
+            <a:r>
+              <a:rPr lang="en-US" dirty="0"/>
+              <a:t>However, this can be challenging to go to each of these individual services with their individual endpoints. Each API may have its own permission model, which means they have individual access control configurations. Different endpoints for each service mean our custom applications will need to obtain an access token from Azure AD for each one.</a:t>
             </a:r>
           </a:p>
         </p:txBody>
@@ -1938,7 +3233,7 @@
             <a:spLocks noGrp="1"/>
           </p:cNvSpPr>
           <p:nvPr>
-            <p:ph type="hdr" sz="quarter" idx="10"/>
+            <p:ph type="hdr" sz="quarter"/>
           </p:nvPr>
         </p:nvSpPr>
         <p:spPr/>
@@ -1946,6 +3241,10 @@
           <a:bodyPr/>
           <a:lstStyle/>
           <a:p>
+            <a:r>
+              <a:rPr lang="en-US"/>
+              <a:t>SharePoint Framework</a:t>
+            </a:r>
             <a:endParaRPr lang="en-US" dirty="0"/>
           </a:p>
         </p:txBody>
@@ -1957,7 +3256,7 @@
             <a:spLocks noGrp="1"/>
           </p:cNvSpPr>
           <p:nvPr>
-            <p:ph type="ftr" sz="quarter" idx="11"/>
+            <p:ph type="ftr" sz="quarter" idx="4"/>
           </p:nvPr>
         </p:nvSpPr>
         <p:spPr/>
@@ -2011,7 +3310,7 @@
             <a:spLocks noGrp="1"/>
           </p:cNvSpPr>
           <p:nvPr>
-            <p:ph type="dt" idx="12"/>
+            <p:ph type="dt" idx="1"/>
           </p:nvPr>
         </p:nvSpPr>
         <p:spPr/>
@@ -2021,7 +3320,7 @@
           <a:p>
             <a:fld id="{D18B56EA-E28F-4F92-9F16-7A6F2501B303}" type="datetime8">
               <a:rPr lang="en-US" smtClean="0"/>
-              <a:t>6/8/2019 7:51 PM</a:t>
+              <a:t>3/6/20 2:26 PM</a:t>
             </a:fld>
             <a:endParaRPr lang="en-US" dirty="0"/>
           </a:p>
@@ -2034,7 +3333,7 @@
             <a:spLocks noGrp="1"/>
           </p:cNvSpPr>
           <p:nvPr>
-            <p:ph type="sldNum" sz="quarter" idx="13"/>
+            <p:ph type="sldNum" sz="quarter" idx="5"/>
           </p:nvPr>
         </p:nvSpPr>
         <p:spPr/>
@@ -2045,7 +3344,7 @@
             <a:fld id="{B4008EB6-D09E-4580-8CD6-DDB14511944F}" type="slidenum">
               <a:rPr lang="en-US" smtClean="0"/>
               <a:pPr/>
-              <a:t>6</a:t>
+              <a:t>4</a:t>
             </a:fld>
             <a:endParaRPr lang="en-US" dirty="0"/>
           </a:p>
@@ -2054,7 +3353,7 @@
     </p:spTree>
     <p:extLst>
       <p:ext uri="{BB962C8B-B14F-4D97-AF65-F5344CB8AC3E}">
-        <p14:creationId xmlns:p14="http://schemas.microsoft.com/office/powerpoint/2010/main" val="807458907"/>
+        <p14:creationId xmlns:p14="http://schemas.microsoft.com/office/powerpoint/2010/main" val="1164756505"/>
       </p:ext>
     </p:extLst>
   </p:cSld>
@@ -2108,7 +3407,36 @@
           <a:bodyPr/>
           <a:lstStyle/>
           <a:p>
+            <a:r>
+              <a:rPr lang="en-US" dirty="0"/>
+              <a:t>One of the benefits of Microsoft Graph is that it serves as a proxy endpoint to all of these other services. Microsoft Graph encompass things such as Office 365, Windows 10 enterprise mobility and security (EMS), and it brings all of these different services under one unified endpoint: **</a:t>
+            </a:r>
+            <a:r>
+              <a:rPr lang="en-US" dirty="0" err="1"/>
+              <a:t>graph.microsoft.com</a:t>
+            </a:r>
+            <a:r>
+              <a:rPr lang="en-US" dirty="0"/>
+              <a:t>**.</a:t>
+            </a:r>
+          </a:p>
+          <a:p>
             <a:endParaRPr lang="en-US" dirty="0"/>
+          </a:p>
+          <a:p>
+            <a:r>
+              <a:rPr lang="en-US" dirty="0"/>
+              <a:t>The advantage to using Microsoft Graph is that it allows developers to just have a single endpoint, a resource, which means you're only going to need a single access token authenticate the different services. Each service still has its own individual permissions so that everything is still secured in an individual way. A single endpoint makes it easier for developers to build applications.</a:t>
+            </a:r>
+          </a:p>
+          <a:p>
+            <a:endParaRPr lang="en-US" dirty="0"/>
+          </a:p>
+          <a:p>
+            <a:r>
+              <a:rPr lang="en-US" dirty="0"/>
+              <a:t>Microsoft Graph also enables easy navigation of entities and the relationships between entities. While there are many different Microsoft 365 services such as OneDrive for files, or Outlook for contacts and calendars, these different entities are related to each other. These relationships are in Microsoft Graph, which makes it easy to navigate from one entity to another, even if it crosses different underlying endpoints.</a:t>
+            </a:r>
           </a:p>
         </p:txBody>
       </p:sp>
@@ -2127,6 +3455,10 @@
           <a:bodyPr/>
           <a:lstStyle/>
           <a:p>
+            <a:r>
+              <a:rPr lang="en-US"/>
+              <a:t>SharePoint Framework</a:t>
+            </a:r>
             <a:endParaRPr lang="en-US" dirty="0"/>
           </a:p>
         </p:txBody>
@@ -2202,7 +3534,7 @@
           <a:p>
             <a:fld id="{D18B56EA-E28F-4F92-9F16-7A6F2501B303}" type="datetime8">
               <a:rPr lang="en-US" smtClean="0"/>
-              <a:t>6/8/2019 7:51 PM</a:t>
+              <a:t>3/6/20 2:26 PM</a:t>
             </a:fld>
             <a:endParaRPr lang="en-US" dirty="0"/>
           </a:p>
@@ -2226,7 +3558,7 @@
             <a:fld id="{B4008EB6-D09E-4580-8CD6-DDB14511944F}" type="slidenum">
               <a:rPr lang="en-US" smtClean="0"/>
               <a:pPr/>
-              <a:t>8</a:t>
+              <a:t>5</a:t>
             </a:fld>
             <a:endParaRPr lang="en-US" dirty="0"/>
           </a:p>
@@ -2235,7 +3567,7 @@
     </p:spTree>
     <p:extLst>
       <p:ext uri="{BB962C8B-B14F-4D97-AF65-F5344CB8AC3E}">
-        <p14:creationId xmlns:p14="http://schemas.microsoft.com/office/powerpoint/2010/main" val="902992512"/>
+        <p14:creationId xmlns:p14="http://schemas.microsoft.com/office/powerpoint/2010/main" val="1027802189"/>
       </p:ext>
     </p:extLst>
   </p:cSld>
@@ -2289,7 +3621,43 @@
           <a:bodyPr/>
           <a:lstStyle/>
           <a:p>
+            <a:r>
+              <a:rPr lang="en-US" dirty="0"/>
+              <a:t>Microsoft Graph is accessible as a REST API so developers can use any technology that supports submitting and processing an HTTP request to an endpoint. Microsoft also offers many different SDKs for Microsoft Graph for different platforms and technologies to improve developer productivity.</a:t>
+            </a:r>
+          </a:p>
+          <a:p>
             <a:endParaRPr lang="en-US" dirty="0"/>
+          </a:p>
+          <a:p>
+            <a:r>
+              <a:rPr lang="en-US" dirty="0"/>
+              <a:t>One of the options offered by Microsoft is the [Microsoft Graph JavaScript SDK](https://</a:t>
+            </a:r>
+            <a:r>
+              <a:rPr lang="en-US" dirty="0" err="1"/>
+              <a:t>github.com</a:t>
+            </a:r>
+            <a:r>
+              <a:rPr lang="en-US" dirty="0"/>
+              <a:t>/</a:t>
+            </a:r>
+            <a:r>
+              <a:rPr lang="en-US" dirty="0" err="1"/>
+              <a:t>microsoftgraph</a:t>
+            </a:r>
+            <a:r>
+              <a:rPr lang="en-US" dirty="0"/>
+              <a:t>/</a:t>
+            </a:r>
+            <a:r>
+              <a:rPr lang="en-US" dirty="0" err="1"/>
+              <a:t>msgraph-sdk-javascript</a:t>
+            </a:r>
+            <a:r>
+              <a:rPr lang="en-US" dirty="0"/>
+              <a:t>). After initializing the SDK with an OAuth 2.0 access token, you can use the SDK to submit requests to Microsoft Graph. The SDK communicates directly with the Microsoft Graph REST API and returns the results as well known objects. Microsoft also provides TypeScript type declarations for the SDK for TypeScript-based projects.</a:t>
+            </a:r>
           </a:p>
         </p:txBody>
       </p:sp>
@@ -2300,7 +3668,7 @@
             <a:spLocks noGrp="1"/>
           </p:cNvSpPr>
           <p:nvPr>
-            <p:ph type="hdr" sz="quarter"/>
+            <p:ph type="hdr" sz="quarter" idx="10"/>
           </p:nvPr>
         </p:nvSpPr>
         <p:spPr/>
@@ -2319,7 +3687,7 @@
             <a:spLocks noGrp="1"/>
           </p:cNvSpPr>
           <p:nvPr>
-            <p:ph type="ftr" sz="quarter" idx="4"/>
+            <p:ph type="ftr" sz="quarter" idx="11"/>
           </p:nvPr>
         </p:nvSpPr>
         <p:spPr/>
@@ -2373,7 +3741,7 @@
             <a:spLocks noGrp="1"/>
           </p:cNvSpPr>
           <p:nvPr>
-            <p:ph type="dt" idx="1"/>
+            <p:ph type="dt" idx="12"/>
           </p:nvPr>
         </p:nvSpPr>
         <p:spPr/>
@@ -2383,7 +3751,7 @@
           <a:p>
             <a:fld id="{D18B56EA-E28F-4F92-9F16-7A6F2501B303}" type="datetime8">
               <a:rPr lang="en-US" smtClean="0"/>
-              <a:t>6/8/2019 7:52 PM</a:t>
+              <a:t>3/6/20 2:26 PM</a:t>
             </a:fld>
             <a:endParaRPr lang="en-US" dirty="0"/>
           </a:p>
@@ -2396,7 +3764,7 @@
             <a:spLocks noGrp="1"/>
           </p:cNvSpPr>
           <p:nvPr>
-            <p:ph type="sldNum" sz="quarter" idx="5"/>
+            <p:ph type="sldNum" sz="quarter" idx="13"/>
           </p:nvPr>
         </p:nvSpPr>
         <p:spPr/>
@@ -2407,7 +3775,7 @@
             <a:fld id="{B4008EB6-D09E-4580-8CD6-DDB14511944F}" type="slidenum">
               <a:rPr lang="en-US" smtClean="0"/>
               <a:pPr/>
-              <a:t>11</a:t>
+              <a:t>6</a:t>
             </a:fld>
             <a:endParaRPr lang="en-US" dirty="0"/>
           </a:p>
@@ -2416,7 +3784,7 @@
     </p:spTree>
     <p:extLst>
       <p:ext uri="{BB962C8B-B14F-4D97-AF65-F5344CB8AC3E}">
-        <p14:creationId xmlns:p14="http://schemas.microsoft.com/office/powerpoint/2010/main" val="2636172898"/>
+        <p14:creationId xmlns:p14="http://schemas.microsoft.com/office/powerpoint/2010/main" val="807458907"/>
       </p:ext>
     </p:extLst>
   </p:cSld>
@@ -2470,6 +3838,70 @@
           <a:bodyPr/>
           <a:lstStyle/>
           <a:p>
+            <a:r>
+              <a:rPr lang="en-US" dirty="0"/>
+              <a:t>To use the JavaScript SDK, you must first initialize it. This is done by setting the OAuth 2.0 access token before you submit any requests to Microsoft Graph.</a:t>
+            </a:r>
+          </a:p>
+          <a:p>
+            <a:endParaRPr lang="en-US" dirty="0"/>
+          </a:p>
+          <a:p>
+            <a:r>
+              <a:rPr lang="en-US" dirty="0"/>
+              <a:t>Initialize the Microsoft Graph JavaScript SDK by calling the `</a:t>
+            </a:r>
+            <a:r>
+              <a:rPr lang="en-US" dirty="0" err="1"/>
+              <a:t>init</a:t>
+            </a:r>
+            <a:r>
+              <a:rPr lang="en-US" dirty="0"/>
+              <a:t>()` method and pass in an object with an `</a:t>
+            </a:r>
+            <a:r>
+              <a:rPr lang="en-US" dirty="0" err="1"/>
+              <a:t>authProvider</a:t>
+            </a:r>
+            <a:r>
+              <a:rPr lang="en-US" dirty="0"/>
+              <a:t>` implementation. The `</a:t>
+            </a:r>
+            <a:r>
+              <a:rPr lang="en-US" dirty="0" err="1"/>
+              <a:t>authProvider</a:t>
+            </a:r>
+            <a:r>
+              <a:rPr lang="en-US" dirty="0"/>
+              <a:t>` function contains one argument, a callback, that you call with two arguments. The second argument should be the access token.</a:t>
+            </a:r>
+          </a:p>
+          <a:p>
+            <a:endParaRPr lang="en-US" dirty="0"/>
+          </a:p>
+          <a:p>
+            <a:r>
+              <a:rPr lang="en-US" dirty="0"/>
+              <a:t>Once the Microsoft Graph client is initialized, you can submit requests to Microsoft Graph endpoints using the `</a:t>
+            </a:r>
+            <a:r>
+              <a:rPr lang="en-US" dirty="0" err="1"/>
+              <a:t>api</a:t>
+            </a:r>
+            <a:r>
+              <a:rPr lang="en-US" dirty="0"/>
+              <a:t>()` method. The JavaScript SDK is a fluent API, which means you can chain multiple methods together. For instance, to get the current user's information, you can call the `get()` method after calling the `</a:t>
+            </a:r>
+            <a:r>
+              <a:rPr lang="en-US" dirty="0" err="1"/>
+              <a:t>api</a:t>
+            </a:r>
+            <a:r>
+              <a:rPr lang="en-US" dirty="0"/>
+              <a:t>()` method.</a:t>
+            </a:r>
+          </a:p>
+          <a:p>
             <a:endParaRPr lang="en-US" dirty="0"/>
           </a:p>
         </p:txBody>
@@ -2489,6 +3921,10 @@
           <a:bodyPr/>
           <a:lstStyle/>
           <a:p>
+            <a:r>
+              <a:rPr lang="en-US"/>
+              <a:t>SharePoint Framework</a:t>
+            </a:r>
             <a:endParaRPr lang="en-US" dirty="0"/>
           </a:p>
         </p:txBody>
@@ -2564,7 +4000,7 @@
           <a:p>
             <a:fld id="{D18B56EA-E28F-4F92-9F16-7A6F2501B303}" type="datetime8">
               <a:rPr lang="en-US" smtClean="0"/>
-              <a:t>6/8/2019 7:51 PM</a:t>
+              <a:t>3/6/20 2:39 PM</a:t>
             </a:fld>
             <a:endParaRPr lang="en-US" dirty="0"/>
           </a:p>
@@ -2588,7 +4024,7 @@
             <a:fld id="{B4008EB6-D09E-4580-8CD6-DDB14511944F}" type="slidenum">
               <a:rPr lang="en-US" smtClean="0"/>
               <a:pPr/>
-              <a:t>13</a:t>
+              <a:t>7</a:t>
             </a:fld>
             <a:endParaRPr lang="en-US" dirty="0"/>
           </a:p>
@@ -2597,7 +4033,7 @@
     </p:spTree>
     <p:extLst>
       <p:ext uri="{BB962C8B-B14F-4D97-AF65-F5344CB8AC3E}">
-        <p14:creationId xmlns:p14="http://schemas.microsoft.com/office/powerpoint/2010/main" val="1784564579"/>
+        <p14:creationId xmlns:p14="http://schemas.microsoft.com/office/powerpoint/2010/main" val="2657823424"/>
       </p:ext>
     </p:extLst>
   </p:cSld>
@@ -2651,6 +4087,44 @@
           <a:bodyPr/>
           <a:lstStyle/>
           <a:p>
+            <a:r>
+              <a:rPr lang="en-US" dirty="0"/>
+              <a:t>While the Microsoft Graph JavaScript SDK is written in JavaScript, just like other libraries, you can use it in TypeScript applications including SharePoint Framework projects. Once the [Microsoft Graph TypeScript Type Definitions](https://</a:t>
+            </a:r>
+            <a:r>
+              <a:rPr lang="en-US" dirty="0" err="1"/>
+              <a:t>github.com</a:t>
+            </a:r>
+            <a:r>
+              <a:rPr lang="en-US" dirty="0"/>
+              <a:t>/</a:t>
+            </a:r>
+            <a:r>
+              <a:rPr lang="en-US" dirty="0" err="1"/>
+              <a:t>microsoftgraph</a:t>
+            </a:r>
+            <a:r>
+              <a:rPr lang="en-US" dirty="0"/>
+              <a:t>/</a:t>
+            </a:r>
+            <a:r>
+              <a:rPr lang="en-US" dirty="0" err="1"/>
+              <a:t>msgraph</a:t>
+            </a:r>
+            <a:r>
+              <a:rPr lang="en-US" dirty="0"/>
+              <a:t>-typescript-</a:t>
+            </a:r>
+            <a:r>
+              <a:rPr lang="en-US" dirty="0" err="1"/>
+              <a:t>typings</a:t>
+            </a:r>
+            <a:r>
+              <a:rPr lang="en-US" dirty="0"/>
+              <a:t>) are installed in TypeScript-based projects, you can then import relevant objects into your TypeScript files.</a:t>
+            </a:r>
+          </a:p>
+          <a:p>
             <a:endParaRPr lang="en-US" dirty="0"/>
           </a:p>
         </p:txBody>
@@ -2662,7 +4136,7 @@
             <a:spLocks noGrp="1"/>
           </p:cNvSpPr>
           <p:nvPr>
-            <p:ph type="hdr" sz="quarter" idx="10"/>
+            <p:ph type="hdr" sz="quarter"/>
           </p:nvPr>
         </p:nvSpPr>
         <p:spPr/>
@@ -2681,7 +4155,7 @@
             <a:spLocks noGrp="1"/>
           </p:cNvSpPr>
           <p:nvPr>
-            <p:ph type="ftr" sz="quarter" idx="11"/>
+            <p:ph type="ftr" sz="quarter" idx="4"/>
           </p:nvPr>
         </p:nvSpPr>
         <p:spPr/>
@@ -2735,7 +4209,7 @@
             <a:spLocks noGrp="1"/>
           </p:cNvSpPr>
           <p:nvPr>
-            <p:ph type="dt" idx="12"/>
+            <p:ph type="dt" idx="1"/>
           </p:nvPr>
         </p:nvSpPr>
         <p:spPr/>
@@ -2745,7 +4219,7 @@
           <a:p>
             <a:fld id="{D18B56EA-E28F-4F92-9F16-7A6F2501B303}" type="datetime8">
               <a:rPr lang="en-US" smtClean="0"/>
-              <a:t>6/8/2019 7:51 PM</a:t>
+              <a:t>3/6/20 2:43 PM</a:t>
             </a:fld>
             <a:endParaRPr lang="en-US" dirty="0"/>
           </a:p>
@@ -2758,7 +4232,7 @@
             <a:spLocks noGrp="1"/>
           </p:cNvSpPr>
           <p:nvPr>
-            <p:ph type="sldNum" sz="quarter" idx="13"/>
+            <p:ph type="sldNum" sz="quarter" idx="5"/>
           </p:nvPr>
         </p:nvSpPr>
         <p:spPr/>
@@ -2769,7 +4243,7 @@
             <a:fld id="{B4008EB6-D09E-4580-8CD6-DDB14511944F}" type="slidenum">
               <a:rPr lang="en-US" smtClean="0"/>
               <a:pPr/>
-              <a:t>14</a:t>
+              <a:t>8</a:t>
             </a:fld>
             <a:endParaRPr lang="en-US" dirty="0"/>
           </a:p>
@@ -2778,7 +4252,7 @@
     </p:spTree>
     <p:extLst>
       <p:ext uri="{BB962C8B-B14F-4D97-AF65-F5344CB8AC3E}">
-        <p14:creationId xmlns:p14="http://schemas.microsoft.com/office/powerpoint/2010/main" val="1390539867"/>
+        <p14:creationId xmlns:p14="http://schemas.microsoft.com/office/powerpoint/2010/main" val="902992512"/>
       </p:ext>
     </p:extLst>
   </p:cSld>
@@ -2832,6 +4306,62 @@
           <a:bodyPr/>
           <a:lstStyle/>
           <a:p>
+            <a:r>
+              <a:rPr lang="en-US" dirty="0"/>
+              <a:t>Install the Microsoft Graph TypeScript type declarations by executing the following statement on the command line:</a:t>
+            </a:r>
+          </a:p>
+          <a:p>
+            <a:endParaRPr lang="en-US" dirty="0"/>
+          </a:p>
+          <a:p>
+            <a:r>
+              <a:rPr lang="en-US" dirty="0"/>
+              <a:t>```shell</a:t>
+            </a:r>
+          </a:p>
+          <a:p>
+            <a:r>
+              <a:rPr lang="en-US" dirty="0" err="1"/>
+              <a:t>npm</a:t>
+            </a:r>
+            <a:r>
+              <a:rPr lang="en-US" dirty="0"/>
+              <a:t> install @</a:t>
+            </a:r>
+            <a:r>
+              <a:rPr lang="en-US" dirty="0" err="1"/>
+              <a:t>microsoft</a:t>
+            </a:r>
+            <a:r>
+              <a:rPr lang="en-US" dirty="0"/>
+              <a:t>/</a:t>
+            </a:r>
+            <a:r>
+              <a:rPr lang="en-US" dirty="0" err="1"/>
+              <a:t>microsoft</a:t>
+            </a:r>
+            <a:r>
+              <a:rPr lang="en-US" dirty="0"/>
+              <a:t>-graph-types --save-dev</a:t>
+            </a:r>
+          </a:p>
+          <a:p>
+            <a:r>
+              <a:rPr lang="en-US" dirty="0"/>
+              <a:t>```</a:t>
+            </a:r>
+          </a:p>
+          <a:p>
+            <a:endParaRPr lang="en-US" dirty="0"/>
+          </a:p>
+          <a:p>
+            <a:r>
+              <a:rPr lang="en-US" dirty="0"/>
+              <a:t>Once installed, you can then use the types in your projects:</a:t>
+            </a:r>
+          </a:p>
+          <a:p>
             <a:endParaRPr lang="en-US" dirty="0"/>
           </a:p>
         </p:txBody>
@@ -2843,7 +4373,7 @@
             <a:spLocks noGrp="1"/>
           </p:cNvSpPr>
           <p:nvPr>
-            <p:ph type="hdr" sz="quarter" idx="10"/>
+            <p:ph type="hdr" sz="quarter"/>
           </p:nvPr>
         </p:nvSpPr>
         <p:spPr/>
@@ -2851,6 +4381,10 @@
           <a:bodyPr/>
           <a:lstStyle/>
           <a:p>
+            <a:r>
+              <a:rPr lang="en-US"/>
+              <a:t>SharePoint Framework</a:t>
+            </a:r>
             <a:endParaRPr lang="en-US" dirty="0"/>
           </a:p>
         </p:txBody>
@@ -2862,7 +4396,7 @@
             <a:spLocks noGrp="1"/>
           </p:cNvSpPr>
           <p:nvPr>
-            <p:ph type="ftr" sz="quarter" idx="11"/>
+            <p:ph type="ftr" sz="quarter" idx="4"/>
           </p:nvPr>
         </p:nvSpPr>
         <p:spPr/>
@@ -2916,7 +4450,7 @@
             <a:spLocks noGrp="1"/>
           </p:cNvSpPr>
           <p:nvPr>
-            <p:ph type="dt" idx="12"/>
+            <p:ph type="dt" idx="1"/>
           </p:nvPr>
         </p:nvSpPr>
         <p:spPr/>
@@ -2926,7 +4460,7 @@
           <a:p>
             <a:fld id="{D18B56EA-E28F-4F92-9F16-7A6F2501B303}" type="datetime8">
               <a:rPr lang="en-US" smtClean="0"/>
-              <a:t>6/8/2019 7:51 PM</a:t>
+              <a:t>3/6/20 2:44 PM</a:t>
             </a:fld>
             <a:endParaRPr lang="en-US" dirty="0"/>
           </a:p>
@@ -2939,7 +4473,7 @@
             <a:spLocks noGrp="1"/>
           </p:cNvSpPr>
           <p:nvPr>
-            <p:ph type="sldNum" sz="quarter" idx="13"/>
+            <p:ph type="sldNum" sz="quarter" idx="5"/>
           </p:nvPr>
         </p:nvSpPr>
         <p:spPr/>
@@ -2950,7 +4484,7 @@
             <a:fld id="{B4008EB6-D09E-4580-8CD6-DDB14511944F}" type="slidenum">
               <a:rPr lang="en-US" smtClean="0"/>
               <a:pPr/>
-              <a:t>16</a:t>
+              <a:t>9</a:t>
             </a:fld>
             <a:endParaRPr lang="en-US" dirty="0"/>
           </a:p>
@@ -2959,7 +4493,7 @@
     </p:spTree>
     <p:extLst>
       <p:ext uri="{BB962C8B-B14F-4D97-AF65-F5344CB8AC3E}">
-        <p14:creationId xmlns:p14="http://schemas.microsoft.com/office/powerpoint/2010/main" val="3282806226"/>
+        <p14:creationId xmlns:p14="http://schemas.microsoft.com/office/powerpoint/2010/main" val="1643636725"/>
       </p:ext>
     </p:extLst>
   </p:cSld>
@@ -15494,7 +17028,7 @@
       </a:lvl9pPr>
     </p:otherStyle>
   </p:txStyles>
-  <p:extLst mod="1">
+  <p:extLst>
     <p:ext uri="{27BBF7A9-308A-43DC-89C8-2F10F3537804}">
       <p15:sldGuideLst xmlns:p15="http://schemas.microsoft.com/office/powerpoint/2012/main">
         <p15:guide id="3" pos="1381" userDrawn="1">
@@ -16473,7 +18007,7 @@
           <p:nvPr/>
         </p:nvPicPr>
         <p:blipFill>
-          <a:blip r:embed="rId2"/>
+          <a:blip r:embed="rId3"/>
           <a:stretch>
             <a:fillRect/>
           </a:stretch>
@@ -18909,7 +20443,6 @@
               <a:tailEnd type="none" w="med" len="med"/>
             </a:ln>
             <a:effectLst/>
-            <a:extLst/>
           </p:spPr>
           <p:style>
             <a:lnRef idx="1">
@@ -20101,7 +21634,6 @@
                   <a:headEnd/>
                   <a:tailEnd/>
                 </a:ln>
-                <a:extLst/>
               </p:spPr>
               <p:txBody>
                 <a:bodyPr vert="horz" wrap="square" lIns="89617" tIns="44808" rIns="89617" bIns="44808" numCol="1" anchor="t" anchorCtr="0" compatLnSpc="1">
@@ -20338,7 +21870,6 @@
                   <a:headEnd/>
                   <a:tailEnd/>
                 </a:ln>
-                <a:extLst/>
               </p:spPr>
               <p:txBody>
                 <a:bodyPr vert="horz" wrap="square" lIns="89617" tIns="44808" rIns="89617" bIns="44808" numCol="1" anchor="t" anchorCtr="0" compatLnSpc="1">
@@ -21861,7 +23392,6 @@
                 <a:headEnd/>
                 <a:tailEnd/>
               </a:ln>
-              <a:extLst/>
             </p:spPr>
             <p:txBody>
               <a:bodyPr vert="horz" wrap="square" lIns="89630" tIns="44814" rIns="89630" bIns="44814" numCol="1" anchor="t" anchorCtr="0" compatLnSpc="1">
@@ -23560,7 +25090,6 @@
                   <a:headEnd/>
                   <a:tailEnd/>
                 </a:ln>
-                <a:extLst/>
               </p:spPr>
               <p:txBody>
                 <a:bodyPr vert="horz" wrap="square" lIns="89617" tIns="44808" rIns="89617" bIns="44808" numCol="1" anchor="t" anchorCtr="0" compatLnSpc="1">
@@ -23797,7 +25326,6 @@
                   <a:headEnd/>
                   <a:tailEnd/>
                 </a:ln>
-                <a:extLst/>
               </p:spPr>
               <p:txBody>
                 <a:bodyPr vert="horz" wrap="square" lIns="89617" tIns="44808" rIns="89617" bIns="44808" numCol="1" anchor="t" anchorCtr="0" compatLnSpc="1">
@@ -25471,7 +26999,7 @@
           <p:nvPr/>
         </p:nvPicPr>
         <p:blipFill>
-          <a:blip r:embed="rId3"/>
+          <a:blip r:embed="rId4"/>
           <a:stretch>
             <a:fillRect/>
           </a:stretch>
@@ -25600,7 +27128,7 @@
           </p:nvPr>
         </p:nvPicPr>
         <p:blipFill>
-          <a:blip r:embed="rId4">
+          <a:blip r:embed="rId5">
             <a:extLst>
               <a:ext uri="{28A0092B-C50C-407E-A947-70E740481C1C}">
                 <a14:useLocalDpi xmlns:a14="http://schemas.microsoft.com/office/drawing/2010/main" val="0"/>
@@ -27674,7 +29202,7 @@
             <p:nvPr/>
           </p:nvPicPr>
           <p:blipFill>
-            <a:blip r:embed="rId5"/>
+            <a:blip r:embed="rId6"/>
             <a:stretch>
               <a:fillRect/>
             </a:stretch>
@@ -27998,7 +29526,6 @@
                 <a:headEnd/>
                 <a:tailEnd/>
               </a:ln>
-              <a:extLst/>
             </p:spPr>
             <p:txBody>
               <a:bodyPr vert="horz" wrap="square" lIns="89604" tIns="44802" rIns="89604" bIns="44802" numCol="1" anchor="t" anchorCtr="0" compatLnSpc="1">
@@ -29194,7 +30721,7 @@
             </a:r>
             <a:r>
               <a:rPr lang="en-US" sz="2000" dirty="0"/>
-              <a:t>('/me')</a:t>
+              <a:t>('me')</a:t>
             </a:r>
           </a:p>
           <a:p>

--- a/03 msgraphpclient.pptx
+++ b/03 msgraphpclient.pptx
@@ -5,10 +5,10 @@
     <p:sldMasterId id="2147484229" r:id="rId2"/>
   </p:sldMasterIdLst>
   <p:notesMasterIdLst>
-    <p:notesMasterId r:id="rId21"/>
+    <p:notesMasterId r:id="rId22"/>
   </p:notesMasterIdLst>
   <p:handoutMasterIdLst>
-    <p:handoutMasterId r:id="rId22"/>
+    <p:handoutMasterId r:id="rId23"/>
   </p:handoutMasterIdLst>
   <p:sldIdLst>
     <p:sldId id="1575" r:id="rId3"/>
@@ -23,12 +23,13 @@
     <p:sldId id="1708" r:id="rId12"/>
     <p:sldId id="1702" r:id="rId13"/>
     <p:sldId id="1703" r:id="rId14"/>
-    <p:sldId id="1704" r:id="rId15"/>
-    <p:sldId id="1709" r:id="rId16"/>
-    <p:sldId id="1710" r:id="rId17"/>
-    <p:sldId id="1711" r:id="rId18"/>
-    <p:sldId id="1712" r:id="rId19"/>
-    <p:sldId id="1713" r:id="rId20"/>
+    <p:sldId id="1714" r:id="rId15"/>
+    <p:sldId id="1717" r:id="rId16"/>
+    <p:sldId id="1709" r:id="rId17"/>
+    <p:sldId id="1710" r:id="rId18"/>
+    <p:sldId id="1711" r:id="rId19"/>
+    <p:sldId id="1712" r:id="rId20"/>
+    <p:sldId id="1713" r:id="rId21"/>
   </p:sldIdLst>
   <p:sldSz cx="12436475" cy="6994525"/>
   <p:notesSz cx="6858000" cy="9144000"/>
@@ -148,7 +149,8 @@
             <p14:sldId id="1708"/>
             <p14:sldId id="1702"/>
             <p14:sldId id="1703"/>
-            <p14:sldId id="1704"/>
+            <p14:sldId id="1714"/>
+            <p14:sldId id="1717"/>
             <p14:sldId id="1709"/>
           </p14:sldIdLst>
         </p14:section>
@@ -278,7 +280,7 @@
               <a:rPr lang="en-US" smtClean="0">
                 <a:latin typeface="Segoe UI" pitchFamily="34" charset="0"/>
               </a:rPr>
-              <a:t>3/6/20 7:20 AM</a:t>
+              <a:t>8/29/2020 2:53 PM</a:t>
             </a:fld>
             <a:endParaRPr lang="en-US" dirty="0">
               <a:latin typeface="Segoe UI" pitchFamily="34" charset="0"/>
@@ -575,7 +577,7 @@
           <a:p>
             <a:fld id="{D18B56EA-E28F-4F92-9F16-7A6F2501B303}" type="datetime8">
               <a:rPr lang="en-US" smtClean="0"/>
-              <a:t>3/6/20 7:19 AM</a:t>
+              <a:t>8/29/2020 2:53 PM</a:t>
             </a:fld>
             <a:endParaRPr lang="en-US" dirty="0"/>
           </a:p>
@@ -958,7 +960,7 @@
           <a:p>
             <a:fld id="{D18B56EA-E28F-4F92-9F16-7A6F2501B303}" type="datetime8">
               <a:rPr lang="en-US" smtClean="0"/>
-              <a:t>3/6/20 7:19 AM</a:t>
+              <a:t>8/29/2020 2:53 PM</a:t>
             </a:fld>
             <a:endParaRPr lang="en-US" dirty="0"/>
           </a:p>
@@ -1183,7 +1185,7 @@
           <a:p>
             <a:fld id="{D18B56EA-E28F-4F92-9F16-7A6F2501B303}" type="datetime8">
               <a:rPr lang="en-US" smtClean="0"/>
-              <a:t>3/6/20 2:50 PM</a:t>
+              <a:t>8/29/2020 2:53 PM</a:t>
             </a:fld>
             <a:endParaRPr lang="en-US" dirty="0"/>
           </a:p>
@@ -1395,7 +1397,7 @@
           <a:p>
             <a:fld id="{D18B56EA-E28F-4F92-9F16-7A6F2501B303}" type="datetime8">
               <a:rPr lang="en-US" smtClean="0"/>
-              <a:t>3/6/20 2:51 PM</a:t>
+              <a:t>8/29/2020 2:53 PM</a:t>
             </a:fld>
             <a:endParaRPr lang="en-US" dirty="0"/>
           </a:p>
@@ -1595,7 +1597,7 @@
           <a:p>
             <a:fld id="{D18B56EA-E28F-4F92-9F16-7A6F2501B303}" type="datetime8">
               <a:rPr lang="en-US" smtClean="0"/>
-              <a:t>3/6/20 2:52 PM</a:t>
+              <a:t>8/29/2020 2:53 PM</a:t>
             </a:fld>
             <a:endParaRPr lang="en-US" dirty="0"/>
           </a:p>
@@ -1684,16 +1686,7 @@
           <a:p>
             <a:r>
               <a:rPr lang="en-US" dirty="0"/>
-              <a:t>To approve or reject permission requests, navigate to the **API Management** page in the **SharePoint Admin Center**. Here you'll find a list of permission requests pending approval or rejection:</a:t>
-            </a:r>
-          </a:p>
-          <a:p>
-            <a:endParaRPr lang="en-US" dirty="0"/>
-          </a:p>
-          <a:p>
-            <a:r>
-              <a:rPr lang="en-US" dirty="0"/>
-              <a:t>Select the permission request to view its details and use the buttons at the bottom of the panel to approve or reject the request:</a:t>
+              <a:t>To approve or reject permission requests, navigate to the **API access** page in the **SharePoint Admin Center**. Here you'll find a list of permission requests pending approval or rejection.</a:t>
             </a:r>
           </a:p>
           <a:p>
@@ -1791,7 +1784,7 @@
           <a:p>
             <a:fld id="{D18B56EA-E28F-4F92-9F16-7A6F2501B303}" type="datetime8">
               <a:rPr lang="en-US" smtClean="0"/>
-              <a:t>3/6/20 2:52 PM</a:t>
+              <a:t>8/29/2020 2:59 PM</a:t>
             </a:fld>
             <a:endParaRPr lang="en-US" dirty="0"/>
           </a:p>
@@ -1878,6 +1871,12 @@
           <a:bodyPr/>
           <a:lstStyle/>
           <a:p>
+            <a:r>
+              <a:rPr lang="en-US" dirty="0"/>
+              <a:t>Select the permission request to view its details and use the buttons at the bottom of the panel to approve or reject the request:</a:t>
+            </a:r>
+          </a:p>
+          <a:p>
             <a:endParaRPr lang="en-US" dirty="0"/>
           </a:p>
         </p:txBody>
@@ -1889,7 +1888,7 @@
             <a:spLocks noGrp="1"/>
           </p:cNvSpPr>
           <p:nvPr>
-            <p:ph type="hdr" sz="quarter" idx="10"/>
+            <p:ph type="hdr" sz="quarter"/>
           </p:nvPr>
         </p:nvSpPr>
         <p:spPr/>
@@ -1908,7 +1907,7 @@
             <a:spLocks noGrp="1"/>
           </p:cNvSpPr>
           <p:nvPr>
-            <p:ph type="ftr" sz="quarter" idx="11"/>
+            <p:ph type="ftr" sz="quarter" idx="4"/>
           </p:nvPr>
         </p:nvSpPr>
         <p:spPr/>
@@ -1962,7 +1961,7 @@
             <a:spLocks noGrp="1"/>
           </p:cNvSpPr>
           <p:nvPr>
-            <p:ph type="dt" idx="12"/>
+            <p:ph type="dt" idx="1"/>
           </p:nvPr>
         </p:nvSpPr>
         <p:spPr/>
@@ -1972,7 +1971,7 @@
           <a:p>
             <a:fld id="{D18B56EA-E28F-4F92-9F16-7A6F2501B303}" type="datetime8">
               <a:rPr lang="en-US" smtClean="0"/>
-              <a:t>3/6/20 7:20 AM</a:t>
+              <a:t>8/29/2020 2:59 PM</a:t>
             </a:fld>
             <a:endParaRPr lang="en-US" dirty="0"/>
           </a:p>
@@ -1985,7 +1984,7 @@
             <a:spLocks noGrp="1"/>
           </p:cNvSpPr>
           <p:nvPr>
-            <p:ph type="sldNum" sz="quarter" idx="13"/>
+            <p:ph type="sldNum" sz="quarter" idx="5"/>
           </p:nvPr>
         </p:nvSpPr>
         <p:spPr/>
@@ -2005,7 +2004,7 @@
     </p:spTree>
     <p:extLst>
       <p:ext uri="{BB962C8B-B14F-4D97-AF65-F5344CB8AC3E}">
-        <p14:creationId xmlns:p14="http://schemas.microsoft.com/office/powerpoint/2010/main" val="1390539867"/>
+        <p14:creationId xmlns:p14="http://schemas.microsoft.com/office/powerpoint/2010/main" val="3594181689"/>
       </p:ext>
     </p:extLst>
   </p:cSld>
@@ -2153,7 +2152,7 @@
           <a:p>
             <a:fld id="{D18B56EA-E28F-4F92-9F16-7A6F2501B303}" type="datetime8">
               <a:rPr lang="en-US" smtClean="0"/>
-              <a:t>3/6/20 7:20 AM</a:t>
+              <a:t>8/29/2020 2:53 PM</a:t>
             </a:fld>
             <a:endParaRPr lang="en-US" dirty="0"/>
           </a:p>
@@ -2177,7 +2176,7 @@
             <a:fld id="{B4008EB6-D09E-4580-8CD6-DDB14511944F}" type="slidenum">
               <a:rPr lang="en-US" smtClean="0"/>
               <a:pPr/>
-              <a:t>16</a:t>
+              <a:t>15</a:t>
             </a:fld>
             <a:endParaRPr lang="en-US" dirty="0"/>
           </a:p>
@@ -2186,7 +2185,7 @@
     </p:spTree>
     <p:extLst>
       <p:ext uri="{BB962C8B-B14F-4D97-AF65-F5344CB8AC3E}">
-        <p14:creationId xmlns:p14="http://schemas.microsoft.com/office/powerpoint/2010/main" val="3282806226"/>
+        <p14:creationId xmlns:p14="http://schemas.microsoft.com/office/powerpoint/2010/main" val="1390539867"/>
       </p:ext>
     </p:extLst>
   </p:cSld>
@@ -2240,7 +2239,7 @@
           <a:bodyPr/>
           <a:lstStyle/>
           <a:p>
-            <a:endParaRPr lang="en-US"/>
+            <a:endParaRPr lang="en-US" dirty="0"/>
           </a:p>
         </p:txBody>
       </p:sp>
@@ -2334,7 +2333,7 @@
           <a:p>
             <a:fld id="{D18B56EA-E28F-4F92-9F16-7A6F2501B303}" type="datetime8">
               <a:rPr lang="en-US" smtClean="0"/>
-              <a:t>3/6/20 7:20 AM</a:t>
+              <a:t>8/29/2020 2:53 PM</a:t>
             </a:fld>
             <a:endParaRPr lang="en-US" dirty="0"/>
           </a:p>
@@ -2367,7 +2366,7 @@
     </p:spTree>
     <p:extLst>
       <p:ext uri="{BB962C8B-B14F-4D97-AF65-F5344CB8AC3E}">
-        <p14:creationId xmlns:p14="http://schemas.microsoft.com/office/powerpoint/2010/main" val="2510823477"/>
+        <p14:creationId xmlns:p14="http://schemas.microsoft.com/office/powerpoint/2010/main" val="3282806226"/>
       </p:ext>
     </p:extLst>
   </p:cSld>
@@ -2515,7 +2514,7 @@
           <a:p>
             <a:fld id="{D18B56EA-E28F-4F92-9F16-7A6F2501B303}" type="datetime8">
               <a:rPr lang="en-US" smtClean="0"/>
-              <a:t>3/6/20 7:20 AM</a:t>
+              <a:t>8/29/2020 2:53 PM</a:t>
             </a:fld>
             <a:endParaRPr lang="en-US" dirty="0"/>
           </a:p>
@@ -2540,6 +2539,187 @@
               <a:rPr lang="en-US" smtClean="0"/>
               <a:pPr/>
               <a:t>18</a:t>
+            </a:fld>
+            <a:endParaRPr lang="en-US" dirty="0"/>
+          </a:p>
+        </p:txBody>
+      </p:sp>
+    </p:spTree>
+    <p:extLst>
+      <p:ext uri="{BB962C8B-B14F-4D97-AF65-F5344CB8AC3E}">
+        <p14:creationId xmlns:p14="http://schemas.microsoft.com/office/powerpoint/2010/main" val="2510823477"/>
+      </p:ext>
+    </p:extLst>
+  </p:cSld>
+  <p:clrMapOvr>
+    <a:masterClrMapping/>
+  </p:clrMapOvr>
+</p:notes>
+</file>
+
+<file path=ppt/notesSlides/notesSlide18.xml><?xml version="1.0" encoding="utf-8"?>
+<p:notes xmlns:a="http://schemas.openxmlformats.org/drawingml/2006/main" xmlns:r="http://schemas.openxmlformats.org/officeDocument/2006/relationships" xmlns:p="http://schemas.openxmlformats.org/presentationml/2006/main">
+  <p:cSld>
+    <p:spTree>
+      <p:nvGrpSpPr>
+        <p:cNvPr id="1" name=""/>
+        <p:cNvGrpSpPr/>
+        <p:nvPr/>
+      </p:nvGrpSpPr>
+      <p:grpSpPr>
+        <a:xfrm>
+          <a:off x="0" y="0"/>
+          <a:ext cx="0" cy="0"/>
+          <a:chOff x="0" y="0"/>
+          <a:chExt cx="0" cy="0"/>
+        </a:xfrm>
+      </p:grpSpPr>
+      <p:sp>
+        <p:nvSpPr>
+          <p:cNvPr id="2" name="Slide Image Placeholder 1"/>
+          <p:cNvSpPr>
+            <a:spLocks noGrp="1" noRot="1" noChangeAspect="1"/>
+          </p:cNvSpPr>
+          <p:nvPr>
+            <p:ph type="sldImg"/>
+          </p:nvPr>
+        </p:nvSpPr>
+        <p:spPr/>
+      </p:sp>
+      <p:sp>
+        <p:nvSpPr>
+          <p:cNvPr id="3" name="Notes Placeholder 2"/>
+          <p:cNvSpPr>
+            <a:spLocks noGrp="1"/>
+          </p:cNvSpPr>
+          <p:nvPr>
+            <p:ph type="body" idx="1"/>
+          </p:nvPr>
+        </p:nvSpPr>
+        <p:spPr/>
+        <p:txBody>
+          <a:bodyPr/>
+          <a:lstStyle/>
+          <a:p>
+            <a:endParaRPr lang="en-US"/>
+          </a:p>
+        </p:txBody>
+      </p:sp>
+      <p:sp>
+        <p:nvSpPr>
+          <p:cNvPr id="4" name="Header Placeholder 3"/>
+          <p:cNvSpPr>
+            <a:spLocks noGrp="1"/>
+          </p:cNvSpPr>
+          <p:nvPr>
+            <p:ph type="hdr" sz="quarter" idx="10"/>
+          </p:nvPr>
+        </p:nvSpPr>
+        <p:spPr/>
+        <p:txBody>
+          <a:bodyPr/>
+          <a:lstStyle/>
+          <a:p>
+            <a:endParaRPr lang="en-US" dirty="0"/>
+          </a:p>
+        </p:txBody>
+      </p:sp>
+      <p:sp>
+        <p:nvSpPr>
+          <p:cNvPr id="5" name="Footer Placeholder 4"/>
+          <p:cNvSpPr>
+            <a:spLocks noGrp="1"/>
+          </p:cNvSpPr>
+          <p:nvPr>
+            <p:ph type="ftr" sz="quarter" idx="11"/>
+          </p:nvPr>
+        </p:nvSpPr>
+        <p:spPr/>
+        <p:txBody>
+          <a:bodyPr/>
+          <a:lstStyle/>
+          <a:p>
+            <a:pPr defTabSz="914099" eaLnBrk="0" hangingPunct="0"/>
+            <a:r>
+              <a:rPr lang="en-US" sz="400">
+                <a:gradFill>
+                  <a:gsLst>
+                    <a:gs pos="0">
+                      <a:prstClr val="black"/>
+                    </a:gs>
+                    <a:gs pos="100000">
+                      <a:prstClr val="black"/>
+                    </a:gs>
+                  </a:gsLst>
+                  <a:lin ang="5400000" scaled="0"/>
+                </a:gradFill>
+                <a:latin typeface="Segoe UI" pitchFamily="34" charset="0"/>
+                <a:ea typeface="Segoe UI" pitchFamily="34" charset="0"/>
+                <a:cs typeface="Segoe UI" pitchFamily="34" charset="0"/>
+              </a:rPr>
+              <a:t>© Microsoft Corporation. All rights reserved. MICROSOFT MAKES NO WARRANTIES, EXPRESS, IMPLIED OR STATUTORY, AS TO THE INFORMATION IN THIS PRESENTATION.</a:t>
+            </a:r>
+            <a:endParaRPr lang="en-US" sz="400" dirty="0">
+              <a:gradFill>
+                <a:gsLst>
+                  <a:gs pos="0">
+                    <a:prstClr val="black"/>
+                  </a:gs>
+                  <a:gs pos="100000">
+                    <a:prstClr val="black"/>
+                  </a:gs>
+                </a:gsLst>
+                <a:lin ang="5400000" scaled="0"/>
+              </a:gradFill>
+              <a:latin typeface="Segoe UI" pitchFamily="34" charset="0"/>
+              <a:ea typeface="Segoe UI" pitchFamily="34" charset="0"/>
+              <a:cs typeface="Segoe UI" pitchFamily="34" charset="0"/>
+            </a:endParaRPr>
+          </a:p>
+        </p:txBody>
+      </p:sp>
+      <p:sp>
+        <p:nvSpPr>
+          <p:cNvPr id="6" name="Date Placeholder 5"/>
+          <p:cNvSpPr>
+            <a:spLocks noGrp="1"/>
+          </p:cNvSpPr>
+          <p:nvPr>
+            <p:ph type="dt" idx="12"/>
+          </p:nvPr>
+        </p:nvSpPr>
+        <p:spPr/>
+        <p:txBody>
+          <a:bodyPr/>
+          <a:lstStyle/>
+          <a:p>
+            <a:fld id="{D18B56EA-E28F-4F92-9F16-7A6F2501B303}" type="datetime8">
+              <a:rPr lang="en-US" smtClean="0"/>
+              <a:t>8/29/2020 2:53 PM</a:t>
+            </a:fld>
+            <a:endParaRPr lang="en-US" dirty="0"/>
+          </a:p>
+        </p:txBody>
+      </p:sp>
+      <p:sp>
+        <p:nvSpPr>
+          <p:cNvPr id="7" name="Slide Number Placeholder 6"/>
+          <p:cNvSpPr>
+            <a:spLocks noGrp="1"/>
+          </p:cNvSpPr>
+          <p:nvPr>
+            <p:ph type="sldNum" sz="quarter" idx="13"/>
+          </p:nvPr>
+        </p:nvSpPr>
+        <p:spPr/>
+        <p:txBody>
+          <a:bodyPr/>
+          <a:lstStyle/>
+          <a:p>
+            <a:fld id="{B4008EB6-D09E-4580-8CD6-DDB14511944F}" type="slidenum">
+              <a:rPr lang="en-US" smtClean="0"/>
+              <a:pPr/>
+              <a:t>19</a:t>
             </a:fld>
             <a:endParaRPr lang="en-US" dirty="0"/>
           </a:p>
@@ -2702,7 +2882,7 @@
           <a:p>
             <a:fld id="{D18B56EA-E28F-4F92-9F16-7A6F2501B303}" type="datetime8">
               <a:rPr lang="en-US" smtClean="0"/>
-              <a:t>3/6/20 2:27 PM</a:t>
+              <a:t>8/29/2020 2:53 PM</a:t>
             </a:fld>
             <a:endParaRPr lang="en-US" dirty="0"/>
           </a:p>
@@ -2808,7 +2988,7 @@
             </a:pPr>
             <a:r>
               <a:rPr lang="en-US" dirty="0"/>
-              <a:t>The Microsoft 365 developer vision focuses on the user's experience and their data and as a developer you can bring your application into the user experience with over 1.2 billion users of office worldwide. This is a huge opportunity to provide a window into your application and to enable users to connect into their data to intelligence to your application.</a:t>
+              <a:t>The Microsoft 365 developer vision focuses on the user's experience and their data and as a developer you can bring your application into the user experience with over 1.2 billion users of Office worldwide. This is a huge opportunity to provide a window into your application and to enable users to connect into their data to intelligence to your application.</a:t>
             </a:r>
           </a:p>
           <a:p>
@@ -3042,7 +3222,7 @@
                 <a:tabLst/>
                 <a:defRPr/>
               </a:pPr>
-              <a:t>3/6/20</a:t>
+              <a:t>8/29/2020</a:t>
             </a:fld>
             <a:endParaRPr kumimoji="0" lang="en-US" sz="1800" b="0" i="0" u="none" strike="noStrike" kern="0" cap="none" spc="0" normalizeH="0" baseline="0" noProof="0" dirty="0">
               <a:ln>
@@ -3320,7 +3500,7 @@
           <a:p>
             <a:fld id="{D18B56EA-E28F-4F92-9F16-7A6F2501B303}" type="datetime8">
               <a:rPr lang="en-US" smtClean="0"/>
-              <a:t>3/6/20 2:26 PM</a:t>
+              <a:t>8/29/2020 2:53 PM</a:t>
             </a:fld>
             <a:endParaRPr lang="en-US" dirty="0"/>
           </a:p>
@@ -3534,7 +3714,7 @@
           <a:p>
             <a:fld id="{D18B56EA-E28F-4F92-9F16-7A6F2501B303}" type="datetime8">
               <a:rPr lang="en-US" smtClean="0"/>
-              <a:t>3/6/20 2:26 PM</a:t>
+              <a:t>8/29/2020 2:53 PM</a:t>
             </a:fld>
             <a:endParaRPr lang="en-US" dirty="0"/>
           </a:p>
@@ -3751,7 +3931,7 @@
           <a:p>
             <a:fld id="{D18B56EA-E28F-4F92-9F16-7A6F2501B303}" type="datetime8">
               <a:rPr lang="en-US" smtClean="0"/>
-              <a:t>3/6/20 2:26 PM</a:t>
+              <a:t>8/29/2020 2:53 PM</a:t>
             </a:fld>
             <a:endParaRPr lang="en-US" dirty="0"/>
           </a:p>
@@ -4000,7 +4180,7 @@
           <a:p>
             <a:fld id="{D18B56EA-E28F-4F92-9F16-7A6F2501B303}" type="datetime8">
               <a:rPr lang="en-US" smtClean="0"/>
-              <a:t>3/6/20 2:39 PM</a:t>
+              <a:t>8/29/2020 2:53 PM</a:t>
             </a:fld>
             <a:endParaRPr lang="en-US" dirty="0"/>
           </a:p>
@@ -4219,7 +4399,7 @@
           <a:p>
             <a:fld id="{D18B56EA-E28F-4F92-9F16-7A6F2501B303}" type="datetime8">
               <a:rPr lang="en-US" smtClean="0"/>
-              <a:t>3/6/20 2:43 PM</a:t>
+              <a:t>8/29/2020 2:53 PM</a:t>
             </a:fld>
             <a:endParaRPr lang="en-US" dirty="0"/>
           </a:p>
@@ -4460,7 +4640,7 @@
           <a:p>
             <a:fld id="{D18B56EA-E28F-4F92-9F16-7A6F2501B303}" type="datetime8">
               <a:rPr lang="en-US" smtClean="0"/>
-              <a:t>3/6/20 2:44 PM</a:t>
+              <a:t>8/29/2020 2:53 PM</a:t>
             </a:fld>
             <a:endParaRPr lang="en-US" dirty="0"/>
           </a:p>
@@ -18085,10 +18265,10 @@
       </p:sp>
       <p:pic>
         <p:nvPicPr>
-          <p:cNvPr id="4" name="Picture 3">
+          <p:cNvPr id="4" name="Picture 3" descr="A screenshot of a social media post&#10;&#10;Description automatically generated">
             <a:extLst>
               <a:ext uri="{FF2B5EF4-FFF2-40B4-BE49-F238E27FC236}">
-                <a16:creationId xmlns:a16="http://schemas.microsoft.com/office/drawing/2014/main" id="{953F9434-FB8C-40E3-8E03-91AA5C568AC7}"/>
+                <a16:creationId xmlns:a16="http://schemas.microsoft.com/office/drawing/2014/main" id="{9905DC46-D4CC-44D5-8E06-1E968949A7D9}"/>
               </a:ext>
             </a:extLst>
           </p:cNvPr>
@@ -18105,58 +18285,18 @@
         </p:blipFill>
         <p:spPr>
           <a:xfrm>
-            <a:off x="468149" y="1385455"/>
-            <a:ext cx="8134429" cy="5002675"/>
+            <a:off x="473166" y="1237687"/>
+            <a:ext cx="11541215" cy="4519150"/>
           </a:xfrm>
           <a:prstGeom prst="rect">
             <a:avLst/>
           </a:prstGeom>
-          <a:ln>
-            <a:solidFill>
-              <a:schemeClr val="accent1"/>
-            </a:solidFill>
-          </a:ln>
-        </p:spPr>
-      </p:pic>
-      <p:pic>
-        <p:nvPicPr>
-          <p:cNvPr id="6" name="Picture 5">
-            <a:extLst>
-              <a:ext uri="{FF2B5EF4-FFF2-40B4-BE49-F238E27FC236}">
-                <a16:creationId xmlns:a16="http://schemas.microsoft.com/office/drawing/2014/main" id="{B0258B88-2C8E-42A1-B959-50F584900B1A}"/>
-              </a:ext>
-            </a:extLst>
-          </p:cNvPr>
-          <p:cNvPicPr>
-            <a:picLocks noChangeAspect="1"/>
-          </p:cNvPicPr>
-          <p:nvPr/>
-        </p:nvPicPr>
-        <p:blipFill>
-          <a:blip r:embed="rId4"/>
-          <a:stretch>
-            <a:fillRect/>
-          </a:stretch>
-        </p:blipFill>
-        <p:spPr>
-          <a:xfrm>
-            <a:off x="9185528" y="1385455"/>
-            <a:ext cx="2270957" cy="4976291"/>
-          </a:xfrm>
-          <a:prstGeom prst="rect">
-            <a:avLst/>
-          </a:prstGeom>
-          <a:ln>
-            <a:solidFill>
-              <a:schemeClr val="accent1"/>
-            </a:solidFill>
-          </a:ln>
         </p:spPr>
       </p:pic>
     </p:spTree>
     <p:extLst>
       <p:ext uri="{BB962C8B-B14F-4D97-AF65-F5344CB8AC3E}">
-        <p14:creationId xmlns:p14="http://schemas.microsoft.com/office/powerpoint/2010/main" val="896392242"/>
+        <p14:creationId xmlns:p14="http://schemas.microsoft.com/office/powerpoint/2010/main" val="158700698"/>
       </p:ext>
     </p:extLst>
   </p:cSld>
@@ -18188,6 +18328,97 @@
       </p:grpSpPr>
       <p:sp>
         <p:nvSpPr>
+          <p:cNvPr id="2" name="Title 1">
+            <a:extLst>
+              <a:ext uri="{FF2B5EF4-FFF2-40B4-BE49-F238E27FC236}">
+                <a16:creationId xmlns:a16="http://schemas.microsoft.com/office/drawing/2014/main" id="{57876908-7459-8A43-87E4-1BEE3948D542}"/>
+              </a:ext>
+            </a:extLst>
+          </p:cNvPr>
+          <p:cNvSpPr>
+            <a:spLocks noGrp="1"/>
+          </p:cNvSpPr>
+          <p:nvPr>
+            <p:ph type="title"/>
+          </p:nvPr>
+        </p:nvSpPr>
+        <p:spPr/>
+        <p:txBody>
+          <a:bodyPr/>
+          <a:lstStyle/>
+          <a:p>
+            <a:r>
+              <a:rPr lang="en-US" dirty="0"/>
+              <a:t>Approve / Reject with SharePoint Online API Management Page</a:t>
+            </a:r>
+          </a:p>
+        </p:txBody>
+      </p:sp>
+      <p:pic>
+        <p:nvPicPr>
+          <p:cNvPr id="4" name="Picture 3" descr="A screenshot of a social media post&#10;&#10;Description automatically generated">
+            <a:extLst>
+              <a:ext uri="{FF2B5EF4-FFF2-40B4-BE49-F238E27FC236}">
+                <a16:creationId xmlns:a16="http://schemas.microsoft.com/office/drawing/2014/main" id="{F4C7B664-4747-4201-B361-7F06E9973526}"/>
+              </a:ext>
+            </a:extLst>
+          </p:cNvPr>
+          <p:cNvPicPr>
+            <a:picLocks noChangeAspect="1"/>
+          </p:cNvPicPr>
+          <p:nvPr/>
+        </p:nvPicPr>
+        <p:blipFill>
+          <a:blip r:embed="rId3"/>
+          <a:stretch>
+            <a:fillRect/>
+          </a:stretch>
+        </p:blipFill>
+        <p:spPr>
+          <a:xfrm>
+            <a:off x="3747670" y="1449661"/>
+            <a:ext cx="4968121" cy="5125445"/>
+          </a:xfrm>
+          <a:prstGeom prst="rect">
+            <a:avLst/>
+          </a:prstGeom>
+        </p:spPr>
+      </p:pic>
+    </p:spTree>
+    <p:extLst>
+      <p:ext uri="{BB962C8B-B14F-4D97-AF65-F5344CB8AC3E}">
+        <p14:creationId xmlns:p14="http://schemas.microsoft.com/office/powerpoint/2010/main" val="1632912546"/>
+      </p:ext>
+    </p:extLst>
+  </p:cSld>
+  <p:clrMapOvr>
+    <a:masterClrMapping/>
+  </p:clrMapOvr>
+  <p:transition>
+    <p:fade/>
+  </p:transition>
+</p:sld>
+</file>
+
+<file path=ppt/slides/slide15.xml><?xml version="1.0" encoding="utf-8"?>
+<p:sld xmlns:a="http://schemas.openxmlformats.org/drawingml/2006/main" xmlns:r="http://schemas.openxmlformats.org/officeDocument/2006/relationships" xmlns:p="http://schemas.openxmlformats.org/presentationml/2006/main">
+  <p:cSld>
+    <p:spTree>
+      <p:nvGrpSpPr>
+        <p:cNvPr id="1" name=""/>
+        <p:cNvGrpSpPr/>
+        <p:nvPr/>
+      </p:nvGrpSpPr>
+      <p:grpSpPr>
+        <a:xfrm>
+          <a:off x="0" y="0"/>
+          <a:ext cx="0" cy="0"/>
+          <a:chOff x="0" y="0"/>
+          <a:chExt cx="0" cy="0"/>
+        </a:xfrm>
+      </p:grpSpPr>
+      <p:sp>
+        <p:nvSpPr>
           <p:cNvPr id="2" name="Title 1"/>
           <p:cNvSpPr>
             <a:spLocks noGrp="1"/>
@@ -18232,7 +18463,7 @@
 </p:sld>
 </file>
 
-<file path=ppt/slides/slide15.xml><?xml version="1.0" encoding="utf-8"?>
+<file path=ppt/slides/slide16.xml><?xml version="1.0" encoding="utf-8"?>
 <p:sld xmlns:a="http://schemas.openxmlformats.org/drawingml/2006/main" xmlns:r="http://schemas.openxmlformats.org/officeDocument/2006/relationships" xmlns:p="http://schemas.openxmlformats.org/presentationml/2006/main">
   <p:cSld>
     <p:spTree>
@@ -18766,7 +18997,7 @@
 </p:sld>
 </file>
 
-<file path=ppt/slides/slide16.xml><?xml version="1.0" encoding="utf-8"?>
+<file path=ppt/slides/slide17.xml><?xml version="1.0" encoding="utf-8"?>
 <p:sld xmlns:a="http://schemas.openxmlformats.org/drawingml/2006/main" xmlns:r="http://schemas.openxmlformats.org/officeDocument/2006/relationships" xmlns:p="http://schemas.openxmlformats.org/presentationml/2006/main">
   <p:cSld>
     <p:spTree>
@@ -19050,7 +19281,7 @@
 </p:sld>
 </file>
 
-<file path=ppt/slides/slide17.xml><?xml version="1.0" encoding="utf-8"?>
+<file path=ppt/slides/slide18.xml><?xml version="1.0" encoding="utf-8"?>
 <p:sld xmlns:a="http://schemas.openxmlformats.org/drawingml/2006/main" xmlns:r="http://schemas.openxmlformats.org/officeDocument/2006/relationships" xmlns:p="http://schemas.openxmlformats.org/presentationml/2006/main">
   <p:cSld>
     <p:spTree>
@@ -19114,7 +19345,7 @@
 </p:sld>
 </file>
 
-<file path=ppt/slides/slide18.xml><?xml version="1.0" encoding="utf-8"?>
+<file path=ppt/slides/slide19.xml><?xml version="1.0" encoding="utf-8"?>
 <p:sld xmlns:a="http://schemas.openxmlformats.org/drawingml/2006/main" xmlns:r="http://schemas.openxmlformats.org/officeDocument/2006/relationships" xmlns:p="http://schemas.openxmlformats.org/presentationml/2006/main">
   <p:cSld>
     <p:spTree>

--- a/03 msgraphpclient.pptx
+++ b/03 msgraphpclient.pptx
@@ -22,9 +22,9 @@
     <p:sldId id="1706" r:id="rId11"/>
     <p:sldId id="1708" r:id="rId12"/>
     <p:sldId id="1702" r:id="rId13"/>
-    <p:sldId id="1703" r:id="rId14"/>
-    <p:sldId id="1714" r:id="rId15"/>
-    <p:sldId id="1717" r:id="rId16"/>
+    <p:sldId id="1718" r:id="rId14"/>
+    <p:sldId id="1704" r:id="rId15"/>
+    <p:sldId id="1719" r:id="rId16"/>
     <p:sldId id="1709" r:id="rId17"/>
     <p:sldId id="1710" r:id="rId18"/>
     <p:sldId id="1711" r:id="rId19"/>
@@ -148,9 +148,9 @@
             <p14:sldId id="1706"/>
             <p14:sldId id="1708"/>
             <p14:sldId id="1702"/>
-            <p14:sldId id="1703"/>
-            <p14:sldId id="1714"/>
-            <p14:sldId id="1717"/>
+            <p14:sldId id="1718"/>
+            <p14:sldId id="1704"/>
+            <p14:sldId id="1719"/>
             <p14:sldId id="1709"/>
           </p14:sldIdLst>
         </p14:section>
@@ -280,7 +280,7 @@
               <a:rPr lang="en-US" smtClean="0">
                 <a:latin typeface="Segoe UI" pitchFamily="34" charset="0"/>
               </a:rPr>
-              <a:t>8/29/2020 2:53 PM</a:t>
+              <a:t>4/19/2022 10:36 AM</a:t>
             </a:fld>
             <a:endParaRPr lang="en-US" dirty="0">
               <a:latin typeface="Segoe UI" pitchFamily="34" charset="0"/>
@@ -577,7 +577,7 @@
           <a:p>
             <a:fld id="{D18B56EA-E28F-4F92-9F16-7A6F2501B303}" type="datetime8">
               <a:rPr lang="en-US" smtClean="0"/>
-              <a:t>8/29/2020 2:53 PM</a:t>
+              <a:t>4/19/2022 10:36 AM</a:t>
             </a:fld>
             <a:endParaRPr lang="en-US" dirty="0"/>
           </a:p>
@@ -960,7 +960,7 @@
           <a:p>
             <a:fld id="{D18B56EA-E28F-4F92-9F16-7A6F2501B303}" type="datetime8">
               <a:rPr lang="en-US" smtClean="0"/>
-              <a:t>8/29/2020 2:53 PM</a:t>
+              <a:t>4/19/2022 10:36 AM</a:t>
             </a:fld>
             <a:endParaRPr lang="en-US" dirty="0"/>
           </a:p>
@@ -1185,7 +1185,7 @@
           <a:p>
             <a:fld id="{D18B56EA-E28F-4F92-9F16-7A6F2501B303}" type="datetime8">
               <a:rPr lang="en-US" smtClean="0"/>
-              <a:t>8/29/2020 2:53 PM</a:t>
+              <a:t>4/19/2022 10:36 AM</a:t>
             </a:fld>
             <a:endParaRPr lang="en-US" dirty="0"/>
           </a:p>
@@ -1397,7 +1397,7 @@
           <a:p>
             <a:fld id="{D18B56EA-E28F-4F92-9F16-7A6F2501B303}" type="datetime8">
               <a:rPr lang="en-US" smtClean="0"/>
-              <a:t>8/29/2020 2:53 PM</a:t>
+              <a:t>4/19/2022 10:36 AM</a:t>
             </a:fld>
             <a:endParaRPr lang="en-US" dirty="0"/>
           </a:p>
@@ -1486,7 +1486,7 @@
           <a:p>
             <a:r>
               <a:rPr lang="en-US" dirty="0"/>
-              <a:t>When an administrator deploys the SharePoint Framework component to the tenant App Catalog, they're presented with an additional message in the trust dialog prompt:</a:t>
+              <a:t>When an administrator deploys the SharePoint Framework component to the tenant App Catalog, they're presented with information about API access requests in the Enable app panel:</a:t>
             </a:r>
           </a:p>
           <a:p>
@@ -1495,11 +1495,8 @@
           <a:p>
             <a:r>
               <a:rPr lang="en-US" dirty="0"/>
-              <a:t>This message instructs the administrator this solution contains permission requests that should be reviewed and approved or rejected. Recall that permissions aren't tied to the SharePoint Framework package. Approving or rejecting the permissions is a separate step that must be done in order for the SharePoint Framework component to work.</a:t>
-            </a:r>
-          </a:p>
-          <a:p>
-            <a:endParaRPr lang="en-US" dirty="0"/>
+              <a:t>This section of the panel lists the API access requests that should be reviewed and approved or rejected. Recall that API access requests aren't tied to the SharePoint Framework package. Approving or rejecting the API access requests is a separate step that must be done in order for the SharePoint Framework component to work.</a:t>
+            </a:r>
           </a:p>
         </p:txBody>
       </p:sp>
@@ -1597,7 +1594,7 @@
           <a:p>
             <a:fld id="{D18B56EA-E28F-4F92-9F16-7A6F2501B303}" type="datetime8">
               <a:rPr lang="en-US" smtClean="0"/>
-              <a:t>8/29/2020 2:53 PM</a:t>
+              <a:t>4/19/2022 10:37 AM</a:t>
             </a:fld>
             <a:endParaRPr lang="en-US" dirty="0"/>
           </a:p>
@@ -1630,7 +1627,7 @@
     </p:spTree>
     <p:extLst>
       <p:ext uri="{BB962C8B-B14F-4D97-AF65-F5344CB8AC3E}">
-        <p14:creationId xmlns:p14="http://schemas.microsoft.com/office/powerpoint/2010/main" val="634491514"/>
+        <p14:creationId xmlns:p14="http://schemas.microsoft.com/office/powerpoint/2010/main" val="2904150330"/>
       </p:ext>
     </p:extLst>
   </p:cSld>
@@ -1686,11 +1683,8 @@
           <a:p>
             <a:r>
               <a:rPr lang="en-US" dirty="0"/>
-              <a:t>To approve or reject permission requests, navigate to the **API access** page in the **SharePoint Admin Center**. Here you'll find a list of permission requests pending approval or rejection.</a:t>
-            </a:r>
-          </a:p>
-          <a:p>
-            <a:endParaRPr lang="en-US" dirty="0"/>
+              <a:t>To approve or reject API access requests, navigate to the API access page in the SharePoint Admin Center. Here you'll find a list of API access requests pending approval or rejection:</a:t>
+            </a:r>
           </a:p>
         </p:txBody>
       </p:sp>
@@ -1784,7 +1778,7 @@
           <a:p>
             <a:fld id="{D18B56EA-E28F-4F92-9F16-7A6F2501B303}" type="datetime8">
               <a:rPr lang="en-US" smtClean="0"/>
-              <a:t>8/29/2020 2:59 PM</a:t>
+              <a:t>4/19/2022 10:37 AM</a:t>
             </a:fld>
             <a:endParaRPr lang="en-US" dirty="0"/>
           </a:p>
@@ -1873,11 +1867,8 @@
           <a:p>
             <a:r>
               <a:rPr lang="en-US" dirty="0"/>
-              <a:t>Select the permission request to view its details and use the buttons at the bottom of the panel to approve or reject the request:</a:t>
-            </a:r>
-          </a:p>
-          <a:p>
-            <a:endParaRPr lang="en-US" dirty="0"/>
+              <a:t>Select the API access request to view its details and use the buttons at the bottom of the panel to approve or reject the request:</a:t>
+            </a:r>
           </a:p>
         </p:txBody>
       </p:sp>
@@ -1971,7 +1962,7 @@
           <a:p>
             <a:fld id="{D18B56EA-E28F-4F92-9F16-7A6F2501B303}" type="datetime8">
               <a:rPr lang="en-US" smtClean="0"/>
-              <a:t>8/29/2020 2:59 PM</a:t>
+              <a:t>4/19/2022 10:37 AM</a:t>
             </a:fld>
             <a:endParaRPr lang="en-US" dirty="0"/>
           </a:p>
@@ -2152,7 +2143,7 @@
           <a:p>
             <a:fld id="{D18B56EA-E28F-4F92-9F16-7A6F2501B303}" type="datetime8">
               <a:rPr lang="en-US" smtClean="0"/>
-              <a:t>8/29/2020 2:53 PM</a:t>
+              <a:t>4/19/2022 10:36 AM</a:t>
             </a:fld>
             <a:endParaRPr lang="en-US" dirty="0"/>
           </a:p>
@@ -2333,7 +2324,7 @@
           <a:p>
             <a:fld id="{D18B56EA-E28F-4F92-9F16-7A6F2501B303}" type="datetime8">
               <a:rPr lang="en-US" smtClean="0"/>
-              <a:t>8/29/2020 2:53 PM</a:t>
+              <a:t>4/19/2022 10:36 AM</a:t>
             </a:fld>
             <a:endParaRPr lang="en-US" dirty="0"/>
           </a:p>
@@ -2514,7 +2505,7 @@
           <a:p>
             <a:fld id="{D18B56EA-E28F-4F92-9F16-7A6F2501B303}" type="datetime8">
               <a:rPr lang="en-US" smtClean="0"/>
-              <a:t>8/29/2020 2:53 PM</a:t>
+              <a:t>4/19/2022 10:36 AM</a:t>
             </a:fld>
             <a:endParaRPr lang="en-US" dirty="0"/>
           </a:p>
@@ -2695,7 +2686,7 @@
           <a:p>
             <a:fld id="{D18B56EA-E28F-4F92-9F16-7A6F2501B303}" type="datetime8">
               <a:rPr lang="en-US" smtClean="0"/>
-              <a:t>8/29/2020 2:53 PM</a:t>
+              <a:t>4/19/2022 10:36 AM</a:t>
             </a:fld>
             <a:endParaRPr lang="en-US" dirty="0"/>
           </a:p>
@@ -2882,7 +2873,7 @@
           <a:p>
             <a:fld id="{D18B56EA-E28F-4F92-9F16-7A6F2501B303}" type="datetime8">
               <a:rPr lang="en-US" smtClean="0"/>
-              <a:t>8/29/2020 2:53 PM</a:t>
+              <a:t>4/19/2022 10:36 AM</a:t>
             </a:fld>
             <a:endParaRPr lang="en-US" dirty="0"/>
           </a:p>
@@ -3222,7 +3213,7 @@
                 <a:tabLst/>
                 <a:defRPr/>
               </a:pPr>
-              <a:t>8/29/2020</a:t>
+              <a:t>4/19/2022</a:t>
             </a:fld>
             <a:endParaRPr kumimoji="0" lang="en-US" sz="1800" b="0" i="0" u="none" strike="noStrike" kern="0" cap="none" spc="0" normalizeH="0" baseline="0" noProof="0" dirty="0">
               <a:ln>
@@ -3500,7 +3491,7 @@
           <a:p>
             <a:fld id="{D18B56EA-E28F-4F92-9F16-7A6F2501B303}" type="datetime8">
               <a:rPr lang="en-US" smtClean="0"/>
-              <a:t>8/29/2020 2:53 PM</a:t>
+              <a:t>4/19/2022 10:36 AM</a:t>
             </a:fld>
             <a:endParaRPr lang="en-US" dirty="0"/>
           </a:p>
@@ -3714,7 +3705,7 @@
           <a:p>
             <a:fld id="{D18B56EA-E28F-4F92-9F16-7A6F2501B303}" type="datetime8">
               <a:rPr lang="en-US" smtClean="0"/>
-              <a:t>8/29/2020 2:53 PM</a:t>
+              <a:t>4/19/2022 10:36 AM</a:t>
             </a:fld>
             <a:endParaRPr lang="en-US" dirty="0"/>
           </a:p>
@@ -3931,7 +3922,7 @@
           <a:p>
             <a:fld id="{D18B56EA-E28F-4F92-9F16-7A6F2501B303}" type="datetime8">
               <a:rPr lang="en-US" smtClean="0"/>
-              <a:t>8/29/2020 2:53 PM</a:t>
+              <a:t>4/19/2022 10:36 AM</a:t>
             </a:fld>
             <a:endParaRPr lang="en-US" dirty="0"/>
           </a:p>
@@ -4180,7 +4171,7 @@
           <a:p>
             <a:fld id="{D18B56EA-E28F-4F92-9F16-7A6F2501B303}" type="datetime8">
               <a:rPr lang="en-US" smtClean="0"/>
-              <a:t>8/29/2020 2:53 PM</a:t>
+              <a:t>4/19/2022 10:36 AM</a:t>
             </a:fld>
             <a:endParaRPr lang="en-US" dirty="0"/>
           </a:p>
@@ -4399,7 +4390,7 @@
           <a:p>
             <a:fld id="{D18B56EA-E28F-4F92-9F16-7A6F2501B303}" type="datetime8">
               <a:rPr lang="en-US" smtClean="0"/>
-              <a:t>8/29/2020 2:53 PM</a:t>
+              <a:t>4/19/2022 10:36 AM</a:t>
             </a:fld>
             <a:endParaRPr lang="en-US" dirty="0"/>
           </a:p>
@@ -4640,7 +4631,7 @@
           <a:p>
             <a:fld id="{D18B56EA-E28F-4F92-9F16-7A6F2501B303}" type="datetime8">
               <a:rPr lang="en-US" smtClean="0"/>
-              <a:t>8/29/2020 2:53 PM</a:t>
+              <a:t>4/19/2022 10:36 AM</a:t>
             </a:fld>
             <a:endParaRPr lang="en-US" dirty="0"/>
           </a:p>
@@ -18087,7 +18078,12 @@
             <p:ph type="body" sz="quarter" idx="10"/>
           </p:nvPr>
         </p:nvSpPr>
-        <p:spPr/>
+        <p:spPr>
+          <a:xfrm>
+            <a:off x="464400" y="1212850"/>
+            <a:ext cx="7244938" cy="2280624"/>
+          </a:xfrm>
+        </p:spPr>
         <p:txBody>
           <a:bodyPr/>
           <a:lstStyle/>
@@ -18104,35 +18100,21 @@
             <a:pPr lvl="1"/>
             <a:r>
               <a:rPr lang="en-US" dirty="0"/>
-              <a:t>Extra note in dialog notifies of additional step required</a:t>
+              <a:t>Enable app panel contains information about API access (permission) requests</a:t>
             </a:r>
           </a:p>
           <a:p>
             <a:pPr lvl="1"/>
             <a:r>
               <a:rPr lang="en-US" dirty="0"/>
-              <a:t>While application can be installed </a:t>
+              <a:t>While application can be installed in SharePoint sites, it does not </a:t>
             </a:r>
             <a:br>
               <a:rPr lang="en-US" dirty="0"/>
             </a:br>
             <a:r>
               <a:rPr lang="en-US" dirty="0"/>
-              <a:t>in SharePoint sites, it does not </a:t>
-            </a:r>
-            <a:br>
-              <a:rPr lang="en-US" dirty="0"/>
-            </a:br>
-            <a:r>
-              <a:rPr lang="en-US" dirty="0"/>
-              <a:t>have the permissions granted </a:t>
-            </a:r>
-            <a:br>
-              <a:rPr lang="en-US" dirty="0"/>
-            </a:br>
-            <a:r>
-              <a:rPr lang="en-US" dirty="0"/>
-              <a:t>that it needs to access Azure AD </a:t>
+              <a:t>have the permissions granted that it needs to access Azure AD </a:t>
             </a:r>
             <a:br>
               <a:rPr lang="en-US" dirty="0"/>
@@ -18174,10 +18156,10 @@
       </p:sp>
       <p:pic>
         <p:nvPicPr>
-          <p:cNvPr id="12" name="Picture 11">
+          <p:cNvPr id="4" name="Picture 3" descr="Graphical user interface, text, application&#10;&#10;Description automatically generated">
             <a:extLst>
               <a:ext uri="{FF2B5EF4-FFF2-40B4-BE49-F238E27FC236}">
-                <a16:creationId xmlns:a16="http://schemas.microsoft.com/office/drawing/2014/main" id="{29291EF6-E42F-7440-9C9D-95859A0C920C}"/>
+                <a16:creationId xmlns:a16="http://schemas.microsoft.com/office/drawing/2014/main" id="{41424B69-F85B-4828-992E-987A95423CDA}"/>
               </a:ext>
             </a:extLst>
           </p:cNvPr>
@@ -18194,8 +18176,8 @@
         </p:blipFill>
         <p:spPr>
           <a:xfrm>
-            <a:off x="5310983" y="2680724"/>
-            <a:ext cx="5800563" cy="3353880"/>
+            <a:off x="8008913" y="1212850"/>
+            <a:ext cx="3963162" cy="5029394"/>
           </a:xfrm>
           <a:prstGeom prst="rect">
             <a:avLst/>
@@ -18205,7 +18187,7 @@
     </p:spTree>
     <p:extLst>
       <p:ext uri="{BB962C8B-B14F-4D97-AF65-F5344CB8AC3E}">
-        <p14:creationId xmlns:p14="http://schemas.microsoft.com/office/powerpoint/2010/main" val="2097426381"/>
+        <p14:creationId xmlns:p14="http://schemas.microsoft.com/office/powerpoint/2010/main" val="1524455918"/>
       </p:ext>
     </p:extLst>
   </p:cSld>
@@ -18296,7 +18278,7 @@
     </p:spTree>
     <p:extLst>
       <p:ext uri="{BB962C8B-B14F-4D97-AF65-F5344CB8AC3E}">
-        <p14:creationId xmlns:p14="http://schemas.microsoft.com/office/powerpoint/2010/main" val="158700698"/>
+        <p14:creationId xmlns:p14="http://schemas.microsoft.com/office/powerpoint/2010/main" val="896392242"/>
       </p:ext>
     </p:extLst>
   </p:cSld>
@@ -18387,7 +18369,7 @@
     </p:spTree>
     <p:extLst>
       <p:ext uri="{BB962C8B-B14F-4D97-AF65-F5344CB8AC3E}">
-        <p14:creationId xmlns:p14="http://schemas.microsoft.com/office/powerpoint/2010/main" val="1632912546"/>
+        <p14:creationId xmlns:p14="http://schemas.microsoft.com/office/powerpoint/2010/main" val="1363198787"/>
       </p:ext>
     </p:extLst>
   </p:cSld>

--- a/03 msgraphpclient.pptx
+++ b/03 msgraphpclient.pptx
@@ -280,7 +280,7 @@
               <a:rPr lang="en-US" smtClean="0">
                 <a:latin typeface="Segoe UI" pitchFamily="34" charset="0"/>
               </a:rPr>
-              <a:t>4/19/2022 10:36 AM</a:t>
+              <a:t>8/26/2022 7:47 PM</a:t>
             </a:fld>
             <a:endParaRPr lang="en-US" dirty="0">
               <a:latin typeface="Segoe UI" pitchFamily="34" charset="0"/>
@@ -577,7 +577,7 @@
           <a:p>
             <a:fld id="{D18B56EA-E28F-4F92-9F16-7A6F2501B303}" type="datetime8">
               <a:rPr lang="en-US" smtClean="0"/>
-              <a:t>4/19/2022 10:36 AM</a:t>
+              <a:t>8/26/2022 7:47 PM</a:t>
             </a:fld>
             <a:endParaRPr lang="en-US" dirty="0"/>
           </a:p>
@@ -960,7 +960,7 @@
           <a:p>
             <a:fld id="{D18B56EA-E28F-4F92-9F16-7A6F2501B303}" type="datetime8">
               <a:rPr lang="en-US" smtClean="0"/>
-              <a:t>4/19/2022 10:36 AM</a:t>
+              <a:t>8/26/2022 7:47 PM</a:t>
             </a:fld>
             <a:endParaRPr lang="en-US" dirty="0"/>
           </a:p>
@@ -1075,15 +1075,7 @@
             </a:r>
             <a:r>
               <a:rPr lang="en-US" dirty="0"/>
-              <a:t>()` method. This will return an instance of the `</a:t>
-            </a:r>
-            <a:r>
-              <a:rPr lang="en-US" dirty="0" err="1"/>
-              <a:t>MSGraphClient</a:t>
-            </a:r>
-            <a:r>
-              <a:rPr lang="en-US" dirty="0"/>
-              <a:t>` that is already configured with the necessary OAuth 2.0 access token:</a:t>
+              <a:t>()` method. This will return an instance of the `MSGraphClientV3` that is already configured with the necessary OAuth 2.0 access token:</a:t>
             </a:r>
           </a:p>
           <a:p>
@@ -1185,7 +1177,7 @@
           <a:p>
             <a:fld id="{D18B56EA-E28F-4F92-9F16-7A6F2501B303}" type="datetime8">
               <a:rPr lang="en-US" smtClean="0"/>
-              <a:t>4/19/2022 10:36 AM</a:t>
+              <a:t>8/26/2022 7:47 PM</a:t>
             </a:fld>
             <a:endParaRPr lang="en-US" dirty="0"/>
           </a:p>
@@ -1397,7 +1389,7 @@
           <a:p>
             <a:fld id="{D18B56EA-E28F-4F92-9F16-7A6F2501B303}" type="datetime8">
               <a:rPr lang="en-US" smtClean="0"/>
-              <a:t>4/19/2022 10:36 AM</a:t>
+              <a:t>8/26/2022 7:47 PM</a:t>
             </a:fld>
             <a:endParaRPr lang="en-US" dirty="0"/>
           </a:p>
@@ -1594,7 +1586,7 @@
           <a:p>
             <a:fld id="{D18B56EA-E28F-4F92-9F16-7A6F2501B303}" type="datetime8">
               <a:rPr lang="en-US" smtClean="0"/>
-              <a:t>4/19/2022 10:37 AM</a:t>
+              <a:t>8/26/2022 7:47 PM</a:t>
             </a:fld>
             <a:endParaRPr lang="en-US" dirty="0"/>
           </a:p>
@@ -1778,7 +1770,7 @@
           <a:p>
             <a:fld id="{D18B56EA-E28F-4F92-9F16-7A6F2501B303}" type="datetime8">
               <a:rPr lang="en-US" smtClean="0"/>
-              <a:t>4/19/2022 10:37 AM</a:t>
+              <a:t>8/26/2022 7:47 PM</a:t>
             </a:fld>
             <a:endParaRPr lang="en-US" dirty="0"/>
           </a:p>
@@ -1962,7 +1954,7 @@
           <a:p>
             <a:fld id="{D18B56EA-E28F-4F92-9F16-7A6F2501B303}" type="datetime8">
               <a:rPr lang="en-US" smtClean="0"/>
-              <a:t>4/19/2022 10:37 AM</a:t>
+              <a:t>8/26/2022 7:47 PM</a:t>
             </a:fld>
             <a:endParaRPr lang="en-US" dirty="0"/>
           </a:p>
@@ -2143,7 +2135,7 @@
           <a:p>
             <a:fld id="{D18B56EA-E28F-4F92-9F16-7A6F2501B303}" type="datetime8">
               <a:rPr lang="en-US" smtClean="0"/>
-              <a:t>4/19/2022 10:36 AM</a:t>
+              <a:t>8/26/2022 7:47 PM</a:t>
             </a:fld>
             <a:endParaRPr lang="en-US" dirty="0"/>
           </a:p>
@@ -2324,7 +2316,7 @@
           <a:p>
             <a:fld id="{D18B56EA-E28F-4F92-9F16-7A6F2501B303}" type="datetime8">
               <a:rPr lang="en-US" smtClean="0"/>
-              <a:t>4/19/2022 10:36 AM</a:t>
+              <a:t>8/26/2022 7:47 PM</a:t>
             </a:fld>
             <a:endParaRPr lang="en-US" dirty="0"/>
           </a:p>
@@ -2505,7 +2497,7 @@
           <a:p>
             <a:fld id="{D18B56EA-E28F-4F92-9F16-7A6F2501B303}" type="datetime8">
               <a:rPr lang="en-US" smtClean="0"/>
-              <a:t>4/19/2022 10:36 AM</a:t>
+              <a:t>8/26/2022 7:47 PM</a:t>
             </a:fld>
             <a:endParaRPr lang="en-US" dirty="0"/>
           </a:p>
@@ -2686,7 +2678,7 @@
           <a:p>
             <a:fld id="{D18B56EA-E28F-4F92-9F16-7A6F2501B303}" type="datetime8">
               <a:rPr lang="en-US" smtClean="0"/>
-              <a:t>4/19/2022 10:36 AM</a:t>
+              <a:t>8/26/2022 7:47 PM</a:t>
             </a:fld>
             <a:endParaRPr lang="en-US" dirty="0"/>
           </a:p>
@@ -2873,7 +2865,7 @@
           <a:p>
             <a:fld id="{D18B56EA-E28F-4F92-9F16-7A6F2501B303}" type="datetime8">
               <a:rPr lang="en-US" smtClean="0"/>
-              <a:t>4/19/2022 10:36 AM</a:t>
+              <a:t>8/26/2022 7:47 PM</a:t>
             </a:fld>
             <a:endParaRPr lang="en-US" dirty="0"/>
           </a:p>
@@ -3213,7 +3205,7 @@
                 <a:tabLst/>
                 <a:defRPr/>
               </a:pPr>
-              <a:t>4/19/2022</a:t>
+              <a:t>8/26/2022</a:t>
             </a:fld>
             <a:endParaRPr kumimoji="0" lang="en-US" sz="1800" b="0" i="0" u="none" strike="noStrike" kern="0" cap="none" spc="0" normalizeH="0" baseline="0" noProof="0" dirty="0">
               <a:ln>
@@ -3491,7 +3483,7 @@
           <a:p>
             <a:fld id="{D18B56EA-E28F-4F92-9F16-7A6F2501B303}" type="datetime8">
               <a:rPr lang="en-US" smtClean="0"/>
-              <a:t>4/19/2022 10:36 AM</a:t>
+              <a:t>8/26/2022 7:47 PM</a:t>
             </a:fld>
             <a:endParaRPr lang="en-US" dirty="0"/>
           </a:p>
@@ -3705,7 +3697,7 @@
           <a:p>
             <a:fld id="{D18B56EA-E28F-4F92-9F16-7A6F2501B303}" type="datetime8">
               <a:rPr lang="en-US" smtClean="0"/>
-              <a:t>4/19/2022 10:36 AM</a:t>
+              <a:t>8/26/2022 7:47 PM</a:t>
             </a:fld>
             <a:endParaRPr lang="en-US" dirty="0"/>
           </a:p>
@@ -3922,7 +3914,7 @@
           <a:p>
             <a:fld id="{D18B56EA-E28F-4F92-9F16-7A6F2501B303}" type="datetime8">
               <a:rPr lang="en-US" smtClean="0"/>
-              <a:t>4/19/2022 10:36 AM</a:t>
+              <a:t>8/26/2022 7:47 PM</a:t>
             </a:fld>
             <a:endParaRPr lang="en-US" dirty="0"/>
           </a:p>
@@ -4171,7 +4163,7 @@
           <a:p>
             <a:fld id="{D18B56EA-E28F-4F92-9F16-7A6F2501B303}" type="datetime8">
               <a:rPr lang="en-US" smtClean="0"/>
-              <a:t>4/19/2022 10:36 AM</a:t>
+              <a:t>8/26/2022 7:47 PM</a:t>
             </a:fld>
             <a:endParaRPr lang="en-US" dirty="0"/>
           </a:p>
@@ -4390,7 +4382,7 @@
           <a:p>
             <a:fld id="{D18B56EA-E28F-4F92-9F16-7A6F2501B303}" type="datetime8">
               <a:rPr lang="en-US" smtClean="0"/>
-              <a:t>4/19/2022 10:36 AM</a:t>
+              <a:t>8/26/2022 7:47 PM</a:t>
             </a:fld>
             <a:endParaRPr lang="en-US" dirty="0"/>
           </a:p>
@@ -4631,7 +4623,7 @@
           <a:p>
             <a:fld id="{D18B56EA-E28F-4F92-9F16-7A6F2501B303}" type="datetime8">
               <a:rPr lang="en-US" smtClean="0"/>
-              <a:t>4/19/2022 10:36 AM</a:t>
+              <a:t>8/26/2022 7:47 PM</a:t>
             </a:fld>
             <a:endParaRPr lang="en-US" dirty="0"/>
           </a:p>
@@ -17459,11 +17451,11 @@
           <a:lstStyle/>
           <a:p>
             <a:r>
-              <a:rPr lang="en-US" b="1" dirty="0" err="1">
+              <a:rPr lang="en-US" b="1" dirty="0">
                 <a:latin typeface="Courier New" panose="02070309020205020404" pitchFamily="49" charset="0"/>
                 <a:cs typeface="Courier New" panose="02070309020205020404" pitchFamily="49" charset="0"/>
               </a:rPr>
-              <a:t>MSGraphClient</a:t>
+              <a:t>MSGraphClientV3</a:t>
             </a:r>
             <a:r>
               <a:rPr lang="en-US" dirty="0"/>
@@ -17524,7 +17516,7 @@
                 <a:latin typeface="Consolas" panose="020B0609020204030204" pitchFamily="49" charset="0"/>
                 <a:cs typeface="Consolas" panose="020B0609020204030204" pitchFamily="49" charset="0"/>
               </a:rPr>
-              <a:t>()</a:t>
+              <a:t>('3')</a:t>
             </a:r>
           </a:p>
           <a:p>
@@ -17536,47 +17528,19 @@
                 <a:latin typeface="Consolas" panose="020B0609020204030204" pitchFamily="49" charset="0"/>
                 <a:cs typeface="Consolas" panose="020B0609020204030204" pitchFamily="49" charset="0"/>
               </a:rPr>
-              <a:t>     .then((client: </a:t>
-            </a:r>
-            <a:r>
-              <a:rPr lang="en-US" sz="2000" dirty="0" err="1">
-                <a:latin typeface="Consolas" panose="020B0609020204030204" pitchFamily="49" charset="0"/>
-                <a:cs typeface="Consolas" panose="020B0609020204030204" pitchFamily="49" charset="0"/>
-              </a:rPr>
-              <a:t>MSGraphClient</a:t>
-            </a:r>
+              <a:t>     .then((client: MSGraphClientV3): void =&gt; {</a:t>
+            </a:r>
+          </a:p>
+          <a:p>
+            <a:pPr marL="0" indent="0">
+              <a:buNone/>
+            </a:pPr>
             <a:r>
               <a:rPr lang="en-US" sz="2000" dirty="0">
                 <a:latin typeface="Consolas" panose="020B0609020204030204" pitchFamily="49" charset="0"/>
                 <a:cs typeface="Consolas" panose="020B0609020204030204" pitchFamily="49" charset="0"/>
               </a:rPr>
-              <a:t>): void =&gt; {</a:t>
-            </a:r>
-          </a:p>
-          <a:p>
-            <a:pPr marL="0" indent="0">
-              <a:buNone/>
-            </a:pPr>
-            <a:r>
-              <a:rPr lang="en-US" sz="2000" dirty="0">
-                <a:latin typeface="Consolas" panose="020B0609020204030204" pitchFamily="49" charset="0"/>
-                <a:cs typeface="Consolas" panose="020B0609020204030204" pitchFamily="49" charset="0"/>
-              </a:rPr>
-              <a:t>       // use </a:t>
-            </a:r>
-            <a:r>
-              <a:rPr lang="en-US" sz="2000" dirty="0" err="1">
-                <a:latin typeface="Consolas" panose="020B0609020204030204" pitchFamily="49" charset="0"/>
-                <a:cs typeface="Consolas" panose="020B0609020204030204" pitchFamily="49" charset="0"/>
-              </a:rPr>
-              <a:t>MSGraphClient</a:t>
-            </a:r>
-            <a:r>
-              <a:rPr lang="en-US" sz="2000" dirty="0">
-                <a:latin typeface="Consolas" panose="020B0609020204030204" pitchFamily="49" charset="0"/>
-                <a:cs typeface="Consolas" panose="020B0609020204030204" pitchFamily="49" charset="0"/>
-              </a:rPr>
-              <a:t> here</a:t>
+              <a:t>       // use MSGraphClientV3 here</a:t>
             </a:r>
           </a:p>
           <a:p>

--- a/03 msgraphpclient.pptx
+++ b/03 msgraphpclient.pptx
@@ -280,7 +280,7 @@
               <a:rPr lang="en-US" smtClean="0">
                 <a:latin typeface="Segoe UI" pitchFamily="34" charset="0"/>
               </a:rPr>
-              <a:t>8/26/2022 7:47 PM</a:t>
+              <a:t>11/19/2022 8:57 AM</a:t>
             </a:fld>
             <a:endParaRPr lang="en-US" dirty="0">
               <a:latin typeface="Segoe UI" pitchFamily="34" charset="0"/>
@@ -577,7 +577,7 @@
           <a:p>
             <a:fld id="{D18B56EA-E28F-4F92-9F16-7A6F2501B303}" type="datetime8">
               <a:rPr lang="en-US" smtClean="0"/>
-              <a:t>8/26/2022 7:47 PM</a:t>
+              <a:t>11/19/2022 8:57 AM</a:t>
             </a:fld>
             <a:endParaRPr lang="en-US" dirty="0"/>
           </a:p>
@@ -960,7 +960,7 @@
           <a:p>
             <a:fld id="{D18B56EA-E28F-4F92-9F16-7A6F2501B303}" type="datetime8">
               <a:rPr lang="en-US" smtClean="0"/>
-              <a:t>8/26/2022 7:47 PM</a:t>
+              <a:t>11/19/2022 8:57 AM</a:t>
             </a:fld>
             <a:endParaRPr lang="en-US" dirty="0"/>
           </a:p>
@@ -1177,7 +1177,7 @@
           <a:p>
             <a:fld id="{D18B56EA-E28F-4F92-9F16-7A6F2501B303}" type="datetime8">
               <a:rPr lang="en-US" smtClean="0"/>
-              <a:t>8/26/2022 7:47 PM</a:t>
+              <a:t>11/19/2022 8:57 AM</a:t>
             </a:fld>
             <a:endParaRPr lang="en-US" dirty="0"/>
           </a:p>
@@ -1389,7 +1389,7 @@
           <a:p>
             <a:fld id="{D18B56EA-E28F-4F92-9F16-7A6F2501B303}" type="datetime8">
               <a:rPr lang="en-US" smtClean="0"/>
-              <a:t>8/26/2022 7:47 PM</a:t>
+              <a:t>11/19/2022 8:57 AM</a:t>
             </a:fld>
             <a:endParaRPr lang="en-US" dirty="0"/>
           </a:p>
@@ -1586,7 +1586,7 @@
           <a:p>
             <a:fld id="{D18B56EA-E28F-4F92-9F16-7A6F2501B303}" type="datetime8">
               <a:rPr lang="en-US" smtClean="0"/>
-              <a:t>8/26/2022 7:47 PM</a:t>
+              <a:t>11/19/2022 8:57 AM</a:t>
             </a:fld>
             <a:endParaRPr lang="en-US" dirty="0"/>
           </a:p>
@@ -1770,7 +1770,7 @@
           <a:p>
             <a:fld id="{D18B56EA-E28F-4F92-9F16-7A6F2501B303}" type="datetime8">
               <a:rPr lang="en-US" smtClean="0"/>
-              <a:t>8/26/2022 7:47 PM</a:t>
+              <a:t>11/19/2022 8:57 AM</a:t>
             </a:fld>
             <a:endParaRPr lang="en-US" dirty="0"/>
           </a:p>
@@ -1954,7 +1954,7 @@
           <a:p>
             <a:fld id="{D18B56EA-E28F-4F92-9F16-7A6F2501B303}" type="datetime8">
               <a:rPr lang="en-US" smtClean="0"/>
-              <a:t>8/26/2022 7:47 PM</a:t>
+              <a:t>11/19/2022 8:57 AM</a:t>
             </a:fld>
             <a:endParaRPr lang="en-US" dirty="0"/>
           </a:p>
@@ -2135,7 +2135,7 @@
           <a:p>
             <a:fld id="{D18B56EA-E28F-4F92-9F16-7A6F2501B303}" type="datetime8">
               <a:rPr lang="en-US" smtClean="0"/>
-              <a:t>8/26/2022 7:47 PM</a:t>
+              <a:t>11/19/2022 8:57 AM</a:t>
             </a:fld>
             <a:endParaRPr lang="en-US" dirty="0"/>
           </a:p>
@@ -2316,7 +2316,7 @@
           <a:p>
             <a:fld id="{D18B56EA-E28F-4F92-9F16-7A6F2501B303}" type="datetime8">
               <a:rPr lang="en-US" smtClean="0"/>
-              <a:t>8/26/2022 7:47 PM</a:t>
+              <a:t>11/19/2022 8:57 AM</a:t>
             </a:fld>
             <a:endParaRPr lang="en-US" dirty="0"/>
           </a:p>
@@ -2497,7 +2497,7 @@
           <a:p>
             <a:fld id="{D18B56EA-E28F-4F92-9F16-7A6F2501B303}" type="datetime8">
               <a:rPr lang="en-US" smtClean="0"/>
-              <a:t>8/26/2022 7:47 PM</a:t>
+              <a:t>11/19/2022 8:57 AM</a:t>
             </a:fld>
             <a:endParaRPr lang="en-US" dirty="0"/>
           </a:p>
@@ -2678,7 +2678,7 @@
           <a:p>
             <a:fld id="{D18B56EA-E28F-4F92-9F16-7A6F2501B303}" type="datetime8">
               <a:rPr lang="en-US" smtClean="0"/>
-              <a:t>8/26/2022 7:47 PM</a:t>
+              <a:t>11/19/2022 8:57 AM</a:t>
             </a:fld>
             <a:endParaRPr lang="en-US" dirty="0"/>
           </a:p>
@@ -2865,7 +2865,7 @@
           <a:p>
             <a:fld id="{D18B56EA-E28F-4F92-9F16-7A6F2501B303}" type="datetime8">
               <a:rPr lang="en-US" smtClean="0"/>
-              <a:t>8/26/2022 7:47 PM</a:t>
+              <a:t>11/19/2022 8:57 AM</a:t>
             </a:fld>
             <a:endParaRPr lang="en-US" dirty="0"/>
           </a:p>
@@ -3205,7 +3205,7 @@
                 <a:tabLst/>
                 <a:defRPr/>
               </a:pPr>
-              <a:t>8/26/2022</a:t>
+              <a:t>11/19/2022</a:t>
             </a:fld>
             <a:endParaRPr kumimoji="0" lang="en-US" sz="1800" b="0" i="0" u="none" strike="noStrike" kern="0" cap="none" spc="0" normalizeH="0" baseline="0" noProof="0" dirty="0">
               <a:ln>
@@ -3483,7 +3483,7 @@
           <a:p>
             <a:fld id="{D18B56EA-E28F-4F92-9F16-7A6F2501B303}" type="datetime8">
               <a:rPr lang="en-US" smtClean="0"/>
-              <a:t>8/26/2022 7:47 PM</a:t>
+              <a:t>11/19/2022 8:57 AM</a:t>
             </a:fld>
             <a:endParaRPr lang="en-US" dirty="0"/>
           </a:p>
@@ -3697,7 +3697,7 @@
           <a:p>
             <a:fld id="{D18B56EA-E28F-4F92-9F16-7A6F2501B303}" type="datetime8">
               <a:rPr lang="en-US" smtClean="0"/>
-              <a:t>8/26/2022 7:47 PM</a:t>
+              <a:t>11/19/2022 8:57 AM</a:t>
             </a:fld>
             <a:endParaRPr lang="en-US" dirty="0"/>
           </a:p>
@@ -3914,7 +3914,7 @@
           <a:p>
             <a:fld id="{D18B56EA-E28F-4F92-9F16-7A6F2501B303}" type="datetime8">
               <a:rPr lang="en-US" smtClean="0"/>
-              <a:t>8/26/2022 7:47 PM</a:t>
+              <a:t>11/19/2022 8:57 AM</a:t>
             </a:fld>
             <a:endParaRPr lang="en-US" dirty="0"/>
           </a:p>
@@ -4163,7 +4163,7 @@
           <a:p>
             <a:fld id="{D18B56EA-E28F-4F92-9F16-7A6F2501B303}" type="datetime8">
               <a:rPr lang="en-US" smtClean="0"/>
-              <a:t>8/26/2022 7:47 PM</a:t>
+              <a:t>11/19/2022 8:57 AM</a:t>
             </a:fld>
             <a:endParaRPr lang="en-US" dirty="0"/>
           </a:p>
@@ -4382,7 +4382,7 @@
           <a:p>
             <a:fld id="{D18B56EA-E28F-4F92-9F16-7A6F2501B303}" type="datetime8">
               <a:rPr lang="en-US" smtClean="0"/>
-              <a:t>8/26/2022 7:47 PM</a:t>
+              <a:t>11/19/2022 8:57 AM</a:t>
             </a:fld>
             <a:endParaRPr lang="en-US" dirty="0"/>
           </a:p>
@@ -4623,7 +4623,7 @@
           <a:p>
             <a:fld id="{D18B56EA-E28F-4F92-9F16-7A6F2501B303}" type="datetime8">
               <a:rPr lang="en-US" smtClean="0"/>
-              <a:t>8/26/2022 7:47 PM</a:t>
+              <a:t>11/19/2022 8:57 AM</a:t>
             </a:fld>
             <a:endParaRPr lang="en-US" dirty="0"/>
           </a:p>
@@ -19126,7 +19126,7 @@
                 <a:latin typeface="+mj-lt"/>
                 <a:hlinkClick r:id="rId3"/>
               </a:rPr>
-              <a:t>https://docs.microsoft.com/en-us/sharepoint/dev/spfx/sharepoint-framework-overview</a:t>
+              <a:t>https://learn.microsoft.com/en-us/sharepoint/dev/spfx/sharepoint-framework-overview</a:t>
             </a:r>
             <a:endParaRPr lang="en-US" sz="1800" dirty="0">
               <a:latin typeface="+mj-lt"/>
@@ -19169,19 +19169,7 @@
               <a:rPr lang="en-US" sz="1800" dirty="0">
                 <a:latin typeface="+mj-lt"/>
               </a:rPr>
-              <a:t>Use the </a:t>
-            </a:r>
-            <a:r>
-              <a:rPr lang="en-US" sz="1800" dirty="0" err="1">
-                <a:latin typeface="+mj-lt"/>
-              </a:rPr>
-              <a:t>MSGraphClient</a:t>
-            </a:r>
-            <a:r>
-              <a:rPr lang="en-US" sz="1800" dirty="0">
-                <a:latin typeface="+mj-lt"/>
-              </a:rPr>
-              <a:t> to Connect to Microsoft Graph</a:t>
+              <a:t>Use the MSGraphClientV3 to Connect to Microsoft Graph</a:t>
             </a:r>
           </a:p>
           <a:p>
@@ -19200,7 +19188,7 @@
                 <a:latin typeface="+mj-lt"/>
                 <a:hlinkClick r:id="rId4"/>
               </a:rPr>
-              <a:t>https://docs.microsoft.com/sharepoint/dev/spfx/use-msgraph</a:t>
+              <a:t>https://learn.microsoft.com/sharepoint/dev/spfx/use-msgraph</a:t>
             </a:r>
             <a:r>
               <a:rPr lang="en-US" sz="1800" dirty="0">
@@ -30665,7 +30653,12 @@
             <p:ph type="body" sz="quarter" idx="10"/>
           </p:nvPr>
         </p:nvSpPr>
-        <p:spPr/>
+        <p:spPr>
+          <a:xfrm>
+            <a:off x="464400" y="1212850"/>
+            <a:ext cx="11574000" cy="2066378"/>
+          </a:xfrm>
+        </p:spPr>
         <p:txBody>
           <a:bodyPr/>
           <a:lstStyle/>
